--- a/Abschlusspräsentation/Abschlusspräsentation.pptx
+++ b/Abschlusspräsentation/Abschlusspräsentation.pptx
@@ -1,15 +1,19 @@
 
 <file path=ppt/presentation.xml><?xml version="1.0" encoding="utf-8"?>
-<p:presentation xmlns:a="http://schemas.openxmlformats.org/drawingml/2006/main" xmlns:r="http://schemas.openxmlformats.org/officeDocument/2006/relationships" xmlns:p="http://schemas.openxmlformats.org/presentationml/2006/main" saveSubsetFonts="1" autoCompressPictures="0">
+<p:presentation xmlns:a="http://schemas.openxmlformats.org/drawingml/2006/main" xmlns:r="http://schemas.openxmlformats.org/officeDocument/2006/relationships" xmlns:p="http://schemas.openxmlformats.org/presentationml/2006/main" saveSubsetFonts="1">
   <p:sldMasterIdLst>
     <p:sldMasterId id="2147483648" r:id="rId1"/>
   </p:sldMasterIdLst>
-  <p:notesMasterIdLst>
-    <p:notesMasterId r:id="rId4"/>
-  </p:notesMasterIdLst>
   <p:sldIdLst>
     <p:sldId id="256" r:id="rId2"/>
     <p:sldId id="257" r:id="rId3"/>
+    <p:sldId id="262" r:id="rId4"/>
+    <p:sldId id="265" r:id="rId5"/>
+    <p:sldId id="259" r:id="rId6"/>
+    <p:sldId id="266" r:id="rId7"/>
+    <p:sldId id="261" r:id="rId8"/>
+    <p:sldId id="263" r:id="rId9"/>
+    <p:sldId id="260" r:id="rId10"/>
   </p:sldIdLst>
   <p:sldSz cx="12192000" cy="6858000"/>
   <p:notesSz cx="6858000" cy="9144000"/>
@@ -108,357 +112,16 @@
       </a:defRPr>
     </a:lvl9pPr>
   </p:defaultTextStyle>
+  <p:extLst>
+    <p:ext uri="{EFAFB233-063F-42B5-8137-9DF3F51BA10A}">
+      <p15:sldGuideLst xmlns:p15="http://schemas.microsoft.com/office/powerpoint/2012/main"/>
+    </p:ext>
+  </p:extLst>
 </p:presentation>
 </file>
 
-<file path=ppt/notesMasters/notesMaster1.xml><?xml version="1.0" encoding="utf-8"?>
-<p:notesMaster xmlns:a="http://schemas.openxmlformats.org/drawingml/2006/main" xmlns:r="http://schemas.openxmlformats.org/officeDocument/2006/relationships" xmlns:p="http://schemas.openxmlformats.org/presentationml/2006/main">
-  <p:cSld>
-    <p:bg>
-      <p:bgRef idx="1001">
-        <a:schemeClr val="bg1"/>
-      </p:bgRef>
-    </p:bg>
-    <p:spTree>
-      <p:nvGrpSpPr>
-        <p:cNvPr id="1" name=""/>
-        <p:cNvGrpSpPr/>
-        <p:nvPr/>
-      </p:nvGrpSpPr>
-      <p:grpSpPr>
-        <a:xfrm>
-          <a:off x="0" y="0"/>
-          <a:ext cx="0" cy="0"/>
-          <a:chOff x="0" y="0"/>
-          <a:chExt cx="0" cy="0"/>
-        </a:xfrm>
-      </p:grpSpPr>
-      <p:sp>
-        <p:nvSpPr>
-          <p:cNvPr id="2" name="Kopfzeilenplatzhalter 1"/>
-          <p:cNvSpPr>
-            <a:spLocks noGrp="1"/>
-          </p:cNvSpPr>
-          <p:nvPr>
-            <p:ph type="hdr" sz="quarter"/>
-          </p:nvPr>
-        </p:nvSpPr>
-        <p:spPr>
-          <a:xfrm>
-            <a:off x="0" y="0"/>
-            <a:ext cx="2971800" cy="458788"/>
-          </a:xfrm>
-          <a:prstGeom prst="rect">
-            <a:avLst/>
-          </a:prstGeom>
-        </p:spPr>
-        <p:txBody>
-          <a:bodyPr vert="horz" lIns="91440" tIns="45720" rIns="91440" bIns="45720" rtlCol="0"/>
-          <a:lstStyle>
-            <a:lvl1pPr algn="l">
-              <a:defRPr sz="1200"/>
-            </a:lvl1pPr>
-          </a:lstStyle>
-          <a:p>
-            <a:endParaRPr lang="en-US"/>
-          </a:p>
-        </p:txBody>
-      </p:sp>
-      <p:sp>
-        <p:nvSpPr>
-          <p:cNvPr id="3" name="Datumsplatzhalter 2"/>
-          <p:cNvSpPr>
-            <a:spLocks noGrp="1"/>
-          </p:cNvSpPr>
-          <p:nvPr>
-            <p:ph type="dt" idx="1"/>
-          </p:nvPr>
-        </p:nvSpPr>
-        <p:spPr>
-          <a:xfrm>
-            <a:off x="3884613" y="0"/>
-            <a:ext cx="2971800" cy="458788"/>
-          </a:xfrm>
-          <a:prstGeom prst="rect">
-            <a:avLst/>
-          </a:prstGeom>
-        </p:spPr>
-        <p:txBody>
-          <a:bodyPr vert="horz" lIns="91440" tIns="45720" rIns="91440" bIns="45720" rtlCol="0"/>
-          <a:lstStyle>
-            <a:lvl1pPr algn="r">
-              <a:defRPr sz="1200"/>
-            </a:lvl1pPr>
-          </a:lstStyle>
-          <a:p>
-            <a:fld id="{ED34AC99-2B48-7342-AFC3-1CEF1A4F72E5}" type="datetimeFigureOut">
-              <a:rPr lang="en-US" smtClean="0"/>
-              <a:t>1/28/18</a:t>
-            </a:fld>
-            <a:endParaRPr lang="en-US"/>
-          </a:p>
-        </p:txBody>
-      </p:sp>
-      <p:sp>
-        <p:nvSpPr>
-          <p:cNvPr id="4" name="Folienbildplatzhalter 3"/>
-          <p:cNvSpPr>
-            <a:spLocks noGrp="1" noRot="1" noChangeAspect="1"/>
-          </p:cNvSpPr>
-          <p:nvPr>
-            <p:ph type="sldImg" idx="2"/>
-          </p:nvPr>
-        </p:nvSpPr>
-        <p:spPr>
-          <a:xfrm>
-            <a:off x="685800" y="1143000"/>
-            <a:ext cx="5486400" cy="3086100"/>
-          </a:xfrm>
-          <a:prstGeom prst="rect">
-            <a:avLst/>
-          </a:prstGeom>
-          <a:noFill/>
-          <a:ln w="12700">
-            <a:solidFill>
-              <a:prstClr val="black"/>
-            </a:solidFill>
-          </a:ln>
-        </p:spPr>
-        <p:txBody>
-          <a:bodyPr vert="horz" lIns="91440" tIns="45720" rIns="91440" bIns="45720" rtlCol="0" anchor="ctr"/>
-          <a:lstStyle/>
-          <a:p>
-            <a:endParaRPr lang="en-US"/>
-          </a:p>
-        </p:txBody>
-      </p:sp>
-      <p:sp>
-        <p:nvSpPr>
-          <p:cNvPr id="5" name="Notizenplatzhalter 4"/>
-          <p:cNvSpPr>
-            <a:spLocks noGrp="1"/>
-          </p:cNvSpPr>
-          <p:nvPr>
-            <p:ph type="body" sz="quarter" idx="3"/>
-          </p:nvPr>
-        </p:nvSpPr>
-        <p:spPr>
-          <a:xfrm>
-            <a:off x="685800" y="4400550"/>
-            <a:ext cx="5486400" cy="3600450"/>
-          </a:xfrm>
-          <a:prstGeom prst="rect">
-            <a:avLst/>
-          </a:prstGeom>
-        </p:spPr>
-        <p:txBody>
-          <a:bodyPr vert="horz" lIns="91440" tIns="45720" rIns="91440" bIns="45720" rtlCol="0"/>
-          <a:lstStyle/>
-          <a:p>
-            <a:pPr lvl="0"/>
-            <a:r>
-              <a:rPr lang="de-DE" smtClean="0"/>
-              <a:t>Mastertextformat bearbeiten</a:t>
-            </a:r>
-          </a:p>
-          <a:p>
-            <a:pPr lvl="1"/>
-            <a:r>
-              <a:rPr lang="de-DE" smtClean="0"/>
-              <a:t>Zweite Ebene</a:t>
-            </a:r>
-          </a:p>
-          <a:p>
-            <a:pPr lvl="2"/>
-            <a:r>
-              <a:rPr lang="de-DE" smtClean="0"/>
-              <a:t>Dritte Ebene</a:t>
-            </a:r>
-          </a:p>
-          <a:p>
-            <a:pPr lvl="3"/>
-            <a:r>
-              <a:rPr lang="de-DE" smtClean="0"/>
-              <a:t>Vierte Ebene</a:t>
-            </a:r>
-          </a:p>
-          <a:p>
-            <a:pPr lvl="4"/>
-            <a:r>
-              <a:rPr lang="de-DE" smtClean="0"/>
-              <a:t>Fünfte Ebene</a:t>
-            </a:r>
-            <a:endParaRPr lang="en-US"/>
-          </a:p>
-        </p:txBody>
-      </p:sp>
-      <p:sp>
-        <p:nvSpPr>
-          <p:cNvPr id="6" name="Fußzeilenplatzhalter 5"/>
-          <p:cNvSpPr>
-            <a:spLocks noGrp="1"/>
-          </p:cNvSpPr>
-          <p:nvPr>
-            <p:ph type="ftr" sz="quarter" idx="4"/>
-          </p:nvPr>
-        </p:nvSpPr>
-        <p:spPr>
-          <a:xfrm>
-            <a:off x="0" y="8685213"/>
-            <a:ext cx="2971800" cy="458787"/>
-          </a:xfrm>
-          <a:prstGeom prst="rect">
-            <a:avLst/>
-          </a:prstGeom>
-        </p:spPr>
-        <p:txBody>
-          <a:bodyPr vert="horz" lIns="91440" tIns="45720" rIns="91440" bIns="45720" rtlCol="0" anchor="b"/>
-          <a:lstStyle>
-            <a:lvl1pPr algn="l">
-              <a:defRPr sz="1200"/>
-            </a:lvl1pPr>
-          </a:lstStyle>
-          <a:p>
-            <a:endParaRPr lang="en-US"/>
-          </a:p>
-        </p:txBody>
-      </p:sp>
-      <p:sp>
-        <p:nvSpPr>
-          <p:cNvPr id="7" name="Foliennummernplatzhalter 6"/>
-          <p:cNvSpPr>
-            <a:spLocks noGrp="1"/>
-          </p:cNvSpPr>
-          <p:nvPr>
-            <p:ph type="sldNum" sz="quarter" idx="5"/>
-          </p:nvPr>
-        </p:nvSpPr>
-        <p:spPr>
-          <a:xfrm>
-            <a:off x="3884613" y="8685213"/>
-            <a:ext cx="2971800" cy="458787"/>
-          </a:xfrm>
-          <a:prstGeom prst="rect">
-            <a:avLst/>
-          </a:prstGeom>
-        </p:spPr>
-        <p:txBody>
-          <a:bodyPr vert="horz" lIns="91440" tIns="45720" rIns="91440" bIns="45720" rtlCol="0" anchor="b"/>
-          <a:lstStyle>
-            <a:lvl1pPr algn="r">
-              <a:defRPr sz="1200"/>
-            </a:lvl1pPr>
-          </a:lstStyle>
-          <a:p>
-            <a:fld id="{5E4BFDC6-CD34-F540-B952-1B1A159995F1}" type="slidenum">
-              <a:rPr lang="en-US" smtClean="0"/>
-              <a:t>‹Nr.›</a:t>
-            </a:fld>
-            <a:endParaRPr lang="en-US"/>
-          </a:p>
-        </p:txBody>
-      </p:sp>
-    </p:spTree>
-    <p:extLst>
-      <p:ext uri="{BB962C8B-B14F-4D97-AF65-F5344CB8AC3E}">
-        <p14:creationId xmlns:p14="http://schemas.microsoft.com/office/powerpoint/2010/main" val="952265208"/>
-      </p:ext>
-    </p:extLst>
-  </p:cSld>
-  <p:clrMap bg1="lt1" tx1="dk1" bg2="lt2" tx2="dk2" accent1="accent1" accent2="accent2" accent3="accent3" accent4="accent4" accent5="accent5" accent6="accent6" hlink="hlink" folHlink="folHlink"/>
-  <p:notesStyle>
-    <a:lvl1pPr marL="0" algn="l" defTabSz="914400" rtl="0" eaLnBrk="1" latinLnBrk="0" hangingPunct="1">
-      <a:defRPr sz="1200" kern="1200">
-        <a:solidFill>
-          <a:schemeClr val="tx1"/>
-        </a:solidFill>
-        <a:latin typeface="+mn-lt"/>
-        <a:ea typeface="+mn-ea"/>
-        <a:cs typeface="+mn-cs"/>
-      </a:defRPr>
-    </a:lvl1pPr>
-    <a:lvl2pPr marL="457200" algn="l" defTabSz="914400" rtl="0" eaLnBrk="1" latinLnBrk="0" hangingPunct="1">
-      <a:defRPr sz="1200" kern="1200">
-        <a:solidFill>
-          <a:schemeClr val="tx1"/>
-        </a:solidFill>
-        <a:latin typeface="+mn-lt"/>
-        <a:ea typeface="+mn-ea"/>
-        <a:cs typeface="+mn-cs"/>
-      </a:defRPr>
-    </a:lvl2pPr>
-    <a:lvl3pPr marL="914400" algn="l" defTabSz="914400" rtl="0" eaLnBrk="1" latinLnBrk="0" hangingPunct="1">
-      <a:defRPr sz="1200" kern="1200">
-        <a:solidFill>
-          <a:schemeClr val="tx1"/>
-        </a:solidFill>
-        <a:latin typeface="+mn-lt"/>
-        <a:ea typeface="+mn-ea"/>
-        <a:cs typeface="+mn-cs"/>
-      </a:defRPr>
-    </a:lvl3pPr>
-    <a:lvl4pPr marL="1371600" algn="l" defTabSz="914400" rtl="0" eaLnBrk="1" latinLnBrk="0" hangingPunct="1">
-      <a:defRPr sz="1200" kern="1200">
-        <a:solidFill>
-          <a:schemeClr val="tx1"/>
-        </a:solidFill>
-        <a:latin typeface="+mn-lt"/>
-        <a:ea typeface="+mn-ea"/>
-        <a:cs typeface="+mn-cs"/>
-      </a:defRPr>
-    </a:lvl4pPr>
-    <a:lvl5pPr marL="1828800" algn="l" defTabSz="914400" rtl="0" eaLnBrk="1" latinLnBrk="0" hangingPunct="1">
-      <a:defRPr sz="1200" kern="1200">
-        <a:solidFill>
-          <a:schemeClr val="tx1"/>
-        </a:solidFill>
-        <a:latin typeface="+mn-lt"/>
-        <a:ea typeface="+mn-ea"/>
-        <a:cs typeface="+mn-cs"/>
-      </a:defRPr>
-    </a:lvl5pPr>
-    <a:lvl6pPr marL="2286000" algn="l" defTabSz="914400" rtl="0" eaLnBrk="1" latinLnBrk="0" hangingPunct="1">
-      <a:defRPr sz="1200" kern="1200">
-        <a:solidFill>
-          <a:schemeClr val="tx1"/>
-        </a:solidFill>
-        <a:latin typeface="+mn-lt"/>
-        <a:ea typeface="+mn-ea"/>
-        <a:cs typeface="+mn-cs"/>
-      </a:defRPr>
-    </a:lvl6pPr>
-    <a:lvl7pPr marL="2743200" algn="l" defTabSz="914400" rtl="0" eaLnBrk="1" latinLnBrk="0" hangingPunct="1">
-      <a:defRPr sz="1200" kern="1200">
-        <a:solidFill>
-          <a:schemeClr val="tx1"/>
-        </a:solidFill>
-        <a:latin typeface="+mn-lt"/>
-        <a:ea typeface="+mn-ea"/>
-        <a:cs typeface="+mn-cs"/>
-      </a:defRPr>
-    </a:lvl7pPr>
-    <a:lvl8pPr marL="3200400" algn="l" defTabSz="914400" rtl="0" eaLnBrk="1" latinLnBrk="0" hangingPunct="1">
-      <a:defRPr sz="1200" kern="1200">
-        <a:solidFill>
-          <a:schemeClr val="tx1"/>
-        </a:solidFill>
-        <a:latin typeface="+mn-lt"/>
-        <a:ea typeface="+mn-ea"/>
-        <a:cs typeface="+mn-cs"/>
-      </a:defRPr>
-    </a:lvl8pPr>
-    <a:lvl9pPr marL="3657600" algn="l" defTabSz="914400" rtl="0" eaLnBrk="1" latinLnBrk="0" hangingPunct="1">
-      <a:defRPr sz="1200" kern="1200">
-        <a:solidFill>
-          <a:schemeClr val="tx1"/>
-        </a:solidFill>
-        <a:latin typeface="+mn-lt"/>
-        <a:ea typeface="+mn-ea"/>
-        <a:cs typeface="+mn-cs"/>
-      </a:defRPr>
-    </a:lvl9pPr>
-  </p:notesStyle>
-</p:notesMaster>
+<file path=ppt/revisionInfo.xml><?xml version="1.0" encoding="utf-8"?>
+<p1510:revInfo xmlns:a="http://schemas.openxmlformats.org/drawingml/2006/main" xmlns:r="http://schemas.openxmlformats.org/officeDocument/2006/relationships" xmlns:p1510="http://schemas.microsoft.com/office/powerpoint/2015/10/main"/>
 </file>
 
 <file path=ppt/slideLayouts/slideLayout1.xml><?xml version="1.0" encoding="utf-8"?>
@@ -480,7 +143,13 @@
       </p:grpSpPr>
       <p:sp>
         <p:nvSpPr>
-          <p:cNvPr id="2" name="Titel 1"/>
+          <p:cNvPr id="2" name="Titel 1">
+            <a:extLst>
+              <a:ext uri="{FF2B5EF4-FFF2-40B4-BE49-F238E27FC236}">
+                <a16:creationId xmlns:a16="http://schemas.microsoft.com/office/drawing/2014/main" id="{D11D89A1-EA30-4B8C-AE38-02BE3AE6DE71}"/>
+              </a:ext>
+            </a:extLst>
+          </p:cNvPr>
           <p:cNvSpPr>
             <a:spLocks noGrp="1"/>
           </p:cNvSpPr>
@@ -503,16 +172,21 @@
           </a:lstStyle>
           <a:p>
             <a:r>
-              <a:rPr lang="de-DE" smtClean="0"/>
+              <a:rPr lang="de-DE"/>
               <a:t>Mastertitelformat bearbeiten</a:t>
             </a:r>
-            <a:endParaRPr lang="en-US"/>
-          </a:p>
-        </p:txBody>
-      </p:sp>
-      <p:sp>
-        <p:nvSpPr>
-          <p:cNvPr id="3" name="Untertitel 2"/>
+          </a:p>
+        </p:txBody>
+      </p:sp>
+      <p:sp>
+        <p:nvSpPr>
+          <p:cNvPr id="3" name="Untertitel 2">
+            <a:extLst>
+              <a:ext uri="{FF2B5EF4-FFF2-40B4-BE49-F238E27FC236}">
+                <a16:creationId xmlns:a16="http://schemas.microsoft.com/office/drawing/2014/main" id="{57A4B9EE-0A1E-4C7F-A03F-7ECEC7E096BC}"/>
+              </a:ext>
+            </a:extLst>
+          </p:cNvPr>
           <p:cNvSpPr>
             <a:spLocks noGrp="1"/>
           </p:cNvSpPr>
@@ -568,16 +242,21 @@
           </a:lstStyle>
           <a:p>
             <a:r>
-              <a:rPr lang="de-DE" smtClean="0"/>
+              <a:rPr lang="de-DE"/>
               <a:t>Master-Untertitelformat bearbeiten</a:t>
             </a:r>
-            <a:endParaRPr lang="en-US"/>
-          </a:p>
-        </p:txBody>
-      </p:sp>
-      <p:sp>
-        <p:nvSpPr>
-          <p:cNvPr id="4" name="Datumsplatzhalter 3"/>
+          </a:p>
+        </p:txBody>
+      </p:sp>
+      <p:sp>
+        <p:nvSpPr>
+          <p:cNvPr id="4" name="Datumsplatzhalter 3">
+            <a:extLst>
+              <a:ext uri="{FF2B5EF4-FFF2-40B4-BE49-F238E27FC236}">
+                <a16:creationId xmlns:a16="http://schemas.microsoft.com/office/drawing/2014/main" id="{56BFDC85-0F65-484C-8FFE-61D03FE6B7A9}"/>
+              </a:ext>
+            </a:extLst>
+          </p:cNvPr>
           <p:cNvSpPr>
             <a:spLocks noGrp="1"/>
           </p:cNvSpPr>
@@ -590,17 +269,23 @@
           <a:bodyPr/>
           <a:lstStyle/>
           <a:p>
-            <a:fld id="{1B61A3CF-EA17-9843-BD75-9AE3C155D511}" type="datetimeFigureOut">
-              <a:rPr lang="en-US" smtClean="0"/>
-              <a:t>1/28/18</a:t>
+            <a:fld id="{BFA0FAC0-3C46-4BA4-A99C-EE7A7CDA6C6C}" type="datetimeFigureOut">
+              <a:rPr lang="de-DE" smtClean="0"/>
+              <a:t>28.01.2018</a:t>
             </a:fld>
-            <a:endParaRPr lang="en-US"/>
-          </a:p>
-        </p:txBody>
-      </p:sp>
-      <p:sp>
-        <p:nvSpPr>
-          <p:cNvPr id="5" name="Fußzeilenplatzhalter 4"/>
+            <a:endParaRPr lang="de-DE"/>
+          </a:p>
+        </p:txBody>
+      </p:sp>
+      <p:sp>
+        <p:nvSpPr>
+          <p:cNvPr id="5" name="Fußzeilenplatzhalter 4">
+            <a:extLst>
+              <a:ext uri="{FF2B5EF4-FFF2-40B4-BE49-F238E27FC236}">
+                <a16:creationId xmlns:a16="http://schemas.microsoft.com/office/drawing/2014/main" id="{9D66229F-FF9B-4B79-A769-590B254AB14C}"/>
+              </a:ext>
+            </a:extLst>
+          </p:cNvPr>
           <p:cNvSpPr>
             <a:spLocks noGrp="1"/>
           </p:cNvSpPr>
@@ -613,13 +298,19 @@
           <a:bodyPr/>
           <a:lstStyle/>
           <a:p>
-            <a:endParaRPr lang="en-US"/>
-          </a:p>
-        </p:txBody>
-      </p:sp>
-      <p:sp>
-        <p:nvSpPr>
-          <p:cNvPr id="6" name="Foliennummernplatzhalter 5"/>
+            <a:endParaRPr lang="de-DE"/>
+          </a:p>
+        </p:txBody>
+      </p:sp>
+      <p:sp>
+        <p:nvSpPr>
+          <p:cNvPr id="6" name="Foliennummernplatzhalter 5">
+            <a:extLst>
+              <a:ext uri="{FF2B5EF4-FFF2-40B4-BE49-F238E27FC236}">
+                <a16:creationId xmlns:a16="http://schemas.microsoft.com/office/drawing/2014/main" id="{1C50C59A-05D6-4B1C-85C9-C318928AF0FD}"/>
+              </a:ext>
+            </a:extLst>
+          </p:cNvPr>
           <p:cNvSpPr>
             <a:spLocks noGrp="1"/>
           </p:cNvSpPr>
@@ -632,18 +323,18 @@
           <a:bodyPr/>
           <a:lstStyle/>
           <a:p>
-            <a:fld id="{00DF9872-4C86-DE48-A9CC-42F26832B222}" type="slidenum">
-              <a:rPr lang="en-US" smtClean="0"/>
+            <a:fld id="{6D6441C6-942E-4A93-913A-9DF271D4FB46}" type="slidenum">
+              <a:rPr lang="de-DE" smtClean="0"/>
               <a:t>‹Nr.›</a:t>
             </a:fld>
-            <a:endParaRPr lang="en-US"/>
+            <a:endParaRPr lang="de-DE"/>
           </a:p>
         </p:txBody>
       </p:sp>
     </p:spTree>
     <p:extLst>
       <p:ext uri="{BB962C8B-B14F-4D97-AF65-F5344CB8AC3E}">
-        <p14:creationId xmlns:p14="http://schemas.microsoft.com/office/powerpoint/2010/main" val="268006397"/>
+        <p14:creationId xmlns:p14="http://schemas.microsoft.com/office/powerpoint/2010/main" val="4194547892"/>
       </p:ext>
     </p:extLst>
   </p:cSld>
@@ -672,7 +363,13 @@
       </p:grpSpPr>
       <p:sp>
         <p:nvSpPr>
-          <p:cNvPr id="2" name="Titel 1"/>
+          <p:cNvPr id="2" name="Titel 1">
+            <a:extLst>
+              <a:ext uri="{FF2B5EF4-FFF2-40B4-BE49-F238E27FC236}">
+                <a16:creationId xmlns:a16="http://schemas.microsoft.com/office/drawing/2014/main" id="{B22BB71E-3AD8-418C-BC55-0405D7948F6C}"/>
+              </a:ext>
+            </a:extLst>
+          </p:cNvPr>
           <p:cNvSpPr>
             <a:spLocks noGrp="1"/>
           </p:cNvSpPr>
@@ -686,16 +383,21 @@
           <a:lstStyle/>
           <a:p>
             <a:r>
-              <a:rPr lang="de-DE" smtClean="0"/>
+              <a:rPr lang="de-DE"/>
               <a:t>Mastertitelformat bearbeiten</a:t>
             </a:r>
-            <a:endParaRPr lang="en-US"/>
-          </a:p>
-        </p:txBody>
-      </p:sp>
-      <p:sp>
-        <p:nvSpPr>
-          <p:cNvPr id="3" name="Platzhalter für vertikalen Text 2"/>
+          </a:p>
+        </p:txBody>
+      </p:sp>
+      <p:sp>
+        <p:nvSpPr>
+          <p:cNvPr id="3" name="Vertikaler Textplatzhalter 2">
+            <a:extLst>
+              <a:ext uri="{FF2B5EF4-FFF2-40B4-BE49-F238E27FC236}">
+                <a16:creationId xmlns:a16="http://schemas.microsoft.com/office/drawing/2014/main" id="{DC977491-575A-4AC0-BF3E-D54C3D6AF521}"/>
+              </a:ext>
+            </a:extLst>
+          </p:cNvPr>
           <p:cNvSpPr>
             <a:spLocks noGrp="1"/>
           </p:cNvSpPr>
@@ -710,44 +412,49 @@
           <a:p>
             <a:pPr lvl="0"/>
             <a:r>
-              <a:rPr lang="de-DE" smtClean="0"/>
+              <a:rPr lang="de-DE"/>
               <a:t>Mastertextformat bearbeiten</a:t>
             </a:r>
           </a:p>
           <a:p>
             <a:pPr lvl="1"/>
             <a:r>
-              <a:rPr lang="de-DE" smtClean="0"/>
+              <a:rPr lang="de-DE"/>
               <a:t>Zweite Ebene</a:t>
             </a:r>
           </a:p>
           <a:p>
             <a:pPr lvl="2"/>
             <a:r>
-              <a:rPr lang="de-DE" smtClean="0"/>
+              <a:rPr lang="de-DE"/>
               <a:t>Dritte Ebene</a:t>
             </a:r>
           </a:p>
           <a:p>
             <a:pPr lvl="3"/>
             <a:r>
-              <a:rPr lang="de-DE" smtClean="0"/>
+              <a:rPr lang="de-DE"/>
               <a:t>Vierte Ebene</a:t>
             </a:r>
           </a:p>
           <a:p>
             <a:pPr lvl="4"/>
             <a:r>
-              <a:rPr lang="de-DE" smtClean="0"/>
+              <a:rPr lang="de-DE"/>
               <a:t>Fünfte Ebene</a:t>
             </a:r>
-            <a:endParaRPr lang="en-US"/>
-          </a:p>
-        </p:txBody>
-      </p:sp>
-      <p:sp>
-        <p:nvSpPr>
-          <p:cNvPr id="4" name="Datumsplatzhalter 3"/>
+          </a:p>
+        </p:txBody>
+      </p:sp>
+      <p:sp>
+        <p:nvSpPr>
+          <p:cNvPr id="4" name="Datumsplatzhalter 3">
+            <a:extLst>
+              <a:ext uri="{FF2B5EF4-FFF2-40B4-BE49-F238E27FC236}">
+                <a16:creationId xmlns:a16="http://schemas.microsoft.com/office/drawing/2014/main" id="{13739BCF-030A-448E-8975-EE602977E006}"/>
+              </a:ext>
+            </a:extLst>
+          </p:cNvPr>
           <p:cNvSpPr>
             <a:spLocks noGrp="1"/>
           </p:cNvSpPr>
@@ -760,17 +467,23 @@
           <a:bodyPr/>
           <a:lstStyle/>
           <a:p>
-            <a:fld id="{1B61A3CF-EA17-9843-BD75-9AE3C155D511}" type="datetimeFigureOut">
-              <a:rPr lang="en-US" smtClean="0"/>
-              <a:t>1/28/18</a:t>
+            <a:fld id="{BFA0FAC0-3C46-4BA4-A99C-EE7A7CDA6C6C}" type="datetimeFigureOut">
+              <a:rPr lang="de-DE" smtClean="0"/>
+              <a:t>28.01.2018</a:t>
             </a:fld>
-            <a:endParaRPr lang="en-US"/>
-          </a:p>
-        </p:txBody>
-      </p:sp>
-      <p:sp>
-        <p:nvSpPr>
-          <p:cNvPr id="5" name="Fußzeilenplatzhalter 4"/>
+            <a:endParaRPr lang="de-DE"/>
+          </a:p>
+        </p:txBody>
+      </p:sp>
+      <p:sp>
+        <p:nvSpPr>
+          <p:cNvPr id="5" name="Fußzeilenplatzhalter 4">
+            <a:extLst>
+              <a:ext uri="{FF2B5EF4-FFF2-40B4-BE49-F238E27FC236}">
+                <a16:creationId xmlns:a16="http://schemas.microsoft.com/office/drawing/2014/main" id="{B7035E8E-D763-4F45-B4DC-A3543D0B414A}"/>
+              </a:ext>
+            </a:extLst>
+          </p:cNvPr>
           <p:cNvSpPr>
             <a:spLocks noGrp="1"/>
           </p:cNvSpPr>
@@ -783,13 +496,19 @@
           <a:bodyPr/>
           <a:lstStyle/>
           <a:p>
-            <a:endParaRPr lang="en-US"/>
-          </a:p>
-        </p:txBody>
-      </p:sp>
-      <p:sp>
-        <p:nvSpPr>
-          <p:cNvPr id="6" name="Foliennummernplatzhalter 5"/>
+            <a:endParaRPr lang="de-DE"/>
+          </a:p>
+        </p:txBody>
+      </p:sp>
+      <p:sp>
+        <p:nvSpPr>
+          <p:cNvPr id="6" name="Foliennummernplatzhalter 5">
+            <a:extLst>
+              <a:ext uri="{FF2B5EF4-FFF2-40B4-BE49-F238E27FC236}">
+                <a16:creationId xmlns:a16="http://schemas.microsoft.com/office/drawing/2014/main" id="{27F13BFD-E761-4777-9F9F-9BDF468F1554}"/>
+              </a:ext>
+            </a:extLst>
+          </p:cNvPr>
           <p:cNvSpPr>
             <a:spLocks noGrp="1"/>
           </p:cNvSpPr>
@@ -802,18 +521,18 @@
           <a:bodyPr/>
           <a:lstStyle/>
           <a:p>
-            <a:fld id="{00DF9872-4C86-DE48-A9CC-42F26832B222}" type="slidenum">
-              <a:rPr lang="en-US" smtClean="0"/>
+            <a:fld id="{6D6441C6-942E-4A93-913A-9DF271D4FB46}" type="slidenum">
+              <a:rPr lang="de-DE" smtClean="0"/>
               <a:t>‹Nr.›</a:t>
             </a:fld>
-            <a:endParaRPr lang="en-US"/>
+            <a:endParaRPr lang="de-DE"/>
           </a:p>
         </p:txBody>
       </p:sp>
     </p:spTree>
     <p:extLst>
       <p:ext uri="{BB962C8B-B14F-4D97-AF65-F5344CB8AC3E}">
-        <p14:creationId xmlns:p14="http://schemas.microsoft.com/office/powerpoint/2010/main" val="479576477"/>
+        <p14:creationId xmlns:p14="http://schemas.microsoft.com/office/powerpoint/2010/main" val="3789772896"/>
       </p:ext>
     </p:extLst>
   </p:cSld>
@@ -842,7 +561,13 @@
       </p:grpSpPr>
       <p:sp>
         <p:nvSpPr>
-          <p:cNvPr id="2" name="Vertikaler Titel 1"/>
+          <p:cNvPr id="2" name="Vertikaler Titel 1">
+            <a:extLst>
+              <a:ext uri="{FF2B5EF4-FFF2-40B4-BE49-F238E27FC236}">
+                <a16:creationId xmlns:a16="http://schemas.microsoft.com/office/drawing/2014/main" id="{615C402F-7A79-462C-8BE3-FDAA4C287F06}"/>
+              </a:ext>
+            </a:extLst>
+          </p:cNvPr>
           <p:cNvSpPr>
             <a:spLocks noGrp="1"/>
           </p:cNvSpPr>
@@ -861,16 +586,21 @@
           <a:lstStyle/>
           <a:p>
             <a:r>
-              <a:rPr lang="de-DE" smtClean="0"/>
+              <a:rPr lang="de-DE"/>
               <a:t>Mastertitelformat bearbeiten</a:t>
             </a:r>
-            <a:endParaRPr lang="en-US"/>
-          </a:p>
-        </p:txBody>
-      </p:sp>
-      <p:sp>
-        <p:nvSpPr>
-          <p:cNvPr id="3" name="Platzhalter für vertikalen Text 2"/>
+          </a:p>
+        </p:txBody>
+      </p:sp>
+      <p:sp>
+        <p:nvSpPr>
+          <p:cNvPr id="3" name="Vertikaler Textplatzhalter 2">
+            <a:extLst>
+              <a:ext uri="{FF2B5EF4-FFF2-40B4-BE49-F238E27FC236}">
+                <a16:creationId xmlns:a16="http://schemas.microsoft.com/office/drawing/2014/main" id="{AB1AF4DA-D771-400F-8024-20462AA1A0EC}"/>
+              </a:ext>
+            </a:extLst>
+          </p:cNvPr>
           <p:cNvSpPr>
             <a:spLocks noGrp="1"/>
           </p:cNvSpPr>
@@ -890,44 +620,49 @@
           <a:p>
             <a:pPr lvl="0"/>
             <a:r>
-              <a:rPr lang="de-DE" smtClean="0"/>
+              <a:rPr lang="de-DE"/>
               <a:t>Mastertextformat bearbeiten</a:t>
             </a:r>
           </a:p>
           <a:p>
             <a:pPr lvl="1"/>
             <a:r>
-              <a:rPr lang="de-DE" smtClean="0"/>
+              <a:rPr lang="de-DE"/>
               <a:t>Zweite Ebene</a:t>
             </a:r>
           </a:p>
           <a:p>
             <a:pPr lvl="2"/>
             <a:r>
-              <a:rPr lang="de-DE" smtClean="0"/>
+              <a:rPr lang="de-DE"/>
               <a:t>Dritte Ebene</a:t>
             </a:r>
           </a:p>
           <a:p>
             <a:pPr lvl="3"/>
             <a:r>
-              <a:rPr lang="de-DE" smtClean="0"/>
+              <a:rPr lang="de-DE"/>
               <a:t>Vierte Ebene</a:t>
             </a:r>
           </a:p>
           <a:p>
             <a:pPr lvl="4"/>
             <a:r>
-              <a:rPr lang="de-DE" smtClean="0"/>
+              <a:rPr lang="de-DE"/>
               <a:t>Fünfte Ebene</a:t>
             </a:r>
-            <a:endParaRPr lang="en-US"/>
-          </a:p>
-        </p:txBody>
-      </p:sp>
-      <p:sp>
-        <p:nvSpPr>
-          <p:cNvPr id="4" name="Datumsplatzhalter 3"/>
+          </a:p>
+        </p:txBody>
+      </p:sp>
+      <p:sp>
+        <p:nvSpPr>
+          <p:cNvPr id="4" name="Datumsplatzhalter 3">
+            <a:extLst>
+              <a:ext uri="{FF2B5EF4-FFF2-40B4-BE49-F238E27FC236}">
+                <a16:creationId xmlns:a16="http://schemas.microsoft.com/office/drawing/2014/main" id="{E38C1028-A653-4036-B143-95F16292A091}"/>
+              </a:ext>
+            </a:extLst>
+          </p:cNvPr>
           <p:cNvSpPr>
             <a:spLocks noGrp="1"/>
           </p:cNvSpPr>
@@ -940,17 +675,23 @@
           <a:bodyPr/>
           <a:lstStyle/>
           <a:p>
-            <a:fld id="{1B61A3CF-EA17-9843-BD75-9AE3C155D511}" type="datetimeFigureOut">
-              <a:rPr lang="en-US" smtClean="0"/>
-              <a:t>1/28/18</a:t>
+            <a:fld id="{BFA0FAC0-3C46-4BA4-A99C-EE7A7CDA6C6C}" type="datetimeFigureOut">
+              <a:rPr lang="de-DE" smtClean="0"/>
+              <a:t>28.01.2018</a:t>
             </a:fld>
-            <a:endParaRPr lang="en-US"/>
-          </a:p>
-        </p:txBody>
-      </p:sp>
-      <p:sp>
-        <p:nvSpPr>
-          <p:cNvPr id="5" name="Fußzeilenplatzhalter 4"/>
+            <a:endParaRPr lang="de-DE"/>
+          </a:p>
+        </p:txBody>
+      </p:sp>
+      <p:sp>
+        <p:nvSpPr>
+          <p:cNvPr id="5" name="Fußzeilenplatzhalter 4">
+            <a:extLst>
+              <a:ext uri="{FF2B5EF4-FFF2-40B4-BE49-F238E27FC236}">
+                <a16:creationId xmlns:a16="http://schemas.microsoft.com/office/drawing/2014/main" id="{C5F213AD-0035-4310-B79D-3E0EFDB3CBD5}"/>
+              </a:ext>
+            </a:extLst>
+          </p:cNvPr>
           <p:cNvSpPr>
             <a:spLocks noGrp="1"/>
           </p:cNvSpPr>
@@ -963,13 +704,19 @@
           <a:bodyPr/>
           <a:lstStyle/>
           <a:p>
-            <a:endParaRPr lang="en-US"/>
-          </a:p>
-        </p:txBody>
-      </p:sp>
-      <p:sp>
-        <p:nvSpPr>
-          <p:cNvPr id="6" name="Foliennummernplatzhalter 5"/>
+            <a:endParaRPr lang="de-DE"/>
+          </a:p>
+        </p:txBody>
+      </p:sp>
+      <p:sp>
+        <p:nvSpPr>
+          <p:cNvPr id="6" name="Foliennummernplatzhalter 5">
+            <a:extLst>
+              <a:ext uri="{FF2B5EF4-FFF2-40B4-BE49-F238E27FC236}">
+                <a16:creationId xmlns:a16="http://schemas.microsoft.com/office/drawing/2014/main" id="{E0B4EC39-FB2D-4A55-BAF6-037CE65C5E65}"/>
+              </a:ext>
+            </a:extLst>
+          </p:cNvPr>
           <p:cNvSpPr>
             <a:spLocks noGrp="1"/>
           </p:cNvSpPr>
@@ -982,18 +729,18 @@
           <a:bodyPr/>
           <a:lstStyle/>
           <a:p>
-            <a:fld id="{00DF9872-4C86-DE48-A9CC-42F26832B222}" type="slidenum">
-              <a:rPr lang="en-US" smtClean="0"/>
+            <a:fld id="{6D6441C6-942E-4A93-913A-9DF271D4FB46}" type="slidenum">
+              <a:rPr lang="de-DE" smtClean="0"/>
               <a:t>‹Nr.›</a:t>
             </a:fld>
-            <a:endParaRPr lang="en-US"/>
+            <a:endParaRPr lang="de-DE"/>
           </a:p>
         </p:txBody>
       </p:sp>
     </p:spTree>
     <p:extLst>
       <p:ext uri="{BB962C8B-B14F-4D97-AF65-F5344CB8AC3E}">
-        <p14:creationId xmlns:p14="http://schemas.microsoft.com/office/powerpoint/2010/main" val="735721748"/>
+        <p14:creationId xmlns:p14="http://schemas.microsoft.com/office/powerpoint/2010/main" val="936875149"/>
       </p:ext>
     </p:extLst>
   </p:cSld>
@@ -1022,7 +769,13 @@
       </p:grpSpPr>
       <p:sp>
         <p:nvSpPr>
-          <p:cNvPr id="2" name="Titel 1"/>
+          <p:cNvPr id="2" name="Titel 1">
+            <a:extLst>
+              <a:ext uri="{FF2B5EF4-FFF2-40B4-BE49-F238E27FC236}">
+                <a16:creationId xmlns:a16="http://schemas.microsoft.com/office/drawing/2014/main" id="{3D495930-52B9-4E09-B126-F029851C659F}"/>
+              </a:ext>
+            </a:extLst>
+          </p:cNvPr>
           <p:cNvSpPr>
             <a:spLocks noGrp="1"/>
           </p:cNvSpPr>
@@ -1036,16 +789,21 @@
           <a:lstStyle/>
           <a:p>
             <a:r>
-              <a:rPr lang="de-DE" smtClean="0"/>
+              <a:rPr lang="de-DE"/>
               <a:t>Mastertitelformat bearbeiten</a:t>
             </a:r>
-            <a:endParaRPr lang="en-US"/>
-          </a:p>
-        </p:txBody>
-      </p:sp>
-      <p:sp>
-        <p:nvSpPr>
-          <p:cNvPr id="3" name="Inhaltsplatzhalter 2"/>
+          </a:p>
+        </p:txBody>
+      </p:sp>
+      <p:sp>
+        <p:nvSpPr>
+          <p:cNvPr id="3" name="Inhaltsplatzhalter 2">
+            <a:extLst>
+              <a:ext uri="{FF2B5EF4-FFF2-40B4-BE49-F238E27FC236}">
+                <a16:creationId xmlns:a16="http://schemas.microsoft.com/office/drawing/2014/main" id="{22ECCCAB-53BB-4E7F-AC15-1F1021E09E3B}"/>
+              </a:ext>
+            </a:extLst>
+          </p:cNvPr>
           <p:cNvSpPr>
             <a:spLocks noGrp="1"/>
           </p:cNvSpPr>
@@ -1060,44 +818,49 @@
           <a:p>
             <a:pPr lvl="0"/>
             <a:r>
-              <a:rPr lang="de-DE" smtClean="0"/>
+              <a:rPr lang="de-DE"/>
               <a:t>Mastertextformat bearbeiten</a:t>
             </a:r>
           </a:p>
           <a:p>
             <a:pPr lvl="1"/>
             <a:r>
-              <a:rPr lang="de-DE" smtClean="0"/>
+              <a:rPr lang="de-DE"/>
               <a:t>Zweite Ebene</a:t>
             </a:r>
           </a:p>
           <a:p>
             <a:pPr lvl="2"/>
             <a:r>
-              <a:rPr lang="de-DE" smtClean="0"/>
+              <a:rPr lang="de-DE"/>
               <a:t>Dritte Ebene</a:t>
             </a:r>
           </a:p>
           <a:p>
             <a:pPr lvl="3"/>
             <a:r>
-              <a:rPr lang="de-DE" smtClean="0"/>
+              <a:rPr lang="de-DE"/>
               <a:t>Vierte Ebene</a:t>
             </a:r>
           </a:p>
           <a:p>
             <a:pPr lvl="4"/>
             <a:r>
-              <a:rPr lang="de-DE" smtClean="0"/>
+              <a:rPr lang="de-DE"/>
               <a:t>Fünfte Ebene</a:t>
             </a:r>
-            <a:endParaRPr lang="en-US"/>
-          </a:p>
-        </p:txBody>
-      </p:sp>
-      <p:sp>
-        <p:nvSpPr>
-          <p:cNvPr id="4" name="Datumsplatzhalter 3"/>
+          </a:p>
+        </p:txBody>
+      </p:sp>
+      <p:sp>
+        <p:nvSpPr>
+          <p:cNvPr id="4" name="Datumsplatzhalter 3">
+            <a:extLst>
+              <a:ext uri="{FF2B5EF4-FFF2-40B4-BE49-F238E27FC236}">
+                <a16:creationId xmlns:a16="http://schemas.microsoft.com/office/drawing/2014/main" id="{22B92FC7-E76C-4412-A808-5E58FD6FCB69}"/>
+              </a:ext>
+            </a:extLst>
+          </p:cNvPr>
           <p:cNvSpPr>
             <a:spLocks noGrp="1"/>
           </p:cNvSpPr>
@@ -1110,17 +873,23 @@
           <a:bodyPr/>
           <a:lstStyle/>
           <a:p>
-            <a:fld id="{1B61A3CF-EA17-9843-BD75-9AE3C155D511}" type="datetimeFigureOut">
-              <a:rPr lang="en-US" smtClean="0"/>
-              <a:t>1/28/18</a:t>
+            <a:fld id="{BFA0FAC0-3C46-4BA4-A99C-EE7A7CDA6C6C}" type="datetimeFigureOut">
+              <a:rPr lang="de-DE" smtClean="0"/>
+              <a:t>28.01.2018</a:t>
             </a:fld>
-            <a:endParaRPr lang="en-US"/>
-          </a:p>
-        </p:txBody>
-      </p:sp>
-      <p:sp>
-        <p:nvSpPr>
-          <p:cNvPr id="5" name="Fußzeilenplatzhalter 4"/>
+            <a:endParaRPr lang="de-DE"/>
+          </a:p>
+        </p:txBody>
+      </p:sp>
+      <p:sp>
+        <p:nvSpPr>
+          <p:cNvPr id="5" name="Fußzeilenplatzhalter 4">
+            <a:extLst>
+              <a:ext uri="{FF2B5EF4-FFF2-40B4-BE49-F238E27FC236}">
+                <a16:creationId xmlns:a16="http://schemas.microsoft.com/office/drawing/2014/main" id="{1C3F9CC8-F261-4E9F-A4F6-127BE0AA1669}"/>
+              </a:ext>
+            </a:extLst>
+          </p:cNvPr>
           <p:cNvSpPr>
             <a:spLocks noGrp="1"/>
           </p:cNvSpPr>
@@ -1133,13 +902,19 @@
           <a:bodyPr/>
           <a:lstStyle/>
           <a:p>
-            <a:endParaRPr lang="en-US"/>
-          </a:p>
-        </p:txBody>
-      </p:sp>
-      <p:sp>
-        <p:nvSpPr>
-          <p:cNvPr id="6" name="Foliennummernplatzhalter 5"/>
+            <a:endParaRPr lang="de-DE"/>
+          </a:p>
+        </p:txBody>
+      </p:sp>
+      <p:sp>
+        <p:nvSpPr>
+          <p:cNvPr id="6" name="Foliennummernplatzhalter 5">
+            <a:extLst>
+              <a:ext uri="{FF2B5EF4-FFF2-40B4-BE49-F238E27FC236}">
+                <a16:creationId xmlns:a16="http://schemas.microsoft.com/office/drawing/2014/main" id="{9B5C77AD-713E-479F-8958-F00B5549DA23}"/>
+              </a:ext>
+            </a:extLst>
+          </p:cNvPr>
           <p:cNvSpPr>
             <a:spLocks noGrp="1"/>
           </p:cNvSpPr>
@@ -1152,18 +927,18 @@
           <a:bodyPr/>
           <a:lstStyle/>
           <a:p>
-            <a:fld id="{00DF9872-4C86-DE48-A9CC-42F26832B222}" type="slidenum">
-              <a:rPr lang="en-US" smtClean="0"/>
+            <a:fld id="{6D6441C6-942E-4A93-913A-9DF271D4FB46}" type="slidenum">
+              <a:rPr lang="de-DE" smtClean="0"/>
               <a:t>‹Nr.›</a:t>
             </a:fld>
-            <a:endParaRPr lang="en-US"/>
+            <a:endParaRPr lang="de-DE"/>
           </a:p>
         </p:txBody>
       </p:sp>
     </p:spTree>
     <p:extLst>
       <p:ext uri="{BB962C8B-B14F-4D97-AF65-F5344CB8AC3E}">
-        <p14:creationId xmlns:p14="http://schemas.microsoft.com/office/powerpoint/2010/main" val="1110306620"/>
+        <p14:creationId xmlns:p14="http://schemas.microsoft.com/office/powerpoint/2010/main" val="1154027314"/>
       </p:ext>
     </p:extLst>
   </p:cSld>
@@ -1175,7 +950,7 @@
 
 <file path=ppt/slideLayouts/slideLayout3.xml><?xml version="1.0" encoding="utf-8"?>
 <p:sldLayout xmlns:a="http://schemas.openxmlformats.org/drawingml/2006/main" xmlns:r="http://schemas.openxmlformats.org/officeDocument/2006/relationships" xmlns:p="http://schemas.openxmlformats.org/presentationml/2006/main" type="secHead" preserve="1">
-  <p:cSld name="Abschnittsüberschrift">
+  <p:cSld name="Abschnitts-&#10;überschrift">
     <p:spTree>
       <p:nvGrpSpPr>
         <p:cNvPr id="1" name=""/>
@@ -1192,7 +967,13 @@
       </p:grpSpPr>
       <p:sp>
         <p:nvSpPr>
-          <p:cNvPr id="2" name="Titel 1"/>
+          <p:cNvPr id="2" name="Titel 1">
+            <a:extLst>
+              <a:ext uri="{FF2B5EF4-FFF2-40B4-BE49-F238E27FC236}">
+                <a16:creationId xmlns:a16="http://schemas.microsoft.com/office/drawing/2014/main" id="{6E730B5D-6552-4B7A-A177-516B36F9932A}"/>
+              </a:ext>
+            </a:extLst>
+          </p:cNvPr>
           <p:cNvSpPr>
             <a:spLocks noGrp="1"/>
           </p:cNvSpPr>
@@ -1215,16 +996,21 @@
           </a:lstStyle>
           <a:p>
             <a:r>
-              <a:rPr lang="de-DE" smtClean="0"/>
+              <a:rPr lang="de-DE"/>
               <a:t>Mastertitelformat bearbeiten</a:t>
             </a:r>
-            <a:endParaRPr lang="en-US"/>
-          </a:p>
-        </p:txBody>
-      </p:sp>
-      <p:sp>
-        <p:nvSpPr>
-          <p:cNvPr id="3" name="Textplatzhalter 2"/>
+          </a:p>
+        </p:txBody>
+      </p:sp>
+      <p:sp>
+        <p:nvSpPr>
+          <p:cNvPr id="3" name="Textplatzhalter 2">
+            <a:extLst>
+              <a:ext uri="{FF2B5EF4-FFF2-40B4-BE49-F238E27FC236}">
+                <a16:creationId xmlns:a16="http://schemas.microsoft.com/office/drawing/2014/main" id="{DCBB1A2D-AAAA-4E2F-968E-4041D7F73E48}"/>
+              </a:ext>
+            </a:extLst>
+          </p:cNvPr>
           <p:cNvSpPr>
             <a:spLocks noGrp="1"/>
           </p:cNvSpPr>
@@ -1335,7 +1121,7 @@
           <a:p>
             <a:pPr lvl="0"/>
             <a:r>
-              <a:rPr lang="de-DE" smtClean="0"/>
+              <a:rPr lang="de-DE"/>
               <a:t>Mastertextformat bearbeiten</a:t>
             </a:r>
           </a:p>
@@ -1343,7 +1129,13 @@
       </p:sp>
       <p:sp>
         <p:nvSpPr>
-          <p:cNvPr id="4" name="Datumsplatzhalter 3"/>
+          <p:cNvPr id="4" name="Datumsplatzhalter 3">
+            <a:extLst>
+              <a:ext uri="{FF2B5EF4-FFF2-40B4-BE49-F238E27FC236}">
+                <a16:creationId xmlns:a16="http://schemas.microsoft.com/office/drawing/2014/main" id="{B3CC77BD-1EA0-4571-93A4-A13367A509AE}"/>
+              </a:ext>
+            </a:extLst>
+          </p:cNvPr>
           <p:cNvSpPr>
             <a:spLocks noGrp="1"/>
           </p:cNvSpPr>
@@ -1356,17 +1148,23 @@
           <a:bodyPr/>
           <a:lstStyle/>
           <a:p>
-            <a:fld id="{1B61A3CF-EA17-9843-BD75-9AE3C155D511}" type="datetimeFigureOut">
-              <a:rPr lang="en-US" smtClean="0"/>
-              <a:t>1/28/18</a:t>
+            <a:fld id="{BFA0FAC0-3C46-4BA4-A99C-EE7A7CDA6C6C}" type="datetimeFigureOut">
+              <a:rPr lang="de-DE" smtClean="0"/>
+              <a:t>28.01.2018</a:t>
             </a:fld>
-            <a:endParaRPr lang="en-US"/>
-          </a:p>
-        </p:txBody>
-      </p:sp>
-      <p:sp>
-        <p:nvSpPr>
-          <p:cNvPr id="5" name="Fußzeilenplatzhalter 4"/>
+            <a:endParaRPr lang="de-DE"/>
+          </a:p>
+        </p:txBody>
+      </p:sp>
+      <p:sp>
+        <p:nvSpPr>
+          <p:cNvPr id="5" name="Fußzeilenplatzhalter 4">
+            <a:extLst>
+              <a:ext uri="{FF2B5EF4-FFF2-40B4-BE49-F238E27FC236}">
+                <a16:creationId xmlns:a16="http://schemas.microsoft.com/office/drawing/2014/main" id="{978CF4D0-353A-4A6A-9CE2-901B2EBDED97}"/>
+              </a:ext>
+            </a:extLst>
+          </p:cNvPr>
           <p:cNvSpPr>
             <a:spLocks noGrp="1"/>
           </p:cNvSpPr>
@@ -1379,13 +1177,19 @@
           <a:bodyPr/>
           <a:lstStyle/>
           <a:p>
-            <a:endParaRPr lang="en-US"/>
-          </a:p>
-        </p:txBody>
-      </p:sp>
-      <p:sp>
-        <p:nvSpPr>
-          <p:cNvPr id="6" name="Foliennummernplatzhalter 5"/>
+            <a:endParaRPr lang="de-DE"/>
+          </a:p>
+        </p:txBody>
+      </p:sp>
+      <p:sp>
+        <p:nvSpPr>
+          <p:cNvPr id="6" name="Foliennummernplatzhalter 5">
+            <a:extLst>
+              <a:ext uri="{FF2B5EF4-FFF2-40B4-BE49-F238E27FC236}">
+                <a16:creationId xmlns:a16="http://schemas.microsoft.com/office/drawing/2014/main" id="{B5EB5BAD-2BDB-44CC-9D94-2E626146C513}"/>
+              </a:ext>
+            </a:extLst>
+          </p:cNvPr>
           <p:cNvSpPr>
             <a:spLocks noGrp="1"/>
           </p:cNvSpPr>
@@ -1398,18 +1202,18 @@
           <a:bodyPr/>
           <a:lstStyle/>
           <a:p>
-            <a:fld id="{00DF9872-4C86-DE48-A9CC-42F26832B222}" type="slidenum">
-              <a:rPr lang="en-US" smtClean="0"/>
+            <a:fld id="{6D6441C6-942E-4A93-913A-9DF271D4FB46}" type="slidenum">
+              <a:rPr lang="de-DE" smtClean="0"/>
               <a:t>‹Nr.›</a:t>
             </a:fld>
-            <a:endParaRPr lang="en-US"/>
+            <a:endParaRPr lang="de-DE"/>
           </a:p>
         </p:txBody>
       </p:sp>
     </p:spTree>
     <p:extLst>
       <p:ext uri="{BB962C8B-B14F-4D97-AF65-F5344CB8AC3E}">
-        <p14:creationId xmlns:p14="http://schemas.microsoft.com/office/powerpoint/2010/main" val="1437953557"/>
+        <p14:creationId xmlns:p14="http://schemas.microsoft.com/office/powerpoint/2010/main" val="378488043"/>
       </p:ext>
     </p:extLst>
   </p:cSld>
@@ -1438,7 +1242,13 @@
       </p:grpSpPr>
       <p:sp>
         <p:nvSpPr>
-          <p:cNvPr id="2" name="Titel 1"/>
+          <p:cNvPr id="2" name="Titel 1">
+            <a:extLst>
+              <a:ext uri="{FF2B5EF4-FFF2-40B4-BE49-F238E27FC236}">
+                <a16:creationId xmlns:a16="http://schemas.microsoft.com/office/drawing/2014/main" id="{1434F99A-E4D1-4A49-B056-C93D5842AD2A}"/>
+              </a:ext>
+            </a:extLst>
+          </p:cNvPr>
           <p:cNvSpPr>
             <a:spLocks noGrp="1"/>
           </p:cNvSpPr>
@@ -1452,16 +1262,21 @@
           <a:lstStyle/>
           <a:p>
             <a:r>
-              <a:rPr lang="de-DE" smtClean="0"/>
+              <a:rPr lang="de-DE"/>
               <a:t>Mastertitelformat bearbeiten</a:t>
             </a:r>
-            <a:endParaRPr lang="en-US"/>
-          </a:p>
-        </p:txBody>
-      </p:sp>
-      <p:sp>
-        <p:nvSpPr>
-          <p:cNvPr id="3" name="Inhaltsplatzhalter 2"/>
+          </a:p>
+        </p:txBody>
+      </p:sp>
+      <p:sp>
+        <p:nvSpPr>
+          <p:cNvPr id="3" name="Inhaltsplatzhalter 2">
+            <a:extLst>
+              <a:ext uri="{FF2B5EF4-FFF2-40B4-BE49-F238E27FC236}">
+                <a16:creationId xmlns:a16="http://schemas.microsoft.com/office/drawing/2014/main" id="{1FE9E485-635A-45FE-87D3-DDC712A27209}"/>
+              </a:ext>
+            </a:extLst>
+          </p:cNvPr>
           <p:cNvSpPr>
             <a:spLocks noGrp="1"/>
           </p:cNvSpPr>
@@ -1481,44 +1296,49 @@
           <a:p>
             <a:pPr lvl="0"/>
             <a:r>
-              <a:rPr lang="de-DE" smtClean="0"/>
+              <a:rPr lang="de-DE"/>
               <a:t>Mastertextformat bearbeiten</a:t>
             </a:r>
           </a:p>
           <a:p>
             <a:pPr lvl="1"/>
             <a:r>
-              <a:rPr lang="de-DE" smtClean="0"/>
+              <a:rPr lang="de-DE"/>
               <a:t>Zweite Ebene</a:t>
             </a:r>
           </a:p>
           <a:p>
             <a:pPr lvl="2"/>
             <a:r>
-              <a:rPr lang="de-DE" smtClean="0"/>
+              <a:rPr lang="de-DE"/>
               <a:t>Dritte Ebene</a:t>
             </a:r>
           </a:p>
           <a:p>
             <a:pPr lvl="3"/>
             <a:r>
-              <a:rPr lang="de-DE" smtClean="0"/>
+              <a:rPr lang="de-DE"/>
               <a:t>Vierte Ebene</a:t>
             </a:r>
           </a:p>
           <a:p>
             <a:pPr lvl="4"/>
             <a:r>
-              <a:rPr lang="de-DE" smtClean="0"/>
+              <a:rPr lang="de-DE"/>
               <a:t>Fünfte Ebene</a:t>
             </a:r>
-            <a:endParaRPr lang="en-US"/>
-          </a:p>
-        </p:txBody>
-      </p:sp>
-      <p:sp>
-        <p:nvSpPr>
-          <p:cNvPr id="4" name="Inhaltsplatzhalter 3"/>
+          </a:p>
+        </p:txBody>
+      </p:sp>
+      <p:sp>
+        <p:nvSpPr>
+          <p:cNvPr id="4" name="Inhaltsplatzhalter 3">
+            <a:extLst>
+              <a:ext uri="{FF2B5EF4-FFF2-40B4-BE49-F238E27FC236}">
+                <a16:creationId xmlns:a16="http://schemas.microsoft.com/office/drawing/2014/main" id="{4FA7894B-EA8D-4303-BB36-5F6BA5597031}"/>
+              </a:ext>
+            </a:extLst>
+          </p:cNvPr>
           <p:cNvSpPr>
             <a:spLocks noGrp="1"/>
           </p:cNvSpPr>
@@ -1538,44 +1358,49 @@
           <a:p>
             <a:pPr lvl="0"/>
             <a:r>
-              <a:rPr lang="de-DE" smtClean="0"/>
+              <a:rPr lang="de-DE"/>
               <a:t>Mastertextformat bearbeiten</a:t>
             </a:r>
           </a:p>
           <a:p>
             <a:pPr lvl="1"/>
             <a:r>
-              <a:rPr lang="de-DE" smtClean="0"/>
+              <a:rPr lang="de-DE"/>
               <a:t>Zweite Ebene</a:t>
             </a:r>
           </a:p>
           <a:p>
             <a:pPr lvl="2"/>
             <a:r>
-              <a:rPr lang="de-DE" smtClean="0"/>
+              <a:rPr lang="de-DE"/>
               <a:t>Dritte Ebene</a:t>
             </a:r>
           </a:p>
           <a:p>
             <a:pPr lvl="3"/>
             <a:r>
-              <a:rPr lang="de-DE" smtClean="0"/>
+              <a:rPr lang="de-DE"/>
               <a:t>Vierte Ebene</a:t>
             </a:r>
           </a:p>
           <a:p>
             <a:pPr lvl="4"/>
             <a:r>
-              <a:rPr lang="de-DE" smtClean="0"/>
+              <a:rPr lang="de-DE"/>
               <a:t>Fünfte Ebene</a:t>
             </a:r>
-            <a:endParaRPr lang="en-US"/>
-          </a:p>
-        </p:txBody>
-      </p:sp>
-      <p:sp>
-        <p:nvSpPr>
-          <p:cNvPr id="5" name="Datumsplatzhalter 4"/>
+          </a:p>
+        </p:txBody>
+      </p:sp>
+      <p:sp>
+        <p:nvSpPr>
+          <p:cNvPr id="5" name="Datumsplatzhalter 4">
+            <a:extLst>
+              <a:ext uri="{FF2B5EF4-FFF2-40B4-BE49-F238E27FC236}">
+                <a16:creationId xmlns:a16="http://schemas.microsoft.com/office/drawing/2014/main" id="{3313E1A7-29AB-47D2-8540-B644EA5AC653}"/>
+              </a:ext>
+            </a:extLst>
+          </p:cNvPr>
           <p:cNvSpPr>
             <a:spLocks noGrp="1"/>
           </p:cNvSpPr>
@@ -1588,17 +1413,23 @@
           <a:bodyPr/>
           <a:lstStyle/>
           <a:p>
-            <a:fld id="{1B61A3CF-EA17-9843-BD75-9AE3C155D511}" type="datetimeFigureOut">
-              <a:rPr lang="en-US" smtClean="0"/>
-              <a:t>1/28/18</a:t>
+            <a:fld id="{BFA0FAC0-3C46-4BA4-A99C-EE7A7CDA6C6C}" type="datetimeFigureOut">
+              <a:rPr lang="de-DE" smtClean="0"/>
+              <a:t>28.01.2018</a:t>
             </a:fld>
-            <a:endParaRPr lang="en-US"/>
-          </a:p>
-        </p:txBody>
-      </p:sp>
-      <p:sp>
-        <p:nvSpPr>
-          <p:cNvPr id="6" name="Fußzeilenplatzhalter 5"/>
+            <a:endParaRPr lang="de-DE"/>
+          </a:p>
+        </p:txBody>
+      </p:sp>
+      <p:sp>
+        <p:nvSpPr>
+          <p:cNvPr id="6" name="Fußzeilenplatzhalter 5">
+            <a:extLst>
+              <a:ext uri="{FF2B5EF4-FFF2-40B4-BE49-F238E27FC236}">
+                <a16:creationId xmlns:a16="http://schemas.microsoft.com/office/drawing/2014/main" id="{39DE9973-7BB8-4F39-B38A-B1294E8651B7}"/>
+              </a:ext>
+            </a:extLst>
+          </p:cNvPr>
           <p:cNvSpPr>
             <a:spLocks noGrp="1"/>
           </p:cNvSpPr>
@@ -1611,13 +1442,19 @@
           <a:bodyPr/>
           <a:lstStyle/>
           <a:p>
-            <a:endParaRPr lang="en-US"/>
-          </a:p>
-        </p:txBody>
-      </p:sp>
-      <p:sp>
-        <p:nvSpPr>
-          <p:cNvPr id="7" name="Foliennummernplatzhalter 6"/>
+            <a:endParaRPr lang="de-DE"/>
+          </a:p>
+        </p:txBody>
+      </p:sp>
+      <p:sp>
+        <p:nvSpPr>
+          <p:cNvPr id="7" name="Foliennummernplatzhalter 6">
+            <a:extLst>
+              <a:ext uri="{FF2B5EF4-FFF2-40B4-BE49-F238E27FC236}">
+                <a16:creationId xmlns:a16="http://schemas.microsoft.com/office/drawing/2014/main" id="{1D0B98F0-08B7-401B-ACD8-5EA25BA5B164}"/>
+              </a:ext>
+            </a:extLst>
+          </p:cNvPr>
           <p:cNvSpPr>
             <a:spLocks noGrp="1"/>
           </p:cNvSpPr>
@@ -1630,18 +1467,18 @@
           <a:bodyPr/>
           <a:lstStyle/>
           <a:p>
-            <a:fld id="{00DF9872-4C86-DE48-A9CC-42F26832B222}" type="slidenum">
-              <a:rPr lang="en-US" smtClean="0"/>
+            <a:fld id="{6D6441C6-942E-4A93-913A-9DF271D4FB46}" type="slidenum">
+              <a:rPr lang="de-DE" smtClean="0"/>
               <a:t>‹Nr.›</a:t>
             </a:fld>
-            <a:endParaRPr lang="en-US"/>
+            <a:endParaRPr lang="de-DE"/>
           </a:p>
         </p:txBody>
       </p:sp>
     </p:spTree>
     <p:extLst>
       <p:ext uri="{BB962C8B-B14F-4D97-AF65-F5344CB8AC3E}">
-        <p14:creationId xmlns:p14="http://schemas.microsoft.com/office/powerpoint/2010/main" val="2051952808"/>
+        <p14:creationId xmlns:p14="http://schemas.microsoft.com/office/powerpoint/2010/main" val="1809231905"/>
       </p:ext>
     </p:extLst>
   </p:cSld>
@@ -1670,7 +1507,13 @@
       </p:grpSpPr>
       <p:sp>
         <p:nvSpPr>
-          <p:cNvPr id="2" name="Titel 1"/>
+          <p:cNvPr id="2" name="Titel 1">
+            <a:extLst>
+              <a:ext uri="{FF2B5EF4-FFF2-40B4-BE49-F238E27FC236}">
+                <a16:creationId xmlns:a16="http://schemas.microsoft.com/office/drawing/2014/main" id="{7DAB0802-A480-4C25-B4A7-2E5405E55EE4}"/>
+              </a:ext>
+            </a:extLst>
+          </p:cNvPr>
           <p:cNvSpPr>
             <a:spLocks noGrp="1"/>
           </p:cNvSpPr>
@@ -1689,16 +1532,21 @@
           <a:lstStyle/>
           <a:p>
             <a:r>
-              <a:rPr lang="de-DE" smtClean="0"/>
+              <a:rPr lang="de-DE"/>
               <a:t>Mastertitelformat bearbeiten</a:t>
             </a:r>
-            <a:endParaRPr lang="en-US"/>
-          </a:p>
-        </p:txBody>
-      </p:sp>
-      <p:sp>
-        <p:nvSpPr>
-          <p:cNvPr id="3" name="Textplatzhalter 2"/>
+          </a:p>
+        </p:txBody>
+      </p:sp>
+      <p:sp>
+        <p:nvSpPr>
+          <p:cNvPr id="3" name="Textplatzhalter 2">
+            <a:extLst>
+              <a:ext uri="{FF2B5EF4-FFF2-40B4-BE49-F238E27FC236}">
+                <a16:creationId xmlns:a16="http://schemas.microsoft.com/office/drawing/2014/main" id="{5EFF8FFF-3088-4C8A-8ED7-CDAA147736A7}"/>
+              </a:ext>
+            </a:extLst>
+          </p:cNvPr>
           <p:cNvSpPr>
             <a:spLocks noGrp="1"/>
           </p:cNvSpPr>
@@ -1755,7 +1603,7 @@
           <a:p>
             <a:pPr lvl="0"/>
             <a:r>
-              <a:rPr lang="de-DE" smtClean="0"/>
+              <a:rPr lang="de-DE"/>
               <a:t>Mastertextformat bearbeiten</a:t>
             </a:r>
           </a:p>
@@ -1763,7 +1611,13 @@
       </p:sp>
       <p:sp>
         <p:nvSpPr>
-          <p:cNvPr id="4" name="Inhaltsplatzhalter 3"/>
+          <p:cNvPr id="4" name="Inhaltsplatzhalter 3">
+            <a:extLst>
+              <a:ext uri="{FF2B5EF4-FFF2-40B4-BE49-F238E27FC236}">
+                <a16:creationId xmlns:a16="http://schemas.microsoft.com/office/drawing/2014/main" id="{83D73D9A-8817-4772-B770-81079477E596}"/>
+              </a:ext>
+            </a:extLst>
+          </p:cNvPr>
           <p:cNvSpPr>
             <a:spLocks noGrp="1"/>
           </p:cNvSpPr>
@@ -1783,44 +1637,49 @@
           <a:p>
             <a:pPr lvl="0"/>
             <a:r>
-              <a:rPr lang="de-DE" smtClean="0"/>
+              <a:rPr lang="de-DE"/>
               <a:t>Mastertextformat bearbeiten</a:t>
             </a:r>
           </a:p>
           <a:p>
             <a:pPr lvl="1"/>
             <a:r>
-              <a:rPr lang="de-DE" smtClean="0"/>
+              <a:rPr lang="de-DE"/>
               <a:t>Zweite Ebene</a:t>
             </a:r>
           </a:p>
           <a:p>
             <a:pPr lvl="2"/>
             <a:r>
-              <a:rPr lang="de-DE" smtClean="0"/>
+              <a:rPr lang="de-DE"/>
               <a:t>Dritte Ebene</a:t>
             </a:r>
           </a:p>
           <a:p>
             <a:pPr lvl="3"/>
             <a:r>
-              <a:rPr lang="de-DE" smtClean="0"/>
+              <a:rPr lang="de-DE"/>
               <a:t>Vierte Ebene</a:t>
             </a:r>
           </a:p>
           <a:p>
             <a:pPr lvl="4"/>
             <a:r>
-              <a:rPr lang="de-DE" smtClean="0"/>
+              <a:rPr lang="de-DE"/>
               <a:t>Fünfte Ebene</a:t>
             </a:r>
-            <a:endParaRPr lang="en-US"/>
-          </a:p>
-        </p:txBody>
-      </p:sp>
-      <p:sp>
-        <p:nvSpPr>
-          <p:cNvPr id="5" name="Textplatzhalter 4"/>
+          </a:p>
+        </p:txBody>
+      </p:sp>
+      <p:sp>
+        <p:nvSpPr>
+          <p:cNvPr id="5" name="Textplatzhalter 4">
+            <a:extLst>
+              <a:ext uri="{FF2B5EF4-FFF2-40B4-BE49-F238E27FC236}">
+                <a16:creationId xmlns:a16="http://schemas.microsoft.com/office/drawing/2014/main" id="{B6B6C27E-14E9-4979-8E58-FCF0CB7191C6}"/>
+              </a:ext>
+            </a:extLst>
+          </p:cNvPr>
           <p:cNvSpPr>
             <a:spLocks noGrp="1"/>
           </p:cNvSpPr>
@@ -1877,7 +1736,7 @@
           <a:p>
             <a:pPr lvl="0"/>
             <a:r>
-              <a:rPr lang="de-DE" smtClean="0"/>
+              <a:rPr lang="de-DE"/>
               <a:t>Mastertextformat bearbeiten</a:t>
             </a:r>
           </a:p>
@@ -1885,7 +1744,13 @@
       </p:sp>
       <p:sp>
         <p:nvSpPr>
-          <p:cNvPr id="6" name="Inhaltsplatzhalter 5"/>
+          <p:cNvPr id="6" name="Inhaltsplatzhalter 5">
+            <a:extLst>
+              <a:ext uri="{FF2B5EF4-FFF2-40B4-BE49-F238E27FC236}">
+                <a16:creationId xmlns:a16="http://schemas.microsoft.com/office/drawing/2014/main" id="{B9F31747-FEA4-4237-AC21-56534EA131F8}"/>
+              </a:ext>
+            </a:extLst>
+          </p:cNvPr>
           <p:cNvSpPr>
             <a:spLocks noGrp="1"/>
           </p:cNvSpPr>
@@ -1905,44 +1770,49 @@
           <a:p>
             <a:pPr lvl="0"/>
             <a:r>
-              <a:rPr lang="de-DE" smtClean="0"/>
+              <a:rPr lang="de-DE"/>
               <a:t>Mastertextformat bearbeiten</a:t>
             </a:r>
           </a:p>
           <a:p>
             <a:pPr lvl="1"/>
             <a:r>
-              <a:rPr lang="de-DE" smtClean="0"/>
+              <a:rPr lang="de-DE"/>
               <a:t>Zweite Ebene</a:t>
             </a:r>
           </a:p>
           <a:p>
             <a:pPr lvl="2"/>
             <a:r>
-              <a:rPr lang="de-DE" smtClean="0"/>
+              <a:rPr lang="de-DE"/>
               <a:t>Dritte Ebene</a:t>
             </a:r>
           </a:p>
           <a:p>
             <a:pPr lvl="3"/>
             <a:r>
-              <a:rPr lang="de-DE" smtClean="0"/>
+              <a:rPr lang="de-DE"/>
               <a:t>Vierte Ebene</a:t>
             </a:r>
           </a:p>
           <a:p>
             <a:pPr lvl="4"/>
             <a:r>
-              <a:rPr lang="de-DE" smtClean="0"/>
+              <a:rPr lang="de-DE"/>
               <a:t>Fünfte Ebene</a:t>
             </a:r>
-            <a:endParaRPr lang="en-US"/>
-          </a:p>
-        </p:txBody>
-      </p:sp>
-      <p:sp>
-        <p:nvSpPr>
-          <p:cNvPr id="7" name="Datumsplatzhalter 6"/>
+          </a:p>
+        </p:txBody>
+      </p:sp>
+      <p:sp>
+        <p:nvSpPr>
+          <p:cNvPr id="7" name="Datumsplatzhalter 6">
+            <a:extLst>
+              <a:ext uri="{FF2B5EF4-FFF2-40B4-BE49-F238E27FC236}">
+                <a16:creationId xmlns:a16="http://schemas.microsoft.com/office/drawing/2014/main" id="{D1FDB659-54DA-49AB-99F4-A5E0F750EBC0}"/>
+              </a:ext>
+            </a:extLst>
+          </p:cNvPr>
           <p:cNvSpPr>
             <a:spLocks noGrp="1"/>
           </p:cNvSpPr>
@@ -1955,17 +1825,23 @@
           <a:bodyPr/>
           <a:lstStyle/>
           <a:p>
-            <a:fld id="{1B61A3CF-EA17-9843-BD75-9AE3C155D511}" type="datetimeFigureOut">
-              <a:rPr lang="en-US" smtClean="0"/>
-              <a:t>1/28/18</a:t>
+            <a:fld id="{BFA0FAC0-3C46-4BA4-A99C-EE7A7CDA6C6C}" type="datetimeFigureOut">
+              <a:rPr lang="de-DE" smtClean="0"/>
+              <a:t>28.01.2018</a:t>
             </a:fld>
-            <a:endParaRPr lang="en-US"/>
-          </a:p>
-        </p:txBody>
-      </p:sp>
-      <p:sp>
-        <p:nvSpPr>
-          <p:cNvPr id="8" name="Fußzeilenplatzhalter 7"/>
+            <a:endParaRPr lang="de-DE"/>
+          </a:p>
+        </p:txBody>
+      </p:sp>
+      <p:sp>
+        <p:nvSpPr>
+          <p:cNvPr id="8" name="Fußzeilenplatzhalter 7">
+            <a:extLst>
+              <a:ext uri="{FF2B5EF4-FFF2-40B4-BE49-F238E27FC236}">
+                <a16:creationId xmlns:a16="http://schemas.microsoft.com/office/drawing/2014/main" id="{0E3AD9DD-7465-402A-A57B-7BB665D17836}"/>
+              </a:ext>
+            </a:extLst>
+          </p:cNvPr>
           <p:cNvSpPr>
             <a:spLocks noGrp="1"/>
           </p:cNvSpPr>
@@ -1978,13 +1854,19 @@
           <a:bodyPr/>
           <a:lstStyle/>
           <a:p>
-            <a:endParaRPr lang="en-US"/>
-          </a:p>
-        </p:txBody>
-      </p:sp>
-      <p:sp>
-        <p:nvSpPr>
-          <p:cNvPr id="9" name="Foliennummernplatzhalter 8"/>
+            <a:endParaRPr lang="de-DE"/>
+          </a:p>
+        </p:txBody>
+      </p:sp>
+      <p:sp>
+        <p:nvSpPr>
+          <p:cNvPr id="9" name="Foliennummernplatzhalter 8">
+            <a:extLst>
+              <a:ext uri="{FF2B5EF4-FFF2-40B4-BE49-F238E27FC236}">
+                <a16:creationId xmlns:a16="http://schemas.microsoft.com/office/drawing/2014/main" id="{D7BBC0F8-C93F-40CB-9075-39D5D6858585}"/>
+              </a:ext>
+            </a:extLst>
+          </p:cNvPr>
           <p:cNvSpPr>
             <a:spLocks noGrp="1"/>
           </p:cNvSpPr>
@@ -1997,18 +1879,18 @@
           <a:bodyPr/>
           <a:lstStyle/>
           <a:p>
-            <a:fld id="{00DF9872-4C86-DE48-A9CC-42F26832B222}" type="slidenum">
-              <a:rPr lang="en-US" smtClean="0"/>
+            <a:fld id="{6D6441C6-942E-4A93-913A-9DF271D4FB46}" type="slidenum">
+              <a:rPr lang="de-DE" smtClean="0"/>
               <a:t>‹Nr.›</a:t>
             </a:fld>
-            <a:endParaRPr lang="en-US"/>
+            <a:endParaRPr lang="de-DE"/>
           </a:p>
         </p:txBody>
       </p:sp>
     </p:spTree>
     <p:extLst>
       <p:ext uri="{BB962C8B-B14F-4D97-AF65-F5344CB8AC3E}">
-        <p14:creationId xmlns:p14="http://schemas.microsoft.com/office/powerpoint/2010/main" val="730956883"/>
+        <p14:creationId xmlns:p14="http://schemas.microsoft.com/office/powerpoint/2010/main" val="1143247026"/>
       </p:ext>
     </p:extLst>
   </p:cSld>
@@ -2037,7 +1919,13 @@
       </p:grpSpPr>
       <p:sp>
         <p:nvSpPr>
-          <p:cNvPr id="2" name="Titel 1"/>
+          <p:cNvPr id="2" name="Titel 1">
+            <a:extLst>
+              <a:ext uri="{FF2B5EF4-FFF2-40B4-BE49-F238E27FC236}">
+                <a16:creationId xmlns:a16="http://schemas.microsoft.com/office/drawing/2014/main" id="{5E60F245-183D-44E2-BC0E-6F0ED7FDE89D}"/>
+              </a:ext>
+            </a:extLst>
+          </p:cNvPr>
           <p:cNvSpPr>
             <a:spLocks noGrp="1"/>
           </p:cNvSpPr>
@@ -2051,16 +1939,21 @@
           <a:lstStyle/>
           <a:p>
             <a:r>
-              <a:rPr lang="de-DE" smtClean="0"/>
+              <a:rPr lang="de-DE"/>
               <a:t>Mastertitelformat bearbeiten</a:t>
             </a:r>
-            <a:endParaRPr lang="en-US"/>
-          </a:p>
-        </p:txBody>
-      </p:sp>
-      <p:sp>
-        <p:nvSpPr>
-          <p:cNvPr id="3" name="Datumsplatzhalter 2"/>
+          </a:p>
+        </p:txBody>
+      </p:sp>
+      <p:sp>
+        <p:nvSpPr>
+          <p:cNvPr id="3" name="Datumsplatzhalter 2">
+            <a:extLst>
+              <a:ext uri="{FF2B5EF4-FFF2-40B4-BE49-F238E27FC236}">
+                <a16:creationId xmlns:a16="http://schemas.microsoft.com/office/drawing/2014/main" id="{F2804D49-5373-4DE0-9C9E-3E3A59C14A23}"/>
+              </a:ext>
+            </a:extLst>
+          </p:cNvPr>
           <p:cNvSpPr>
             <a:spLocks noGrp="1"/>
           </p:cNvSpPr>
@@ -2073,17 +1966,23 @@
           <a:bodyPr/>
           <a:lstStyle/>
           <a:p>
-            <a:fld id="{1B61A3CF-EA17-9843-BD75-9AE3C155D511}" type="datetimeFigureOut">
-              <a:rPr lang="en-US" smtClean="0"/>
-              <a:t>1/28/18</a:t>
+            <a:fld id="{BFA0FAC0-3C46-4BA4-A99C-EE7A7CDA6C6C}" type="datetimeFigureOut">
+              <a:rPr lang="de-DE" smtClean="0"/>
+              <a:t>28.01.2018</a:t>
             </a:fld>
-            <a:endParaRPr lang="en-US"/>
-          </a:p>
-        </p:txBody>
-      </p:sp>
-      <p:sp>
-        <p:nvSpPr>
-          <p:cNvPr id="4" name="Fußzeilenplatzhalter 3"/>
+            <a:endParaRPr lang="de-DE"/>
+          </a:p>
+        </p:txBody>
+      </p:sp>
+      <p:sp>
+        <p:nvSpPr>
+          <p:cNvPr id="4" name="Fußzeilenplatzhalter 3">
+            <a:extLst>
+              <a:ext uri="{FF2B5EF4-FFF2-40B4-BE49-F238E27FC236}">
+                <a16:creationId xmlns:a16="http://schemas.microsoft.com/office/drawing/2014/main" id="{16F23AD2-86E1-4D4F-A4CD-FCBFA7578D91}"/>
+              </a:ext>
+            </a:extLst>
+          </p:cNvPr>
           <p:cNvSpPr>
             <a:spLocks noGrp="1"/>
           </p:cNvSpPr>
@@ -2096,13 +1995,19 @@
           <a:bodyPr/>
           <a:lstStyle/>
           <a:p>
-            <a:endParaRPr lang="en-US"/>
-          </a:p>
-        </p:txBody>
-      </p:sp>
-      <p:sp>
-        <p:nvSpPr>
-          <p:cNvPr id="5" name="Foliennummernplatzhalter 4"/>
+            <a:endParaRPr lang="de-DE"/>
+          </a:p>
+        </p:txBody>
+      </p:sp>
+      <p:sp>
+        <p:nvSpPr>
+          <p:cNvPr id="5" name="Foliennummernplatzhalter 4">
+            <a:extLst>
+              <a:ext uri="{FF2B5EF4-FFF2-40B4-BE49-F238E27FC236}">
+                <a16:creationId xmlns:a16="http://schemas.microsoft.com/office/drawing/2014/main" id="{3881490F-B7C1-4E8A-9E89-6F32DD46DCB7}"/>
+              </a:ext>
+            </a:extLst>
+          </p:cNvPr>
           <p:cNvSpPr>
             <a:spLocks noGrp="1"/>
           </p:cNvSpPr>
@@ -2115,18 +2020,18 @@
           <a:bodyPr/>
           <a:lstStyle/>
           <a:p>
-            <a:fld id="{00DF9872-4C86-DE48-A9CC-42F26832B222}" type="slidenum">
-              <a:rPr lang="en-US" smtClean="0"/>
+            <a:fld id="{6D6441C6-942E-4A93-913A-9DF271D4FB46}" type="slidenum">
+              <a:rPr lang="de-DE" smtClean="0"/>
               <a:t>‹Nr.›</a:t>
             </a:fld>
-            <a:endParaRPr lang="en-US"/>
+            <a:endParaRPr lang="de-DE"/>
           </a:p>
         </p:txBody>
       </p:sp>
     </p:spTree>
     <p:extLst>
       <p:ext uri="{BB962C8B-B14F-4D97-AF65-F5344CB8AC3E}">
-        <p14:creationId xmlns:p14="http://schemas.microsoft.com/office/powerpoint/2010/main" val="1585871741"/>
+        <p14:creationId xmlns:p14="http://schemas.microsoft.com/office/powerpoint/2010/main" val="120061197"/>
       </p:ext>
     </p:extLst>
   </p:cSld>
@@ -2155,7 +2060,13 @@
       </p:grpSpPr>
       <p:sp>
         <p:nvSpPr>
-          <p:cNvPr id="2" name="Datumsplatzhalter 1"/>
+          <p:cNvPr id="2" name="Datumsplatzhalter 1">
+            <a:extLst>
+              <a:ext uri="{FF2B5EF4-FFF2-40B4-BE49-F238E27FC236}">
+                <a16:creationId xmlns:a16="http://schemas.microsoft.com/office/drawing/2014/main" id="{D72F779E-DCB5-4137-9AB7-9F9DA95D9B2E}"/>
+              </a:ext>
+            </a:extLst>
+          </p:cNvPr>
           <p:cNvSpPr>
             <a:spLocks noGrp="1"/>
           </p:cNvSpPr>
@@ -2168,17 +2079,23 @@
           <a:bodyPr/>
           <a:lstStyle/>
           <a:p>
-            <a:fld id="{1B61A3CF-EA17-9843-BD75-9AE3C155D511}" type="datetimeFigureOut">
-              <a:rPr lang="en-US" smtClean="0"/>
-              <a:t>1/28/18</a:t>
+            <a:fld id="{BFA0FAC0-3C46-4BA4-A99C-EE7A7CDA6C6C}" type="datetimeFigureOut">
+              <a:rPr lang="de-DE" smtClean="0"/>
+              <a:t>28.01.2018</a:t>
             </a:fld>
-            <a:endParaRPr lang="en-US"/>
-          </a:p>
-        </p:txBody>
-      </p:sp>
-      <p:sp>
-        <p:nvSpPr>
-          <p:cNvPr id="3" name="Fußzeilenplatzhalter 2"/>
+            <a:endParaRPr lang="de-DE"/>
+          </a:p>
+        </p:txBody>
+      </p:sp>
+      <p:sp>
+        <p:nvSpPr>
+          <p:cNvPr id="3" name="Fußzeilenplatzhalter 2">
+            <a:extLst>
+              <a:ext uri="{FF2B5EF4-FFF2-40B4-BE49-F238E27FC236}">
+                <a16:creationId xmlns:a16="http://schemas.microsoft.com/office/drawing/2014/main" id="{C0761765-C7A6-4E99-8D14-3BEAF13BFAFE}"/>
+              </a:ext>
+            </a:extLst>
+          </p:cNvPr>
           <p:cNvSpPr>
             <a:spLocks noGrp="1"/>
           </p:cNvSpPr>
@@ -2191,13 +2108,19 @@
           <a:bodyPr/>
           <a:lstStyle/>
           <a:p>
-            <a:endParaRPr lang="en-US"/>
-          </a:p>
-        </p:txBody>
-      </p:sp>
-      <p:sp>
-        <p:nvSpPr>
-          <p:cNvPr id="4" name="Foliennummernplatzhalter 3"/>
+            <a:endParaRPr lang="de-DE"/>
+          </a:p>
+        </p:txBody>
+      </p:sp>
+      <p:sp>
+        <p:nvSpPr>
+          <p:cNvPr id="4" name="Foliennummernplatzhalter 3">
+            <a:extLst>
+              <a:ext uri="{FF2B5EF4-FFF2-40B4-BE49-F238E27FC236}">
+                <a16:creationId xmlns:a16="http://schemas.microsoft.com/office/drawing/2014/main" id="{4009AA23-F1E9-46A0-A967-E02A56A8D7D3}"/>
+              </a:ext>
+            </a:extLst>
+          </p:cNvPr>
           <p:cNvSpPr>
             <a:spLocks noGrp="1"/>
           </p:cNvSpPr>
@@ -2210,18 +2133,18 @@
           <a:bodyPr/>
           <a:lstStyle/>
           <a:p>
-            <a:fld id="{00DF9872-4C86-DE48-A9CC-42F26832B222}" type="slidenum">
-              <a:rPr lang="en-US" smtClean="0"/>
+            <a:fld id="{6D6441C6-942E-4A93-913A-9DF271D4FB46}" type="slidenum">
+              <a:rPr lang="de-DE" smtClean="0"/>
               <a:t>‹Nr.›</a:t>
             </a:fld>
-            <a:endParaRPr lang="en-US"/>
+            <a:endParaRPr lang="de-DE"/>
           </a:p>
         </p:txBody>
       </p:sp>
     </p:spTree>
     <p:extLst>
       <p:ext uri="{BB962C8B-B14F-4D97-AF65-F5344CB8AC3E}">
-        <p14:creationId xmlns:p14="http://schemas.microsoft.com/office/powerpoint/2010/main" val="1326808070"/>
+        <p14:creationId xmlns:p14="http://schemas.microsoft.com/office/powerpoint/2010/main" val="3513618017"/>
       </p:ext>
     </p:extLst>
   </p:cSld>
@@ -2233,7 +2156,7 @@
 
 <file path=ppt/slideLayouts/slideLayout8.xml><?xml version="1.0" encoding="utf-8"?>
 <p:sldLayout xmlns:a="http://schemas.openxmlformats.org/drawingml/2006/main" xmlns:r="http://schemas.openxmlformats.org/officeDocument/2006/relationships" xmlns:p="http://schemas.openxmlformats.org/presentationml/2006/main" type="objTx" preserve="1">
-  <p:cSld name="Inhalt mit Beschriftung">
+  <p:cSld name="Inhalt mit Überschrift">
     <p:spTree>
       <p:nvGrpSpPr>
         <p:cNvPr id="1" name=""/>
@@ -2250,7 +2173,13 @@
       </p:grpSpPr>
       <p:sp>
         <p:nvSpPr>
-          <p:cNvPr id="2" name="Titel 1"/>
+          <p:cNvPr id="2" name="Titel 1">
+            <a:extLst>
+              <a:ext uri="{FF2B5EF4-FFF2-40B4-BE49-F238E27FC236}">
+                <a16:creationId xmlns:a16="http://schemas.microsoft.com/office/drawing/2014/main" id="{39B9FD05-462E-49C6-9F19-F87F984A176C}"/>
+              </a:ext>
+            </a:extLst>
+          </p:cNvPr>
           <p:cNvSpPr>
             <a:spLocks noGrp="1"/>
           </p:cNvSpPr>
@@ -2273,16 +2202,21 @@
           </a:lstStyle>
           <a:p>
             <a:r>
-              <a:rPr lang="de-DE" smtClean="0"/>
+              <a:rPr lang="de-DE"/>
               <a:t>Mastertitelformat bearbeiten</a:t>
             </a:r>
-            <a:endParaRPr lang="en-US"/>
-          </a:p>
-        </p:txBody>
-      </p:sp>
-      <p:sp>
-        <p:nvSpPr>
-          <p:cNvPr id="3" name="Inhaltsplatzhalter 2"/>
+          </a:p>
+        </p:txBody>
+      </p:sp>
+      <p:sp>
+        <p:nvSpPr>
+          <p:cNvPr id="3" name="Inhaltsplatzhalter 2">
+            <a:extLst>
+              <a:ext uri="{FF2B5EF4-FFF2-40B4-BE49-F238E27FC236}">
+                <a16:creationId xmlns:a16="http://schemas.microsoft.com/office/drawing/2014/main" id="{1B07C498-291E-409E-83DD-38521C7BAFE6}"/>
+              </a:ext>
+            </a:extLst>
+          </p:cNvPr>
           <p:cNvSpPr>
             <a:spLocks noGrp="1"/>
           </p:cNvSpPr>
@@ -2330,44 +2264,49 @@
           <a:p>
             <a:pPr lvl="0"/>
             <a:r>
-              <a:rPr lang="de-DE" smtClean="0"/>
+              <a:rPr lang="de-DE"/>
               <a:t>Mastertextformat bearbeiten</a:t>
             </a:r>
           </a:p>
           <a:p>
             <a:pPr lvl="1"/>
             <a:r>
-              <a:rPr lang="de-DE" smtClean="0"/>
+              <a:rPr lang="de-DE"/>
               <a:t>Zweite Ebene</a:t>
             </a:r>
           </a:p>
           <a:p>
             <a:pPr lvl="2"/>
             <a:r>
-              <a:rPr lang="de-DE" smtClean="0"/>
+              <a:rPr lang="de-DE"/>
               <a:t>Dritte Ebene</a:t>
             </a:r>
           </a:p>
           <a:p>
             <a:pPr lvl="3"/>
             <a:r>
-              <a:rPr lang="de-DE" smtClean="0"/>
+              <a:rPr lang="de-DE"/>
               <a:t>Vierte Ebene</a:t>
             </a:r>
           </a:p>
           <a:p>
             <a:pPr lvl="4"/>
             <a:r>
-              <a:rPr lang="de-DE" smtClean="0"/>
+              <a:rPr lang="de-DE"/>
               <a:t>Fünfte Ebene</a:t>
             </a:r>
-            <a:endParaRPr lang="en-US"/>
-          </a:p>
-        </p:txBody>
-      </p:sp>
-      <p:sp>
-        <p:nvSpPr>
-          <p:cNvPr id="4" name="Textplatzhalter 3"/>
+          </a:p>
+        </p:txBody>
+      </p:sp>
+      <p:sp>
+        <p:nvSpPr>
+          <p:cNvPr id="4" name="Textplatzhalter 3">
+            <a:extLst>
+              <a:ext uri="{FF2B5EF4-FFF2-40B4-BE49-F238E27FC236}">
+                <a16:creationId xmlns:a16="http://schemas.microsoft.com/office/drawing/2014/main" id="{C37E735C-7F48-4FC0-9361-F925A065136C}"/>
+              </a:ext>
+            </a:extLst>
+          </p:cNvPr>
           <p:cNvSpPr>
             <a:spLocks noGrp="1"/>
           </p:cNvSpPr>
@@ -2424,7 +2363,7 @@
           <a:p>
             <a:pPr lvl="0"/>
             <a:r>
-              <a:rPr lang="de-DE" smtClean="0"/>
+              <a:rPr lang="de-DE"/>
               <a:t>Mastertextformat bearbeiten</a:t>
             </a:r>
           </a:p>
@@ -2432,7 +2371,13 @@
       </p:sp>
       <p:sp>
         <p:nvSpPr>
-          <p:cNvPr id="5" name="Datumsplatzhalter 4"/>
+          <p:cNvPr id="5" name="Datumsplatzhalter 4">
+            <a:extLst>
+              <a:ext uri="{FF2B5EF4-FFF2-40B4-BE49-F238E27FC236}">
+                <a16:creationId xmlns:a16="http://schemas.microsoft.com/office/drawing/2014/main" id="{CF5D86AF-7394-4CF7-B56E-ED46E5FDD8EB}"/>
+              </a:ext>
+            </a:extLst>
+          </p:cNvPr>
           <p:cNvSpPr>
             <a:spLocks noGrp="1"/>
           </p:cNvSpPr>
@@ -2445,17 +2390,23 @@
           <a:bodyPr/>
           <a:lstStyle/>
           <a:p>
-            <a:fld id="{1B61A3CF-EA17-9843-BD75-9AE3C155D511}" type="datetimeFigureOut">
-              <a:rPr lang="en-US" smtClean="0"/>
-              <a:t>1/28/18</a:t>
+            <a:fld id="{BFA0FAC0-3C46-4BA4-A99C-EE7A7CDA6C6C}" type="datetimeFigureOut">
+              <a:rPr lang="de-DE" smtClean="0"/>
+              <a:t>28.01.2018</a:t>
             </a:fld>
-            <a:endParaRPr lang="en-US"/>
-          </a:p>
-        </p:txBody>
-      </p:sp>
-      <p:sp>
-        <p:nvSpPr>
-          <p:cNvPr id="6" name="Fußzeilenplatzhalter 5"/>
+            <a:endParaRPr lang="de-DE"/>
+          </a:p>
+        </p:txBody>
+      </p:sp>
+      <p:sp>
+        <p:nvSpPr>
+          <p:cNvPr id="6" name="Fußzeilenplatzhalter 5">
+            <a:extLst>
+              <a:ext uri="{FF2B5EF4-FFF2-40B4-BE49-F238E27FC236}">
+                <a16:creationId xmlns:a16="http://schemas.microsoft.com/office/drawing/2014/main" id="{253F5E6A-6A7F-4176-8649-0BF0653B2427}"/>
+              </a:ext>
+            </a:extLst>
+          </p:cNvPr>
           <p:cNvSpPr>
             <a:spLocks noGrp="1"/>
           </p:cNvSpPr>
@@ -2468,13 +2419,19 @@
           <a:bodyPr/>
           <a:lstStyle/>
           <a:p>
-            <a:endParaRPr lang="en-US"/>
-          </a:p>
-        </p:txBody>
-      </p:sp>
-      <p:sp>
-        <p:nvSpPr>
-          <p:cNvPr id="7" name="Foliennummernplatzhalter 6"/>
+            <a:endParaRPr lang="de-DE"/>
+          </a:p>
+        </p:txBody>
+      </p:sp>
+      <p:sp>
+        <p:nvSpPr>
+          <p:cNvPr id="7" name="Foliennummernplatzhalter 6">
+            <a:extLst>
+              <a:ext uri="{FF2B5EF4-FFF2-40B4-BE49-F238E27FC236}">
+                <a16:creationId xmlns:a16="http://schemas.microsoft.com/office/drawing/2014/main" id="{74E36C08-BC73-4E4D-9353-B6CFB4D3AA3E}"/>
+              </a:ext>
+            </a:extLst>
+          </p:cNvPr>
           <p:cNvSpPr>
             <a:spLocks noGrp="1"/>
           </p:cNvSpPr>
@@ -2487,18 +2444,18 @@
           <a:bodyPr/>
           <a:lstStyle/>
           <a:p>
-            <a:fld id="{00DF9872-4C86-DE48-A9CC-42F26832B222}" type="slidenum">
-              <a:rPr lang="en-US" smtClean="0"/>
+            <a:fld id="{6D6441C6-942E-4A93-913A-9DF271D4FB46}" type="slidenum">
+              <a:rPr lang="de-DE" smtClean="0"/>
               <a:t>‹Nr.›</a:t>
             </a:fld>
-            <a:endParaRPr lang="en-US"/>
+            <a:endParaRPr lang="de-DE"/>
           </a:p>
         </p:txBody>
       </p:sp>
     </p:spTree>
     <p:extLst>
       <p:ext uri="{BB962C8B-B14F-4D97-AF65-F5344CB8AC3E}">
-        <p14:creationId xmlns:p14="http://schemas.microsoft.com/office/powerpoint/2010/main" val="193042042"/>
+        <p14:creationId xmlns:p14="http://schemas.microsoft.com/office/powerpoint/2010/main" val="3190871508"/>
       </p:ext>
     </p:extLst>
   </p:cSld>
@@ -2510,7 +2467,7 @@
 
 <file path=ppt/slideLayouts/slideLayout9.xml><?xml version="1.0" encoding="utf-8"?>
 <p:sldLayout xmlns:a="http://schemas.openxmlformats.org/drawingml/2006/main" xmlns:r="http://schemas.openxmlformats.org/officeDocument/2006/relationships" xmlns:p="http://schemas.openxmlformats.org/presentationml/2006/main" type="picTx" preserve="1">
-  <p:cSld name="Bild mit Beschriftung">
+  <p:cSld name="Bild mit Überschrift">
     <p:spTree>
       <p:nvGrpSpPr>
         <p:cNvPr id="1" name=""/>
@@ -2527,7 +2484,13 @@
       </p:grpSpPr>
       <p:sp>
         <p:nvSpPr>
-          <p:cNvPr id="2" name="Titel 1"/>
+          <p:cNvPr id="2" name="Titel 1">
+            <a:extLst>
+              <a:ext uri="{FF2B5EF4-FFF2-40B4-BE49-F238E27FC236}">
+                <a16:creationId xmlns:a16="http://schemas.microsoft.com/office/drawing/2014/main" id="{FBFC77DF-BCB1-47B7-9D4B-249137A0F844}"/>
+              </a:ext>
+            </a:extLst>
+          </p:cNvPr>
           <p:cNvSpPr>
             <a:spLocks noGrp="1"/>
           </p:cNvSpPr>
@@ -2550,16 +2513,21 @@
           </a:lstStyle>
           <a:p>
             <a:r>
-              <a:rPr lang="de-DE" smtClean="0"/>
+              <a:rPr lang="de-DE"/>
               <a:t>Mastertitelformat bearbeiten</a:t>
             </a:r>
-            <a:endParaRPr lang="en-US"/>
-          </a:p>
-        </p:txBody>
-      </p:sp>
-      <p:sp>
-        <p:nvSpPr>
-          <p:cNvPr id="3" name="Bildplatzhalter 2"/>
+          </a:p>
+        </p:txBody>
+      </p:sp>
+      <p:sp>
+        <p:nvSpPr>
+          <p:cNvPr id="3" name="Bildplatzhalter 2">
+            <a:extLst>
+              <a:ext uri="{FF2B5EF4-FFF2-40B4-BE49-F238E27FC236}">
+                <a16:creationId xmlns:a16="http://schemas.microsoft.com/office/drawing/2014/main" id="{9683A900-EEA9-412D-9EB1-1891E6A0B70E}"/>
+              </a:ext>
+            </a:extLst>
+          </p:cNvPr>
           <p:cNvSpPr>
             <a:spLocks noGrp="1"/>
           </p:cNvSpPr>
@@ -2614,13 +2582,19 @@
             </a:lvl9pPr>
           </a:lstStyle>
           <a:p>
-            <a:endParaRPr lang="en-US"/>
-          </a:p>
-        </p:txBody>
-      </p:sp>
-      <p:sp>
-        <p:nvSpPr>
-          <p:cNvPr id="4" name="Textplatzhalter 3"/>
+            <a:endParaRPr lang="de-DE"/>
+          </a:p>
+        </p:txBody>
+      </p:sp>
+      <p:sp>
+        <p:nvSpPr>
+          <p:cNvPr id="4" name="Textplatzhalter 3">
+            <a:extLst>
+              <a:ext uri="{FF2B5EF4-FFF2-40B4-BE49-F238E27FC236}">
+                <a16:creationId xmlns:a16="http://schemas.microsoft.com/office/drawing/2014/main" id="{DD9AB730-9F77-4E14-B2C2-D578A667BF8A}"/>
+              </a:ext>
+            </a:extLst>
+          </p:cNvPr>
           <p:cNvSpPr>
             <a:spLocks noGrp="1"/>
           </p:cNvSpPr>
@@ -2677,7 +2651,7 @@
           <a:p>
             <a:pPr lvl="0"/>
             <a:r>
-              <a:rPr lang="de-DE" smtClean="0"/>
+              <a:rPr lang="de-DE"/>
               <a:t>Mastertextformat bearbeiten</a:t>
             </a:r>
           </a:p>
@@ -2685,7 +2659,13 @@
       </p:sp>
       <p:sp>
         <p:nvSpPr>
-          <p:cNvPr id="5" name="Datumsplatzhalter 4"/>
+          <p:cNvPr id="5" name="Datumsplatzhalter 4">
+            <a:extLst>
+              <a:ext uri="{FF2B5EF4-FFF2-40B4-BE49-F238E27FC236}">
+                <a16:creationId xmlns:a16="http://schemas.microsoft.com/office/drawing/2014/main" id="{F6EA36AF-1B46-4BE0-8886-4A41FCC74BB4}"/>
+              </a:ext>
+            </a:extLst>
+          </p:cNvPr>
           <p:cNvSpPr>
             <a:spLocks noGrp="1"/>
           </p:cNvSpPr>
@@ -2698,17 +2678,23 @@
           <a:bodyPr/>
           <a:lstStyle/>
           <a:p>
-            <a:fld id="{1B61A3CF-EA17-9843-BD75-9AE3C155D511}" type="datetimeFigureOut">
-              <a:rPr lang="en-US" smtClean="0"/>
-              <a:t>1/28/18</a:t>
+            <a:fld id="{BFA0FAC0-3C46-4BA4-A99C-EE7A7CDA6C6C}" type="datetimeFigureOut">
+              <a:rPr lang="de-DE" smtClean="0"/>
+              <a:t>28.01.2018</a:t>
             </a:fld>
-            <a:endParaRPr lang="en-US"/>
-          </a:p>
-        </p:txBody>
-      </p:sp>
-      <p:sp>
-        <p:nvSpPr>
-          <p:cNvPr id="6" name="Fußzeilenplatzhalter 5"/>
+            <a:endParaRPr lang="de-DE"/>
+          </a:p>
+        </p:txBody>
+      </p:sp>
+      <p:sp>
+        <p:nvSpPr>
+          <p:cNvPr id="6" name="Fußzeilenplatzhalter 5">
+            <a:extLst>
+              <a:ext uri="{FF2B5EF4-FFF2-40B4-BE49-F238E27FC236}">
+                <a16:creationId xmlns:a16="http://schemas.microsoft.com/office/drawing/2014/main" id="{2D1B7B74-30C8-4A1B-89A2-E7A185534861}"/>
+              </a:ext>
+            </a:extLst>
+          </p:cNvPr>
           <p:cNvSpPr>
             <a:spLocks noGrp="1"/>
           </p:cNvSpPr>
@@ -2721,13 +2707,19 @@
           <a:bodyPr/>
           <a:lstStyle/>
           <a:p>
-            <a:endParaRPr lang="en-US"/>
-          </a:p>
-        </p:txBody>
-      </p:sp>
-      <p:sp>
-        <p:nvSpPr>
-          <p:cNvPr id="7" name="Foliennummernplatzhalter 6"/>
+            <a:endParaRPr lang="de-DE"/>
+          </a:p>
+        </p:txBody>
+      </p:sp>
+      <p:sp>
+        <p:nvSpPr>
+          <p:cNvPr id="7" name="Foliennummernplatzhalter 6">
+            <a:extLst>
+              <a:ext uri="{FF2B5EF4-FFF2-40B4-BE49-F238E27FC236}">
+                <a16:creationId xmlns:a16="http://schemas.microsoft.com/office/drawing/2014/main" id="{4F42C532-FCB5-4094-B2FA-7469CCCD8675}"/>
+              </a:ext>
+            </a:extLst>
+          </p:cNvPr>
           <p:cNvSpPr>
             <a:spLocks noGrp="1"/>
           </p:cNvSpPr>
@@ -2740,18 +2732,18 @@
           <a:bodyPr/>
           <a:lstStyle/>
           <a:p>
-            <a:fld id="{00DF9872-4C86-DE48-A9CC-42F26832B222}" type="slidenum">
-              <a:rPr lang="en-US" smtClean="0"/>
+            <a:fld id="{6D6441C6-942E-4A93-913A-9DF271D4FB46}" type="slidenum">
+              <a:rPr lang="de-DE" smtClean="0"/>
               <a:t>‹Nr.›</a:t>
             </a:fld>
-            <a:endParaRPr lang="en-US"/>
+            <a:endParaRPr lang="de-DE"/>
           </a:p>
         </p:txBody>
       </p:sp>
     </p:spTree>
     <p:extLst>
       <p:ext uri="{BB962C8B-B14F-4D97-AF65-F5344CB8AC3E}">
-        <p14:creationId xmlns:p14="http://schemas.microsoft.com/office/powerpoint/2010/main" val="1757292924"/>
+        <p14:creationId xmlns:p14="http://schemas.microsoft.com/office/powerpoint/2010/main" val="4129296997"/>
       </p:ext>
     </p:extLst>
   </p:cSld>
@@ -2785,7 +2777,13 @@
       </p:grpSpPr>
       <p:sp>
         <p:nvSpPr>
-          <p:cNvPr id="2" name="Titelplatzhalter 1"/>
+          <p:cNvPr id="2" name="Titelplatzhalter 1">
+            <a:extLst>
+              <a:ext uri="{FF2B5EF4-FFF2-40B4-BE49-F238E27FC236}">
+                <a16:creationId xmlns:a16="http://schemas.microsoft.com/office/drawing/2014/main" id="{F17B85CC-7082-4CEE-A92D-9D8C3B3E89D6}"/>
+              </a:ext>
+            </a:extLst>
+          </p:cNvPr>
           <p:cNvSpPr>
             <a:spLocks noGrp="1"/>
           </p:cNvSpPr>
@@ -2809,16 +2807,21 @@
           <a:lstStyle/>
           <a:p>
             <a:r>
-              <a:rPr lang="de-DE" smtClean="0"/>
+              <a:rPr lang="de-DE"/>
               <a:t>Mastertitelformat bearbeiten</a:t>
             </a:r>
-            <a:endParaRPr lang="en-US"/>
-          </a:p>
-        </p:txBody>
-      </p:sp>
-      <p:sp>
-        <p:nvSpPr>
-          <p:cNvPr id="3" name="Textplatzhalter 2"/>
+          </a:p>
+        </p:txBody>
+      </p:sp>
+      <p:sp>
+        <p:nvSpPr>
+          <p:cNvPr id="3" name="Textplatzhalter 2">
+            <a:extLst>
+              <a:ext uri="{FF2B5EF4-FFF2-40B4-BE49-F238E27FC236}">
+                <a16:creationId xmlns:a16="http://schemas.microsoft.com/office/drawing/2014/main" id="{8B5E3275-8B6F-475A-8B5B-83058FCFFF44}"/>
+              </a:ext>
+            </a:extLst>
+          </p:cNvPr>
           <p:cNvSpPr>
             <a:spLocks noGrp="1"/>
           </p:cNvSpPr>
@@ -2843,44 +2846,49 @@
           <a:p>
             <a:pPr lvl="0"/>
             <a:r>
-              <a:rPr lang="de-DE" smtClean="0"/>
+              <a:rPr lang="de-DE"/>
               <a:t>Mastertextformat bearbeiten</a:t>
             </a:r>
           </a:p>
           <a:p>
             <a:pPr lvl="1"/>
             <a:r>
-              <a:rPr lang="de-DE" smtClean="0"/>
+              <a:rPr lang="de-DE"/>
               <a:t>Zweite Ebene</a:t>
             </a:r>
           </a:p>
           <a:p>
             <a:pPr lvl="2"/>
             <a:r>
-              <a:rPr lang="de-DE" smtClean="0"/>
+              <a:rPr lang="de-DE"/>
               <a:t>Dritte Ebene</a:t>
             </a:r>
           </a:p>
           <a:p>
             <a:pPr lvl="3"/>
             <a:r>
-              <a:rPr lang="de-DE" smtClean="0"/>
+              <a:rPr lang="de-DE"/>
               <a:t>Vierte Ebene</a:t>
             </a:r>
           </a:p>
           <a:p>
             <a:pPr lvl="4"/>
             <a:r>
-              <a:rPr lang="de-DE" smtClean="0"/>
+              <a:rPr lang="de-DE"/>
               <a:t>Fünfte Ebene</a:t>
             </a:r>
-            <a:endParaRPr lang="en-US"/>
-          </a:p>
-        </p:txBody>
-      </p:sp>
-      <p:sp>
-        <p:nvSpPr>
-          <p:cNvPr id="4" name="Datumsplatzhalter 3"/>
+          </a:p>
+        </p:txBody>
+      </p:sp>
+      <p:sp>
+        <p:nvSpPr>
+          <p:cNvPr id="4" name="Datumsplatzhalter 3">
+            <a:extLst>
+              <a:ext uri="{FF2B5EF4-FFF2-40B4-BE49-F238E27FC236}">
+                <a16:creationId xmlns:a16="http://schemas.microsoft.com/office/drawing/2014/main" id="{48965A3F-E402-47B9-AD99-E595939C5A9D}"/>
+              </a:ext>
+            </a:extLst>
+          </p:cNvPr>
           <p:cNvSpPr>
             <a:spLocks noGrp="1"/>
           </p:cNvSpPr>
@@ -2911,17 +2919,23 @@
             </a:lvl1pPr>
           </a:lstStyle>
           <a:p>
-            <a:fld id="{1B61A3CF-EA17-9843-BD75-9AE3C155D511}" type="datetimeFigureOut">
-              <a:rPr lang="en-US" smtClean="0"/>
-              <a:t>1/28/18</a:t>
+            <a:fld id="{BFA0FAC0-3C46-4BA4-A99C-EE7A7CDA6C6C}" type="datetimeFigureOut">
+              <a:rPr lang="de-DE" smtClean="0"/>
+              <a:t>28.01.2018</a:t>
             </a:fld>
-            <a:endParaRPr lang="en-US"/>
-          </a:p>
-        </p:txBody>
-      </p:sp>
-      <p:sp>
-        <p:nvSpPr>
-          <p:cNvPr id="5" name="Fußzeilenplatzhalter 4"/>
+            <a:endParaRPr lang="de-DE"/>
+          </a:p>
+        </p:txBody>
+      </p:sp>
+      <p:sp>
+        <p:nvSpPr>
+          <p:cNvPr id="5" name="Fußzeilenplatzhalter 4">
+            <a:extLst>
+              <a:ext uri="{FF2B5EF4-FFF2-40B4-BE49-F238E27FC236}">
+                <a16:creationId xmlns:a16="http://schemas.microsoft.com/office/drawing/2014/main" id="{92FABBE7-C809-451E-91E4-3CFA75E7C01F}"/>
+              </a:ext>
+            </a:extLst>
+          </p:cNvPr>
           <p:cNvSpPr>
             <a:spLocks noGrp="1"/>
           </p:cNvSpPr>
@@ -2952,13 +2966,19 @@
             </a:lvl1pPr>
           </a:lstStyle>
           <a:p>
-            <a:endParaRPr lang="en-US"/>
-          </a:p>
-        </p:txBody>
-      </p:sp>
-      <p:sp>
-        <p:nvSpPr>
-          <p:cNvPr id="6" name="Foliennummernplatzhalter 5"/>
+            <a:endParaRPr lang="de-DE"/>
+          </a:p>
+        </p:txBody>
+      </p:sp>
+      <p:sp>
+        <p:nvSpPr>
+          <p:cNvPr id="6" name="Foliennummernplatzhalter 5">
+            <a:extLst>
+              <a:ext uri="{FF2B5EF4-FFF2-40B4-BE49-F238E27FC236}">
+                <a16:creationId xmlns:a16="http://schemas.microsoft.com/office/drawing/2014/main" id="{8948EA0D-FC4F-4C9C-9052-D651E30F6C38}"/>
+              </a:ext>
+            </a:extLst>
+          </p:cNvPr>
           <p:cNvSpPr>
             <a:spLocks noGrp="1"/>
           </p:cNvSpPr>
@@ -2989,18 +3009,18 @@
             </a:lvl1pPr>
           </a:lstStyle>
           <a:p>
-            <a:fld id="{00DF9872-4C86-DE48-A9CC-42F26832B222}" type="slidenum">
-              <a:rPr lang="en-US" smtClean="0"/>
+            <a:fld id="{6D6441C6-942E-4A93-913A-9DF271D4FB46}" type="slidenum">
+              <a:rPr lang="de-DE" smtClean="0"/>
               <a:t>‹Nr.›</a:t>
             </a:fld>
-            <a:endParaRPr lang="en-US"/>
+            <a:endParaRPr lang="de-DE"/>
           </a:p>
         </p:txBody>
       </p:sp>
     </p:spTree>
     <p:extLst>
       <p:ext uri="{BB962C8B-B14F-4D97-AF65-F5344CB8AC3E}">
-        <p14:creationId xmlns:p14="http://schemas.microsoft.com/office/powerpoint/2010/main" val="1318251728"/>
+        <p14:creationId xmlns:p14="http://schemas.microsoft.com/office/powerpoint/2010/main" val="2538955637"/>
       </p:ext>
     </p:extLst>
   </p:cSld>
@@ -3046,7 +3066,7 @@
         <a:spcBef>
           <a:spcPts val="1000"/>
         </a:spcBef>
-        <a:buFont typeface="Arial"/>
+        <a:buFont typeface="Arial" panose="020B0604020202020204" pitchFamily="34" charset="0"/>
         <a:buChar char="•"/>
         <a:defRPr sz="2800" kern="1200">
           <a:solidFill>
@@ -3064,7 +3084,7 @@
         <a:spcBef>
           <a:spcPts val="500"/>
         </a:spcBef>
-        <a:buFont typeface="Arial"/>
+        <a:buFont typeface="Arial" panose="020B0604020202020204" pitchFamily="34" charset="0"/>
         <a:buChar char="•"/>
         <a:defRPr sz="2400" kern="1200">
           <a:solidFill>
@@ -3082,7 +3102,7 @@
         <a:spcBef>
           <a:spcPts val="500"/>
         </a:spcBef>
-        <a:buFont typeface="Arial"/>
+        <a:buFont typeface="Arial" panose="020B0604020202020204" pitchFamily="34" charset="0"/>
         <a:buChar char="•"/>
         <a:defRPr sz="2000" kern="1200">
           <a:solidFill>
@@ -3100,7 +3120,7 @@
         <a:spcBef>
           <a:spcPts val="500"/>
         </a:spcBef>
-        <a:buFont typeface="Arial"/>
+        <a:buFont typeface="Arial" panose="020B0604020202020204" pitchFamily="34" charset="0"/>
         <a:buChar char="•"/>
         <a:defRPr sz="1800" kern="1200">
           <a:solidFill>
@@ -3118,7 +3138,7 @@
         <a:spcBef>
           <a:spcPts val="500"/>
         </a:spcBef>
-        <a:buFont typeface="Arial"/>
+        <a:buFont typeface="Arial" panose="020B0604020202020204" pitchFamily="34" charset="0"/>
         <a:buChar char="•"/>
         <a:defRPr sz="1800" kern="1200">
           <a:solidFill>
@@ -3136,7 +3156,7 @@
         <a:spcBef>
           <a:spcPts val="500"/>
         </a:spcBef>
-        <a:buFont typeface="Arial"/>
+        <a:buFont typeface="Arial" panose="020B0604020202020204" pitchFamily="34" charset="0"/>
         <a:buChar char="•"/>
         <a:defRPr sz="1800" kern="1200">
           <a:solidFill>
@@ -3154,7 +3174,7 @@
         <a:spcBef>
           <a:spcPts val="500"/>
         </a:spcBef>
-        <a:buFont typeface="Arial"/>
+        <a:buFont typeface="Arial" panose="020B0604020202020204" pitchFamily="34" charset="0"/>
         <a:buChar char="•"/>
         <a:defRPr sz="1800" kern="1200">
           <a:solidFill>
@@ -3172,7 +3192,7 @@
         <a:spcBef>
           <a:spcPts val="500"/>
         </a:spcBef>
-        <a:buFont typeface="Arial"/>
+        <a:buFont typeface="Arial" panose="020B0604020202020204" pitchFamily="34" charset="0"/>
         <a:buChar char="•"/>
         <a:defRPr sz="1800" kern="1200">
           <a:solidFill>
@@ -3190,7 +3210,7 @@
         <a:spcBef>
           <a:spcPts val="500"/>
         </a:spcBef>
-        <a:buFont typeface="Arial"/>
+        <a:buFont typeface="Arial" panose="020B0604020202020204" pitchFamily="34" charset="0"/>
         <a:buChar char="•"/>
         <a:defRPr sz="1800" kern="1200">
           <a:solidFill>
@@ -3304,6 +3324,14 @@
 <file path=ppt/slides/slide1.xml><?xml version="1.0" encoding="utf-8"?>
 <p:sld xmlns:a="http://schemas.openxmlformats.org/drawingml/2006/main" xmlns:r="http://schemas.openxmlformats.org/officeDocument/2006/relationships" xmlns:p="http://schemas.openxmlformats.org/presentationml/2006/main">
   <p:cSld>
+    <p:bg>
+      <p:bgPr>
+        <a:solidFill>
+          <a:schemeClr val="bg1"/>
+        </a:solidFill>
+        <a:effectLst/>
+      </p:bgPr>
+    </p:bg>
     <p:spTree>
       <p:nvGrpSpPr>
         <p:cNvPr id="1" name=""/>
@@ -3320,7 +3348,512 @@
       </p:grpSpPr>
       <p:sp>
         <p:nvSpPr>
-          <p:cNvPr id="2" name="Titel 1"/>
+          <p:cNvPr id="12" name="Freeform 14">
+            <a:extLst>
+              <a:ext uri="{FF2B5EF4-FFF2-40B4-BE49-F238E27FC236}">
+                <a16:creationId xmlns:a16="http://schemas.microsoft.com/office/drawing/2014/main" id="{6FC11E2E-9797-4FEA-90FD-894E32A208B5}"/>
+              </a:ext>
+            </a:extLst>
+          </p:cNvPr>
+          <p:cNvSpPr>
+            <a:spLocks noGrp="1" noRot="1" noChangeAspect="1" noMove="1" noResize="1" noEditPoints="1" noAdjustHandles="1" noChangeArrowheads="1" noChangeShapeType="1" noTextEdit="1"/>
+          </p:cNvSpPr>
+          <p:nvPr>
+            <p:extLst>
+              <p:ext uri="{386F3935-93C4-4BCD-93E2-E3B085C9AB24}">
+                <p16:designElem xmlns:p16="http://schemas.microsoft.com/office/powerpoint/2015/main" val="1"/>
+              </p:ext>
+            </p:extLst>
+          </p:nvPr>
+        </p:nvSpPr>
+        <p:spPr>
+          <a:xfrm>
+            <a:off x="0" y="5448626"/>
+            <a:ext cx="6738450" cy="1409374"/>
+          </a:xfrm>
+          <a:custGeom>
+            <a:avLst/>
+            <a:gdLst>
+              <a:gd name="connsiteX0" fmla="*/ 0 w 6738450"/>
+              <a:gd name="connsiteY0" fmla="*/ 0 h 1409374"/>
+              <a:gd name="connsiteX1" fmla="*/ 6738450 w 6738450"/>
+              <a:gd name="connsiteY1" fmla="*/ 0 h 1409374"/>
+              <a:gd name="connsiteX2" fmla="*/ 6085725 w 6738450"/>
+              <a:gd name="connsiteY2" fmla="*/ 1409374 h 1409374"/>
+              <a:gd name="connsiteX3" fmla="*/ 1524000 w 6738450"/>
+              <a:gd name="connsiteY3" fmla="*/ 1409374 h 1409374"/>
+              <a:gd name="connsiteX4" fmla="*/ 1200418 w 6738450"/>
+              <a:gd name="connsiteY4" fmla="*/ 1409374 h 1409374"/>
+              <a:gd name="connsiteX5" fmla="*/ 0 w 6738450"/>
+              <a:gd name="connsiteY5" fmla="*/ 1409374 h 1409374"/>
+            </a:gdLst>
+            <a:ahLst/>
+            <a:cxnLst>
+              <a:cxn ang="0">
+                <a:pos x="connsiteX0" y="connsiteY0"/>
+              </a:cxn>
+              <a:cxn ang="0">
+                <a:pos x="connsiteX1" y="connsiteY1"/>
+              </a:cxn>
+              <a:cxn ang="0">
+                <a:pos x="connsiteX2" y="connsiteY2"/>
+              </a:cxn>
+              <a:cxn ang="0">
+                <a:pos x="connsiteX3" y="connsiteY3"/>
+              </a:cxn>
+              <a:cxn ang="0">
+                <a:pos x="connsiteX4" y="connsiteY4"/>
+              </a:cxn>
+              <a:cxn ang="0">
+                <a:pos x="connsiteX5" y="connsiteY5"/>
+              </a:cxn>
+            </a:cxnLst>
+            <a:rect l="l" t="t" r="r" b="b"/>
+            <a:pathLst>
+              <a:path w="6738450" h="1409374">
+                <a:moveTo>
+                  <a:pt x="0" y="0"/>
+                </a:moveTo>
+                <a:lnTo>
+                  <a:pt x="6738450" y="0"/>
+                </a:lnTo>
+                <a:lnTo>
+                  <a:pt x="6085725" y="1409374"/>
+                </a:lnTo>
+                <a:lnTo>
+                  <a:pt x="1524000" y="1409374"/>
+                </a:lnTo>
+                <a:lnTo>
+                  <a:pt x="1200418" y="1409374"/>
+                </a:lnTo>
+                <a:lnTo>
+                  <a:pt x="0" y="1409374"/>
+                </a:lnTo>
+                <a:close/>
+              </a:path>
+            </a:pathLst>
+          </a:custGeom>
+          <a:solidFill>
+            <a:schemeClr val="bg2"/>
+          </a:solidFill>
+          <a:ln>
+            <a:noFill/>
+          </a:ln>
+        </p:spPr>
+        <p:style>
+          <a:lnRef idx="2">
+            <a:schemeClr val="accent1">
+              <a:shade val="50000"/>
+            </a:schemeClr>
+          </a:lnRef>
+          <a:fillRef idx="1">
+            <a:schemeClr val="accent1"/>
+          </a:fillRef>
+          <a:effectRef idx="0">
+            <a:schemeClr val="accent1"/>
+          </a:effectRef>
+          <a:fontRef idx="minor">
+            <a:schemeClr val="lt1"/>
+          </a:fontRef>
+        </p:style>
+        <p:txBody>
+          <a:bodyPr wrap="square" rtlCol="0" anchor="ctr">
+            <a:noAutofit/>
+          </a:bodyPr>
+          <a:lstStyle/>
+          <a:p>
+            <a:pPr algn="ctr"/>
+            <a:endParaRPr lang="en-US"/>
+          </a:p>
+        </p:txBody>
+      </p:sp>
+      <p:sp useBgFill="1">
+        <p:nvSpPr>
+          <p:cNvPr id="14" name="Freeform 33">
+            <a:extLst>
+              <a:ext uri="{FF2B5EF4-FFF2-40B4-BE49-F238E27FC236}">
+                <a16:creationId xmlns:a16="http://schemas.microsoft.com/office/drawing/2014/main" id="{F8828EFD-56F8-4B00-9A0D-B623CC074A0E}"/>
+              </a:ext>
+            </a:extLst>
+          </p:cNvPr>
+          <p:cNvSpPr>
+            <a:spLocks noGrp="1" noRot="1" noChangeAspect="1" noMove="1" noResize="1" noEditPoints="1" noAdjustHandles="1" noChangeArrowheads="1" noChangeShapeType="1" noTextEdit="1"/>
+          </p:cNvSpPr>
+          <p:nvPr>
+            <p:extLst>
+              <p:ext uri="{386F3935-93C4-4BCD-93E2-E3B085C9AB24}">
+                <p16:designElem xmlns:p16="http://schemas.microsoft.com/office/powerpoint/2015/main" val="1"/>
+              </p:ext>
+            </p:extLst>
+          </p:nvPr>
+        </p:nvSpPr>
+        <p:spPr>
+          <a:xfrm flipH="1">
+            <a:off x="6102096" y="3608996"/>
+            <a:ext cx="4522796" cy="3249004"/>
+          </a:xfrm>
+          <a:custGeom>
+            <a:avLst/>
+            <a:gdLst>
+              <a:gd name="connsiteX0" fmla="*/ 3018081 w 4522796"/>
+              <a:gd name="connsiteY0" fmla="*/ 0 h 3249004"/>
+              <a:gd name="connsiteX1" fmla="*/ 0 w 4522796"/>
+              <a:gd name="connsiteY1" fmla="*/ 0 h 3249004"/>
+              <a:gd name="connsiteX2" fmla="*/ 0 w 4522796"/>
+              <a:gd name="connsiteY2" fmla="*/ 3249004 h 3249004"/>
+              <a:gd name="connsiteX3" fmla="*/ 4522796 w 4522796"/>
+              <a:gd name="connsiteY3" fmla="*/ 3249004 h 3249004"/>
+            </a:gdLst>
+            <a:ahLst/>
+            <a:cxnLst>
+              <a:cxn ang="0">
+                <a:pos x="connsiteX0" y="connsiteY0"/>
+              </a:cxn>
+              <a:cxn ang="0">
+                <a:pos x="connsiteX1" y="connsiteY1"/>
+              </a:cxn>
+              <a:cxn ang="0">
+                <a:pos x="connsiteX2" y="connsiteY2"/>
+              </a:cxn>
+              <a:cxn ang="0">
+                <a:pos x="connsiteX3" y="connsiteY3"/>
+              </a:cxn>
+            </a:cxnLst>
+            <a:rect l="l" t="t" r="r" b="b"/>
+            <a:pathLst>
+              <a:path w="4522796" h="3249004">
+                <a:moveTo>
+                  <a:pt x="3018081" y="0"/>
+                </a:moveTo>
+                <a:lnTo>
+                  <a:pt x="0" y="0"/>
+                </a:lnTo>
+                <a:lnTo>
+                  <a:pt x="0" y="3249004"/>
+                </a:lnTo>
+                <a:lnTo>
+                  <a:pt x="4522796" y="3249004"/>
+                </a:lnTo>
+                <a:close/>
+              </a:path>
+            </a:pathLst>
+          </a:custGeom>
+          <a:ln>
+            <a:noFill/>
+          </a:ln>
+        </p:spPr>
+        <p:style>
+          <a:lnRef idx="2">
+            <a:schemeClr val="accent1">
+              <a:shade val="50000"/>
+            </a:schemeClr>
+          </a:lnRef>
+          <a:fillRef idx="1">
+            <a:schemeClr val="accent1"/>
+          </a:fillRef>
+          <a:effectRef idx="0">
+            <a:schemeClr val="accent1"/>
+          </a:effectRef>
+          <a:fontRef idx="minor">
+            <a:schemeClr val="lt1"/>
+          </a:fontRef>
+        </p:style>
+        <p:txBody>
+          <a:bodyPr wrap="square" rtlCol="0" anchor="ctr">
+            <a:noAutofit/>
+          </a:bodyPr>
+          <a:lstStyle/>
+          <a:p>
+            <a:pPr algn="ctr"/>
+            <a:endParaRPr lang="en-US" b="1"/>
+          </a:p>
+        </p:txBody>
+      </p:sp>
+      <p:sp>
+        <p:nvSpPr>
+          <p:cNvPr id="16" name="Freeform 15">
+            <a:extLst>
+              <a:ext uri="{FF2B5EF4-FFF2-40B4-BE49-F238E27FC236}">
+                <a16:creationId xmlns:a16="http://schemas.microsoft.com/office/drawing/2014/main" id="{A085B63A-2D2F-4B09-9BFB-E2080686CEE0}"/>
+              </a:ext>
+            </a:extLst>
+          </p:cNvPr>
+          <p:cNvSpPr>
+            <a:spLocks noGrp="1" noRot="1" noChangeAspect="1" noMove="1" noResize="1" noEditPoints="1" noAdjustHandles="1" noChangeArrowheads="1" noChangeShapeType="1" noTextEdit="1"/>
+          </p:cNvSpPr>
+          <p:nvPr>
+            <p:extLst>
+              <p:ext uri="{386F3935-93C4-4BCD-93E2-E3B085C9AB24}">
+                <p16:designElem xmlns:p16="http://schemas.microsoft.com/office/powerpoint/2015/main" val="1"/>
+              </p:ext>
+            </p:extLst>
+          </p:nvPr>
+        </p:nvSpPr>
+        <p:spPr>
+          <a:xfrm>
+            <a:off x="6266810" y="5448626"/>
+            <a:ext cx="5925190" cy="1409374"/>
+          </a:xfrm>
+          <a:custGeom>
+            <a:avLst/>
+            <a:gdLst>
+              <a:gd name="connsiteX0" fmla="*/ 652725 w 5925190"/>
+              <a:gd name="connsiteY0" fmla="*/ 0 h 1409374"/>
+              <a:gd name="connsiteX1" fmla="*/ 5925190 w 5925190"/>
+              <a:gd name="connsiteY1" fmla="*/ 0 h 1409374"/>
+              <a:gd name="connsiteX2" fmla="*/ 5925190 w 5925190"/>
+              <a:gd name="connsiteY2" fmla="*/ 1409374 h 1409374"/>
+              <a:gd name="connsiteX3" fmla="*/ 0 w 5925190"/>
+              <a:gd name="connsiteY3" fmla="*/ 1409374 h 1409374"/>
+            </a:gdLst>
+            <a:ahLst/>
+            <a:cxnLst>
+              <a:cxn ang="0">
+                <a:pos x="connsiteX0" y="connsiteY0"/>
+              </a:cxn>
+              <a:cxn ang="0">
+                <a:pos x="connsiteX1" y="connsiteY1"/>
+              </a:cxn>
+              <a:cxn ang="0">
+                <a:pos x="connsiteX2" y="connsiteY2"/>
+              </a:cxn>
+              <a:cxn ang="0">
+                <a:pos x="connsiteX3" y="connsiteY3"/>
+              </a:cxn>
+            </a:cxnLst>
+            <a:rect l="l" t="t" r="r" b="b"/>
+            <a:pathLst>
+              <a:path w="5925190" h="1409374">
+                <a:moveTo>
+                  <a:pt x="652725" y="0"/>
+                </a:moveTo>
+                <a:lnTo>
+                  <a:pt x="5925190" y="0"/>
+                </a:lnTo>
+                <a:lnTo>
+                  <a:pt x="5925190" y="1409374"/>
+                </a:lnTo>
+                <a:lnTo>
+                  <a:pt x="0" y="1409374"/>
+                </a:lnTo>
+                <a:close/>
+              </a:path>
+            </a:pathLst>
+          </a:custGeom>
+          <a:solidFill>
+            <a:srgbClr val="595959"/>
+          </a:solidFill>
+          <a:ln>
+            <a:noFill/>
+          </a:ln>
+        </p:spPr>
+        <p:style>
+          <a:lnRef idx="2">
+            <a:schemeClr val="accent1">
+              <a:shade val="50000"/>
+            </a:schemeClr>
+          </a:lnRef>
+          <a:fillRef idx="1">
+            <a:schemeClr val="accent1"/>
+          </a:fillRef>
+          <a:effectRef idx="0">
+            <a:schemeClr val="accent1"/>
+          </a:effectRef>
+          <a:fontRef idx="minor">
+            <a:schemeClr val="lt1"/>
+          </a:fontRef>
+        </p:style>
+        <p:txBody>
+          <a:bodyPr wrap="square" rtlCol="0" anchor="ctr">
+            <a:noAutofit/>
+          </a:bodyPr>
+          <a:lstStyle/>
+          <a:p>
+            <a:pPr algn="ctr"/>
+            <a:endParaRPr lang="en-US"/>
+          </a:p>
+        </p:txBody>
+      </p:sp>
+      <p:sp>
+        <p:nvSpPr>
+          <p:cNvPr id="18" name="Freeform 24">
+            <a:extLst>
+              <a:ext uri="{FF2B5EF4-FFF2-40B4-BE49-F238E27FC236}">
+                <a16:creationId xmlns:a16="http://schemas.microsoft.com/office/drawing/2014/main" id="{3D4697C8-4A0D-4493-B526-7CC15E0EE557}"/>
+              </a:ext>
+            </a:extLst>
+          </p:cNvPr>
+          <p:cNvSpPr>
+            <a:spLocks noGrp="1" noRot="1" noChangeAspect="1" noMove="1" noResize="1" noEditPoints="1" noAdjustHandles="1" noChangeArrowheads="1" noChangeShapeType="1" noTextEdit="1"/>
+          </p:cNvSpPr>
+          <p:nvPr>
+            <p:extLst>
+              <p:ext uri="{386F3935-93C4-4BCD-93E2-E3B085C9AB24}">
+                <p16:designElem xmlns:p16="http://schemas.microsoft.com/office/powerpoint/2015/main" val="1"/>
+              </p:ext>
+            </p:extLst>
+          </p:nvPr>
+        </p:nvSpPr>
+        <p:spPr>
+          <a:xfrm>
+            <a:off x="0" y="0"/>
+            <a:ext cx="5920618" cy="2896258"/>
+          </a:xfrm>
+          <a:custGeom>
+            <a:avLst/>
+            <a:gdLst>
+              <a:gd name="connsiteX0" fmla="*/ 0 w 5920618"/>
+              <a:gd name="connsiteY0" fmla="*/ 0 h 2896258"/>
+              <a:gd name="connsiteX1" fmla="*/ 3191370 w 5920618"/>
+              <a:gd name="connsiteY1" fmla="*/ 0 h 2896258"/>
+              <a:gd name="connsiteX2" fmla="*/ 3346315 w 5920618"/>
+              <a:gd name="connsiteY2" fmla="*/ 0 h 2896258"/>
+              <a:gd name="connsiteX3" fmla="*/ 5920618 w 5920618"/>
+              <a:gd name="connsiteY3" fmla="*/ 0 h 2896258"/>
+              <a:gd name="connsiteX4" fmla="*/ 4583705 w 5920618"/>
+              <a:gd name="connsiteY4" fmla="*/ 2896258 h 2896258"/>
+              <a:gd name="connsiteX5" fmla="*/ 3346315 w 5920618"/>
+              <a:gd name="connsiteY5" fmla="*/ 2896258 h 2896258"/>
+              <a:gd name="connsiteX6" fmla="*/ 1854457 w 5920618"/>
+              <a:gd name="connsiteY6" fmla="*/ 2896258 h 2896258"/>
+              <a:gd name="connsiteX7" fmla="*/ 0 w 5920618"/>
+              <a:gd name="connsiteY7" fmla="*/ 2896258 h 2896258"/>
+            </a:gdLst>
+            <a:ahLst/>
+            <a:cxnLst>
+              <a:cxn ang="0">
+                <a:pos x="connsiteX0" y="connsiteY0"/>
+              </a:cxn>
+              <a:cxn ang="0">
+                <a:pos x="connsiteX1" y="connsiteY1"/>
+              </a:cxn>
+              <a:cxn ang="0">
+                <a:pos x="connsiteX2" y="connsiteY2"/>
+              </a:cxn>
+              <a:cxn ang="0">
+                <a:pos x="connsiteX3" y="connsiteY3"/>
+              </a:cxn>
+              <a:cxn ang="0">
+                <a:pos x="connsiteX4" y="connsiteY4"/>
+              </a:cxn>
+              <a:cxn ang="0">
+                <a:pos x="connsiteX5" y="connsiteY5"/>
+              </a:cxn>
+              <a:cxn ang="0">
+                <a:pos x="connsiteX6" y="connsiteY6"/>
+              </a:cxn>
+              <a:cxn ang="0">
+                <a:pos x="connsiteX7" y="connsiteY7"/>
+              </a:cxn>
+            </a:cxnLst>
+            <a:rect l="l" t="t" r="r" b="b"/>
+            <a:pathLst>
+              <a:path w="5920618" h="2896258">
+                <a:moveTo>
+                  <a:pt x="0" y="0"/>
+                </a:moveTo>
+                <a:lnTo>
+                  <a:pt x="3191370" y="0"/>
+                </a:lnTo>
+                <a:lnTo>
+                  <a:pt x="3346315" y="0"/>
+                </a:lnTo>
+                <a:lnTo>
+                  <a:pt x="5920618" y="0"/>
+                </a:lnTo>
+                <a:lnTo>
+                  <a:pt x="4583705" y="2896258"/>
+                </a:lnTo>
+                <a:lnTo>
+                  <a:pt x="3346315" y="2896258"/>
+                </a:lnTo>
+                <a:lnTo>
+                  <a:pt x="1854457" y="2896258"/>
+                </a:lnTo>
+                <a:lnTo>
+                  <a:pt x="0" y="2896258"/>
+                </a:lnTo>
+                <a:close/>
+              </a:path>
+            </a:pathLst>
+          </a:custGeom>
+          <a:solidFill>
+            <a:schemeClr val="accent4"/>
+          </a:solidFill>
+          <a:ln>
+            <a:noFill/>
+          </a:ln>
+        </p:spPr>
+        <p:style>
+          <a:lnRef idx="2">
+            <a:schemeClr val="accent1">
+              <a:shade val="50000"/>
+            </a:schemeClr>
+          </a:lnRef>
+          <a:fillRef idx="1">
+            <a:schemeClr val="accent1"/>
+          </a:fillRef>
+          <a:effectRef idx="0">
+            <a:schemeClr val="accent1"/>
+          </a:effectRef>
+          <a:fontRef idx="minor">
+            <a:schemeClr val="lt1"/>
+          </a:fontRef>
+        </p:style>
+        <p:txBody>
+          <a:bodyPr rtlCol="0" anchor="ctr"/>
+          <a:lstStyle/>
+          <a:p>
+            <a:pPr algn="ctr"/>
+            <a:endParaRPr lang="en-US"/>
+          </a:p>
+        </p:txBody>
+      </p:sp>
+      <p:pic>
+        <p:nvPicPr>
+          <p:cNvPr id="7" name="Grafik 6">
+            <a:extLst>
+              <a:ext uri="{FF2B5EF4-FFF2-40B4-BE49-F238E27FC236}">
+                <a16:creationId xmlns:a16="http://schemas.microsoft.com/office/drawing/2014/main" id="{8821A3C0-A880-43BE-A7D8-984B688F3640}"/>
+              </a:ext>
+            </a:extLst>
+          </p:cNvPr>
+          <p:cNvPicPr>
+            <a:picLocks noChangeAspect="1"/>
+          </p:cNvPicPr>
+          <p:nvPr/>
+        </p:nvPicPr>
+        <p:blipFill>
+          <a:blip r:embed="rId2">
+            <a:extLst>
+              <a:ext uri="{28A0092B-C50C-407E-A947-70E740481C1C}">
+                <a14:useLocalDpi xmlns:a14="http://schemas.microsoft.com/office/drawing/2010/main" val="0"/>
+              </a:ext>
+            </a:extLst>
+          </a:blip>
+          <a:stretch>
+            <a:fillRect/>
+          </a:stretch>
+        </p:blipFill>
+        <p:spPr>
+          <a:xfrm>
+            <a:off x="8472791" y="1184748"/>
+            <a:ext cx="3079129" cy="3079129"/>
+          </a:xfrm>
+          <a:prstGeom prst="rect">
+            <a:avLst/>
+          </a:prstGeom>
+        </p:spPr>
+      </p:pic>
+      <p:sp>
+        <p:nvSpPr>
+          <p:cNvPr id="2" name="Titel 1">
+            <a:extLst>
+              <a:ext uri="{FF2B5EF4-FFF2-40B4-BE49-F238E27FC236}">
+                <a16:creationId xmlns:a16="http://schemas.microsoft.com/office/drawing/2014/main" id="{DF2829D9-930A-432A-9437-59C65150388F}"/>
+              </a:ext>
+            </a:extLst>
+          </p:cNvPr>
           <p:cNvSpPr>
             <a:spLocks noGrp="1"/>
           </p:cNvSpPr>
@@ -3328,18 +3861,35 @@
             <p:ph type="ctrTitle"/>
           </p:nvPr>
         </p:nvSpPr>
-        <p:spPr/>
-        <p:txBody>
-          <a:bodyPr/>
+        <p:spPr>
+          <a:xfrm>
+            <a:off x="1524000" y="3011117"/>
+            <a:ext cx="6618051" cy="1355750"/>
+          </a:xfrm>
+        </p:spPr>
+        <p:txBody>
+          <a:bodyPr>
+            <a:normAutofit/>
+          </a:bodyPr>
           <a:lstStyle/>
           <a:p>
-            <a:endParaRPr lang="en-US"/>
-          </a:p>
-        </p:txBody>
-      </p:sp>
-      <p:sp>
-        <p:nvSpPr>
-          <p:cNvPr id="3" name="Untertitel 2"/>
+            <a:pPr algn="l"/>
+            <a:r>
+              <a:rPr lang="de-DE" sz="5000"/>
+              <a:t>Wallinformationssystem</a:t>
+            </a:r>
+          </a:p>
+        </p:txBody>
+      </p:sp>
+      <p:sp>
+        <p:nvSpPr>
+          <p:cNvPr id="3" name="Untertitel 2">
+            <a:extLst>
+              <a:ext uri="{FF2B5EF4-FFF2-40B4-BE49-F238E27FC236}">
+                <a16:creationId xmlns:a16="http://schemas.microsoft.com/office/drawing/2014/main" id="{B58DFC92-B9AC-4360-AF9F-346503BC9DFE}"/>
+              </a:ext>
+            </a:extLst>
+          </p:cNvPr>
           <p:cNvSpPr>
             <a:spLocks noGrp="1"/>
           </p:cNvSpPr>
@@ -3347,36 +3897,632 @@
             <p:ph type="subTitle" idx="1"/>
           </p:nvPr>
         </p:nvSpPr>
-        <p:spPr/>
-        <p:txBody>
-          <a:bodyPr/>
+        <p:spPr>
+          <a:xfrm>
+            <a:off x="1524000" y="4373823"/>
+            <a:ext cx="6618051" cy="911117"/>
+          </a:xfrm>
+        </p:spPr>
+        <p:txBody>
+          <a:bodyPr>
+            <a:normAutofit/>
+          </a:bodyPr>
           <a:lstStyle/>
           <a:p>
-            <a:endParaRPr lang="en-US"/>
+            <a:pPr algn="l"/>
+            <a:r>
+              <a:rPr lang="de-DE" sz="2000"/>
+              <a:t>Felix Schwarzmeier, Alex Biederer</a:t>
+            </a:r>
           </a:p>
         </p:txBody>
       </p:sp>
     </p:spTree>
     <p:extLst>
       <p:ext uri="{BB962C8B-B14F-4D97-AF65-F5344CB8AC3E}">
-        <p14:creationId xmlns:p14="http://schemas.microsoft.com/office/powerpoint/2010/main" val="64579210"/>
+        <p14:creationId xmlns:p14="http://schemas.microsoft.com/office/powerpoint/2010/main" val="3428383020"/>
       </p:ext>
     </p:extLst>
   </p:cSld>
   <p:clrMapOvr>
     <a:masterClrMapping/>
   </p:clrMapOvr>
+  <mc:AlternateContent xmlns:mc="http://schemas.openxmlformats.org/markup-compatibility/2006" xmlns:p159="http://schemas.microsoft.com/office/powerpoint/2015/09/main">
+    <mc:Choice Requires="p159">
+      <p:transition xmlns:p14="http://schemas.microsoft.com/office/powerpoint/2010/main" spd="slow" p14:dur="2000">
+        <p159:morph option="byObject"/>
+      </p:transition>
+    </mc:Choice>
+    <mc:Fallback xmlns="">
+      <p:transition spd="slow">
+        <p:fade/>
+      </p:transition>
+    </mc:Fallback>
+  </mc:AlternateContent>
+</p:sld>
+</file>
+
+<file path=ppt/slides/slide2.xml><?xml version="1.0" encoding="utf-8"?>
+<p:sld xmlns:a="http://schemas.openxmlformats.org/drawingml/2006/main" xmlns:r="http://schemas.openxmlformats.org/officeDocument/2006/relationships" xmlns:p="http://schemas.openxmlformats.org/presentationml/2006/main">
+  <p:cSld>
+    <p:bg>
+      <p:bgPr>
+        <a:solidFill>
+          <a:schemeClr val="bg1"/>
+        </a:solidFill>
+        <a:effectLst/>
+      </p:bgPr>
+    </p:bg>
+    <p:spTree>
+      <p:nvGrpSpPr>
+        <p:cNvPr id="1" name=""/>
+        <p:cNvGrpSpPr/>
+        <p:nvPr/>
+      </p:nvGrpSpPr>
+      <p:grpSpPr>
+        <a:xfrm>
+          <a:off x="0" y="0"/>
+          <a:ext cx="0" cy="0"/>
+          <a:chOff x="0" y="0"/>
+          <a:chExt cx="0" cy="0"/>
+        </a:xfrm>
+      </p:grpSpPr>
+      <p:sp>
+        <p:nvSpPr>
+          <p:cNvPr id="9" name="Rectangle 8">
+            <a:extLst>
+              <a:ext uri="{FF2B5EF4-FFF2-40B4-BE49-F238E27FC236}">
+                <a16:creationId xmlns:a16="http://schemas.microsoft.com/office/drawing/2014/main" id="{59A309A7-1751-4ABE-A3C1-EEC40366AD89}"/>
+              </a:ext>
+            </a:extLst>
+          </p:cNvPr>
+          <p:cNvSpPr>
+            <a:spLocks noGrp="1" noRot="1" noChangeAspect="1" noMove="1" noResize="1" noEditPoints="1" noAdjustHandles="1" noChangeArrowheads="1" noChangeShapeType="1" noTextEdit="1"/>
+          </p:cNvSpPr>
+          <p:nvPr>
+            <p:extLst>
+              <p:ext uri="{386F3935-93C4-4BCD-93E2-E3B085C9AB24}">
+                <p16:designElem xmlns:p16="http://schemas.microsoft.com/office/powerpoint/2015/main" val="1"/>
+              </p:ext>
+            </p:extLst>
+          </p:nvPr>
+        </p:nvSpPr>
+        <p:spPr>
+          <a:xfrm>
+            <a:off x="10088880" y="0"/>
+            <a:ext cx="2103120" cy="6858000"/>
+          </a:xfrm>
+          <a:prstGeom prst="rect">
+            <a:avLst/>
+          </a:prstGeom>
+          <a:solidFill>
+            <a:schemeClr val="accent1"/>
+          </a:solidFill>
+          <a:ln>
+            <a:noFill/>
+          </a:ln>
+        </p:spPr>
+        <p:style>
+          <a:lnRef idx="2">
+            <a:schemeClr val="accent1">
+              <a:shade val="50000"/>
+            </a:schemeClr>
+          </a:lnRef>
+          <a:fillRef idx="1">
+            <a:schemeClr val="accent1"/>
+          </a:fillRef>
+          <a:effectRef idx="0">
+            <a:schemeClr val="accent1"/>
+          </a:effectRef>
+          <a:fontRef idx="minor">
+            <a:schemeClr val="lt1"/>
+          </a:fontRef>
+        </p:style>
+        <p:txBody>
+          <a:bodyPr rtlCol="0" anchor="ctr"/>
+          <a:lstStyle/>
+          <a:p>
+            <a:pPr algn="ctr"/>
+            <a:endParaRPr lang="en-US"/>
+          </a:p>
+        </p:txBody>
+      </p:sp>
+      <p:sp>
+        <p:nvSpPr>
+          <p:cNvPr id="11" name="Oval 10">
+            <a:extLst>
+              <a:ext uri="{FF2B5EF4-FFF2-40B4-BE49-F238E27FC236}">
+                <a16:creationId xmlns:a16="http://schemas.microsoft.com/office/drawing/2014/main" id="{967D8EB6-EAE1-4F9C-B398-83321E287204}"/>
+              </a:ext>
+            </a:extLst>
+          </p:cNvPr>
+          <p:cNvSpPr>
+            <a:spLocks noGrp="1" noRot="1" noChangeAspect="1" noMove="1" noResize="1" noEditPoints="1" noAdjustHandles="1" noChangeArrowheads="1" noChangeShapeType="1" noTextEdit="1"/>
+          </p:cNvSpPr>
+          <p:nvPr>
+            <p:extLst>
+              <p:ext uri="{386F3935-93C4-4BCD-93E2-E3B085C9AB24}">
+                <p16:designElem xmlns:p16="http://schemas.microsoft.com/office/powerpoint/2015/main" val="1"/>
+              </p:ext>
+            </p:extLst>
+          </p:nvPr>
+        </p:nvSpPr>
+        <p:spPr>
+          <a:xfrm>
+            <a:off x="8915400" y="2358913"/>
+            <a:ext cx="2140172" cy="2140172"/>
+          </a:xfrm>
+          <a:prstGeom prst="ellipse">
+            <a:avLst/>
+          </a:prstGeom>
+          <a:solidFill>
+            <a:srgbClr val="FFFFFF"/>
+          </a:solidFill>
+          <a:ln w="19050">
+            <a:solidFill>
+              <a:schemeClr val="accent1"/>
+            </a:solidFill>
+          </a:ln>
+        </p:spPr>
+        <p:style>
+          <a:lnRef idx="2">
+            <a:schemeClr val="accent1">
+              <a:shade val="50000"/>
+            </a:schemeClr>
+          </a:lnRef>
+          <a:fillRef idx="1">
+            <a:schemeClr val="accent1"/>
+          </a:fillRef>
+          <a:effectRef idx="0">
+            <a:schemeClr val="accent1"/>
+          </a:effectRef>
+          <a:fontRef idx="minor">
+            <a:schemeClr val="lt1"/>
+          </a:fontRef>
+        </p:style>
+        <p:txBody>
+          <a:bodyPr rtlCol="0" anchor="ctr"/>
+          <a:lstStyle/>
+          <a:p>
+            <a:pPr algn="ctr"/>
+            <a:endParaRPr lang="en-US"/>
+          </a:p>
+        </p:txBody>
+      </p:sp>
+      <p:pic>
+        <p:nvPicPr>
+          <p:cNvPr id="4" name="Grafik 3">
+            <a:extLst>
+              <a:ext uri="{FF2B5EF4-FFF2-40B4-BE49-F238E27FC236}">
+                <a16:creationId xmlns:a16="http://schemas.microsoft.com/office/drawing/2014/main" id="{22EC9F41-2A15-4B6F-A782-5AF48F88BB0D}"/>
+              </a:ext>
+            </a:extLst>
+          </p:cNvPr>
+          <p:cNvPicPr>
+            <a:picLocks noChangeAspect="1"/>
+          </p:cNvPicPr>
+          <p:nvPr/>
+        </p:nvPicPr>
+        <p:blipFill>
+          <a:blip r:embed="rId2">
+            <a:extLst>
+              <a:ext uri="{28A0092B-C50C-407E-A947-70E740481C1C}">
+                <a14:useLocalDpi xmlns:a14="http://schemas.microsoft.com/office/drawing/2010/main" val="0"/>
+              </a:ext>
+            </a:extLst>
+          </a:blip>
+          <a:stretch>
+            <a:fillRect/>
+          </a:stretch>
+        </p:blipFill>
+        <p:spPr>
+          <a:xfrm>
+            <a:off x="9413987" y="2857501"/>
+            <a:ext cx="1142998" cy="1142998"/>
+          </a:xfrm>
+          <a:prstGeom prst="rect">
+            <a:avLst/>
+          </a:prstGeom>
+        </p:spPr>
+      </p:pic>
+      <p:sp>
+        <p:nvSpPr>
+          <p:cNvPr id="2" name="Titel 1">
+            <a:extLst>
+              <a:ext uri="{FF2B5EF4-FFF2-40B4-BE49-F238E27FC236}">
+                <a16:creationId xmlns:a16="http://schemas.microsoft.com/office/drawing/2014/main" id="{D6DE178A-E4F4-4985-93A3-E8375CABE73C}"/>
+              </a:ext>
+            </a:extLst>
+          </p:cNvPr>
+          <p:cNvSpPr>
+            <a:spLocks noGrp="1"/>
+          </p:cNvSpPr>
+          <p:nvPr>
+            <p:ph type="title"/>
+          </p:nvPr>
+        </p:nvSpPr>
+        <p:spPr>
+          <a:xfrm>
+            <a:off x="1136428" y="627564"/>
+            <a:ext cx="7474172" cy="1325563"/>
+          </a:xfrm>
+        </p:spPr>
+        <p:txBody>
+          <a:bodyPr>
+            <a:normAutofit/>
+          </a:bodyPr>
+          <a:lstStyle/>
+          <a:p>
+            <a:r>
+              <a:rPr lang="de-DE" dirty="0"/>
+              <a:t>Unsere Highlights:</a:t>
+            </a:r>
+          </a:p>
+        </p:txBody>
+      </p:sp>
+      <p:sp>
+        <p:nvSpPr>
+          <p:cNvPr id="3" name="Inhaltsplatzhalter 2">
+            <a:extLst>
+              <a:ext uri="{FF2B5EF4-FFF2-40B4-BE49-F238E27FC236}">
+                <a16:creationId xmlns:a16="http://schemas.microsoft.com/office/drawing/2014/main" id="{BB651082-707E-4322-94F8-48B7089D0AF5}"/>
+              </a:ext>
+            </a:extLst>
+          </p:cNvPr>
+          <p:cNvSpPr>
+            <a:spLocks noGrp="1"/>
+          </p:cNvSpPr>
+          <p:nvPr>
+            <p:ph idx="1"/>
+          </p:nvPr>
+        </p:nvSpPr>
+        <p:spPr>
+          <a:xfrm>
+            <a:off x="1136429" y="2278173"/>
+            <a:ext cx="6467867" cy="3450613"/>
+          </a:xfrm>
+        </p:spPr>
+        <p:txBody>
+          <a:bodyPr anchor="ctr">
+            <a:normAutofit/>
+          </a:bodyPr>
+          <a:lstStyle/>
+          <a:p>
+            <a:r>
+              <a:rPr lang="de-DE" sz="2400" dirty="0"/>
+              <a:t>Fancy Charts</a:t>
+            </a:r>
+          </a:p>
+          <a:p>
+            <a:r>
+              <a:rPr lang="de-DE" sz="2400" dirty="0"/>
+              <a:t>gute Performance (selbst ohne Indexe)</a:t>
+            </a:r>
+          </a:p>
+          <a:p>
+            <a:r>
+              <a:rPr lang="de-DE" sz="2400" dirty="0"/>
+              <a:t>Online Stimmabgabe</a:t>
+            </a:r>
+          </a:p>
+          <a:p>
+            <a:r>
+              <a:rPr lang="de-DE" sz="2400" dirty="0" err="1"/>
+              <a:t>Bundeslandpicker</a:t>
+            </a:r>
+            <a:r>
+              <a:rPr lang="de-DE" sz="2400" dirty="0"/>
+              <a:t> (MIT ZOOM)</a:t>
+            </a:r>
+          </a:p>
+          <a:p>
+            <a:endParaRPr lang="de-DE" sz="2400" dirty="0"/>
+          </a:p>
+        </p:txBody>
+      </p:sp>
+    </p:spTree>
+    <p:extLst>
+      <p:ext uri="{BB962C8B-B14F-4D97-AF65-F5344CB8AC3E}">
+        <p14:creationId xmlns:p14="http://schemas.microsoft.com/office/powerpoint/2010/main" val="2903621184"/>
+      </p:ext>
+    </p:extLst>
+  </p:cSld>
+  <p:clrMapOvr>
+    <a:masterClrMapping/>
+  </p:clrMapOvr>
+  <mc:AlternateContent xmlns:mc="http://schemas.openxmlformats.org/markup-compatibility/2006" xmlns:p159="http://schemas.microsoft.com/office/powerpoint/2015/09/main">
+    <mc:Choice Requires="p159">
+      <p:transition xmlns:p14="http://schemas.microsoft.com/office/powerpoint/2010/main" spd="slow" p14:dur="2000">
+        <p159:morph option="byObject"/>
+      </p:transition>
+    </mc:Choice>
+    <mc:Fallback xmlns="">
+      <p:transition spd="slow">
+        <p:fade/>
+      </p:transition>
+    </mc:Fallback>
+  </mc:AlternateContent>
   <p:timing>
     <p:tnLst>
       <p:par>
-        <p:cTn id="1" dur="indefinite" restart="never" nodeType="tmRoot"/>
+        <p:cTn id="1" dur="indefinite" restart="never" nodeType="tmRoot">
+          <p:childTnLst>
+            <p:seq concurrent="1" nextAc="seek">
+              <p:cTn id="2" dur="indefinite" nodeType="mainSeq">
+                <p:childTnLst>
+                  <p:par>
+                    <p:cTn id="3" fill="hold">
+                      <p:stCondLst>
+                        <p:cond delay="indefinite"/>
+                      </p:stCondLst>
+                      <p:childTnLst>
+                        <p:par>
+                          <p:cTn id="4" fill="hold">
+                            <p:stCondLst>
+                              <p:cond delay="0"/>
+                            </p:stCondLst>
+                            <p:childTnLst>
+                              <p:par>
+                                <p:cTn id="5" presetID="10" presetClass="entr" presetSubtype="0" fill="hold" grpId="0" nodeType="clickEffect">
+                                  <p:stCondLst>
+                                    <p:cond delay="0"/>
+                                  </p:stCondLst>
+                                  <p:childTnLst>
+                                    <p:set>
+                                      <p:cBhvr>
+                                        <p:cTn id="6" dur="1" fill="hold">
+                                          <p:stCondLst>
+                                            <p:cond delay="0"/>
+                                          </p:stCondLst>
+                                        </p:cTn>
+                                        <p:tgtEl>
+                                          <p:spTgt spid="3">
+                                            <p:txEl>
+                                              <p:pRg st="0" end="0"/>
+                                            </p:txEl>
+                                          </p:spTgt>
+                                        </p:tgtEl>
+                                        <p:attrNameLst>
+                                          <p:attrName>style.visibility</p:attrName>
+                                        </p:attrNameLst>
+                                      </p:cBhvr>
+                                      <p:to>
+                                        <p:strVal val="visible"/>
+                                      </p:to>
+                                    </p:set>
+                                    <p:animEffect transition="in" filter="fade">
+                                      <p:cBhvr>
+                                        <p:cTn id="7" dur="500"/>
+                                        <p:tgtEl>
+                                          <p:spTgt spid="3">
+                                            <p:txEl>
+                                              <p:pRg st="0" end="0"/>
+                                            </p:txEl>
+                                          </p:spTgt>
+                                        </p:tgtEl>
+                                      </p:cBhvr>
+                                    </p:animEffect>
+                                  </p:childTnLst>
+                                </p:cTn>
+                              </p:par>
+                            </p:childTnLst>
+                          </p:cTn>
+                        </p:par>
+                      </p:childTnLst>
+                    </p:cTn>
+                  </p:par>
+                  <p:par>
+                    <p:cTn id="8" fill="hold">
+                      <p:stCondLst>
+                        <p:cond delay="indefinite"/>
+                      </p:stCondLst>
+                      <p:childTnLst>
+                        <p:par>
+                          <p:cTn id="9" fill="hold">
+                            <p:stCondLst>
+                              <p:cond delay="0"/>
+                            </p:stCondLst>
+                            <p:childTnLst>
+                              <p:par>
+                                <p:cTn id="10" presetID="10" presetClass="entr" presetSubtype="0" fill="hold" grpId="0" nodeType="clickEffect">
+                                  <p:stCondLst>
+                                    <p:cond delay="0"/>
+                                  </p:stCondLst>
+                                  <p:childTnLst>
+                                    <p:set>
+                                      <p:cBhvr>
+                                        <p:cTn id="11" dur="1" fill="hold">
+                                          <p:stCondLst>
+                                            <p:cond delay="0"/>
+                                          </p:stCondLst>
+                                        </p:cTn>
+                                        <p:tgtEl>
+                                          <p:spTgt spid="3">
+                                            <p:txEl>
+                                              <p:pRg st="1" end="1"/>
+                                            </p:txEl>
+                                          </p:spTgt>
+                                        </p:tgtEl>
+                                        <p:attrNameLst>
+                                          <p:attrName>style.visibility</p:attrName>
+                                        </p:attrNameLst>
+                                      </p:cBhvr>
+                                      <p:to>
+                                        <p:strVal val="visible"/>
+                                      </p:to>
+                                    </p:set>
+                                    <p:animEffect transition="in" filter="fade">
+                                      <p:cBhvr>
+                                        <p:cTn id="12" dur="500"/>
+                                        <p:tgtEl>
+                                          <p:spTgt spid="3">
+                                            <p:txEl>
+                                              <p:pRg st="1" end="1"/>
+                                            </p:txEl>
+                                          </p:spTgt>
+                                        </p:tgtEl>
+                                      </p:cBhvr>
+                                    </p:animEffect>
+                                  </p:childTnLst>
+                                </p:cTn>
+                              </p:par>
+                            </p:childTnLst>
+                          </p:cTn>
+                        </p:par>
+                      </p:childTnLst>
+                    </p:cTn>
+                  </p:par>
+                  <p:par>
+                    <p:cTn id="13" fill="hold">
+                      <p:stCondLst>
+                        <p:cond delay="indefinite"/>
+                      </p:stCondLst>
+                      <p:childTnLst>
+                        <p:par>
+                          <p:cTn id="14" fill="hold">
+                            <p:stCondLst>
+                              <p:cond delay="0"/>
+                            </p:stCondLst>
+                            <p:childTnLst>
+                              <p:par>
+                                <p:cTn id="15" presetID="10" presetClass="entr" presetSubtype="0" fill="hold" grpId="0" nodeType="clickEffect">
+                                  <p:stCondLst>
+                                    <p:cond delay="0"/>
+                                  </p:stCondLst>
+                                  <p:childTnLst>
+                                    <p:set>
+                                      <p:cBhvr>
+                                        <p:cTn id="16" dur="1" fill="hold">
+                                          <p:stCondLst>
+                                            <p:cond delay="0"/>
+                                          </p:stCondLst>
+                                        </p:cTn>
+                                        <p:tgtEl>
+                                          <p:spTgt spid="3">
+                                            <p:txEl>
+                                              <p:pRg st="2" end="2"/>
+                                            </p:txEl>
+                                          </p:spTgt>
+                                        </p:tgtEl>
+                                        <p:attrNameLst>
+                                          <p:attrName>style.visibility</p:attrName>
+                                        </p:attrNameLst>
+                                      </p:cBhvr>
+                                      <p:to>
+                                        <p:strVal val="visible"/>
+                                      </p:to>
+                                    </p:set>
+                                    <p:animEffect transition="in" filter="fade">
+                                      <p:cBhvr>
+                                        <p:cTn id="17" dur="500"/>
+                                        <p:tgtEl>
+                                          <p:spTgt spid="3">
+                                            <p:txEl>
+                                              <p:pRg st="2" end="2"/>
+                                            </p:txEl>
+                                          </p:spTgt>
+                                        </p:tgtEl>
+                                      </p:cBhvr>
+                                    </p:animEffect>
+                                  </p:childTnLst>
+                                </p:cTn>
+                              </p:par>
+                            </p:childTnLst>
+                          </p:cTn>
+                        </p:par>
+                      </p:childTnLst>
+                    </p:cTn>
+                  </p:par>
+                  <p:par>
+                    <p:cTn id="18" fill="hold">
+                      <p:stCondLst>
+                        <p:cond delay="indefinite"/>
+                      </p:stCondLst>
+                      <p:childTnLst>
+                        <p:par>
+                          <p:cTn id="19" fill="hold">
+                            <p:stCondLst>
+                              <p:cond delay="0"/>
+                            </p:stCondLst>
+                            <p:childTnLst>
+                              <p:par>
+                                <p:cTn id="20" presetID="10" presetClass="entr" presetSubtype="0" fill="hold" grpId="0" nodeType="clickEffect">
+                                  <p:stCondLst>
+                                    <p:cond delay="0"/>
+                                  </p:stCondLst>
+                                  <p:childTnLst>
+                                    <p:set>
+                                      <p:cBhvr>
+                                        <p:cTn id="21" dur="1" fill="hold">
+                                          <p:stCondLst>
+                                            <p:cond delay="0"/>
+                                          </p:stCondLst>
+                                        </p:cTn>
+                                        <p:tgtEl>
+                                          <p:spTgt spid="3">
+                                            <p:txEl>
+                                              <p:pRg st="3" end="3"/>
+                                            </p:txEl>
+                                          </p:spTgt>
+                                        </p:tgtEl>
+                                        <p:attrNameLst>
+                                          <p:attrName>style.visibility</p:attrName>
+                                        </p:attrNameLst>
+                                      </p:cBhvr>
+                                      <p:to>
+                                        <p:strVal val="visible"/>
+                                      </p:to>
+                                    </p:set>
+                                    <p:animEffect transition="in" filter="fade">
+                                      <p:cBhvr>
+                                        <p:cTn id="22" dur="500"/>
+                                        <p:tgtEl>
+                                          <p:spTgt spid="3">
+                                            <p:txEl>
+                                              <p:pRg st="3" end="3"/>
+                                            </p:txEl>
+                                          </p:spTgt>
+                                        </p:tgtEl>
+                                      </p:cBhvr>
+                                    </p:animEffect>
+                                  </p:childTnLst>
+                                </p:cTn>
+                              </p:par>
+                            </p:childTnLst>
+                          </p:cTn>
+                        </p:par>
+                      </p:childTnLst>
+                    </p:cTn>
+                  </p:par>
+                </p:childTnLst>
+              </p:cTn>
+              <p:prevCondLst>
+                <p:cond evt="onPrev" delay="0">
+                  <p:tgtEl>
+                    <p:sldTgt/>
+                  </p:tgtEl>
+                </p:cond>
+              </p:prevCondLst>
+              <p:nextCondLst>
+                <p:cond evt="onNext" delay="0">
+                  <p:tgtEl>
+                    <p:sldTgt/>
+                  </p:tgtEl>
+                </p:cond>
+              </p:nextCondLst>
+            </p:seq>
+          </p:childTnLst>
+        </p:cTn>
       </p:par>
     </p:tnLst>
+    <p:bldLst>
+      <p:bldP spid="3" grpId="0" build="p"/>
+    </p:bldLst>
   </p:timing>
 </p:sld>
 </file>
 
-<file path=ppt/slides/slide2.xml><?xml version="1.0" encoding="utf-8"?>
+<file path=ppt/slides/slide3.xml><?xml version="1.0" encoding="utf-8"?>
 <p:sld xmlns:a="http://schemas.openxmlformats.org/drawingml/2006/main" xmlns:r="http://schemas.openxmlformats.org/officeDocument/2006/relationships" xmlns:p="http://schemas.openxmlformats.org/presentationml/2006/main">
   <p:cSld>
     <p:spTree>
@@ -3393,9 +4539,2007 @@
           <a:chExt cx="0" cy="0"/>
         </a:xfrm>
       </p:grpSpPr>
+      <p:sp>
+        <p:nvSpPr>
+          <p:cNvPr id="36" name="Rechteck 35">
+            <a:extLst>
+              <a:ext uri="{FF2B5EF4-FFF2-40B4-BE49-F238E27FC236}">
+                <a16:creationId xmlns:a16="http://schemas.microsoft.com/office/drawing/2014/main" id="{7185EECE-59A9-480C-8419-BEA89FCA8212}"/>
+              </a:ext>
+            </a:extLst>
+          </p:cNvPr>
+          <p:cNvSpPr/>
+          <p:nvPr/>
+        </p:nvSpPr>
+        <p:spPr>
+          <a:xfrm>
+            <a:off x="-1" y="0"/>
+            <a:ext cx="8099611" cy="6858000"/>
+          </a:xfrm>
+          <a:prstGeom prst="rect">
+            <a:avLst/>
+          </a:prstGeom>
+        </p:spPr>
+        <p:style>
+          <a:lnRef idx="2">
+            <a:schemeClr val="accent1">
+              <a:shade val="50000"/>
+            </a:schemeClr>
+          </a:lnRef>
+          <a:fillRef idx="1">
+            <a:schemeClr val="accent1"/>
+          </a:fillRef>
+          <a:effectRef idx="0">
+            <a:schemeClr val="accent1"/>
+          </a:effectRef>
+          <a:fontRef idx="minor">
+            <a:schemeClr val="lt1"/>
+          </a:fontRef>
+        </p:style>
+        <p:txBody>
+          <a:bodyPr rtlCol="0" anchor="ctr"/>
+          <a:lstStyle/>
+          <a:p>
+            <a:pPr algn="ctr"/>
+            <a:endParaRPr lang="de-DE"/>
+          </a:p>
+        </p:txBody>
+      </p:sp>
+      <p:sp>
+        <p:nvSpPr>
+          <p:cNvPr id="2" name="Titel 1">
+            <a:extLst>
+              <a:ext uri="{FF2B5EF4-FFF2-40B4-BE49-F238E27FC236}">
+                <a16:creationId xmlns:a16="http://schemas.microsoft.com/office/drawing/2014/main" id="{F0B959E6-6E95-4D76-9B2E-059F493AE8F8}"/>
+              </a:ext>
+            </a:extLst>
+          </p:cNvPr>
+          <p:cNvSpPr>
+            <a:spLocks noGrp="1"/>
+          </p:cNvSpPr>
+          <p:nvPr>
+            <p:ph type="title"/>
+          </p:nvPr>
+        </p:nvSpPr>
+        <p:spPr>
+          <a:xfrm>
+            <a:off x="8923157" y="2525619"/>
+            <a:ext cx="2644588" cy="1325563"/>
+          </a:xfrm>
+        </p:spPr>
+        <p:txBody>
+          <a:bodyPr/>
+          <a:lstStyle/>
+          <a:p>
+            <a:r>
+              <a:rPr lang="de-DE" dirty="0"/>
+              <a:t>Tech-Stack</a:t>
+            </a:r>
+          </a:p>
+        </p:txBody>
+      </p:sp>
+      <p:sp>
+        <p:nvSpPr>
+          <p:cNvPr id="37" name="Rechteck 36">
+            <a:extLst>
+              <a:ext uri="{FF2B5EF4-FFF2-40B4-BE49-F238E27FC236}">
+                <a16:creationId xmlns:a16="http://schemas.microsoft.com/office/drawing/2014/main" id="{80F47137-AE58-4B5B-AD79-20667195D2B2}"/>
+              </a:ext>
+            </a:extLst>
+          </p:cNvPr>
+          <p:cNvSpPr/>
+          <p:nvPr/>
+        </p:nvSpPr>
+        <p:spPr>
+          <a:xfrm>
+            <a:off x="2892617" y="4710193"/>
+            <a:ext cx="2017869" cy="2017869"/>
+          </a:xfrm>
+          <a:prstGeom prst="rect">
+            <a:avLst/>
+          </a:prstGeom>
+          <a:ln>
+            <a:noFill/>
+          </a:ln>
+        </p:spPr>
+        <p:style>
+          <a:lnRef idx="2">
+            <a:schemeClr val="dk1"/>
+          </a:lnRef>
+          <a:fillRef idx="1">
+            <a:schemeClr val="lt1"/>
+          </a:fillRef>
+          <a:effectRef idx="0">
+            <a:schemeClr val="dk1"/>
+          </a:effectRef>
+          <a:fontRef idx="minor">
+            <a:schemeClr val="dk1"/>
+          </a:fontRef>
+        </p:style>
+        <p:txBody>
+          <a:bodyPr rtlCol="0" anchor="ctr"/>
+          <a:lstStyle/>
+          <a:p>
+            <a:pPr algn="ctr"/>
+            <a:endParaRPr lang="de-DE"/>
+          </a:p>
+        </p:txBody>
+      </p:sp>
+      <p:sp>
+        <p:nvSpPr>
+          <p:cNvPr id="38" name="Rechteck 37">
+            <a:extLst>
+              <a:ext uri="{FF2B5EF4-FFF2-40B4-BE49-F238E27FC236}">
+                <a16:creationId xmlns:a16="http://schemas.microsoft.com/office/drawing/2014/main" id="{C08477F1-118F-4B82-ACF5-5CA978ACF90D}"/>
+              </a:ext>
+            </a:extLst>
+          </p:cNvPr>
+          <p:cNvSpPr/>
+          <p:nvPr/>
+        </p:nvSpPr>
+        <p:spPr>
+          <a:xfrm>
+            <a:off x="2892617" y="2420065"/>
+            <a:ext cx="2017869" cy="2017869"/>
+          </a:xfrm>
+          <a:prstGeom prst="rect">
+            <a:avLst/>
+          </a:prstGeom>
+          <a:ln>
+            <a:noFill/>
+          </a:ln>
+        </p:spPr>
+        <p:style>
+          <a:lnRef idx="2">
+            <a:schemeClr val="dk1"/>
+          </a:lnRef>
+          <a:fillRef idx="1">
+            <a:schemeClr val="lt1"/>
+          </a:fillRef>
+          <a:effectRef idx="0">
+            <a:schemeClr val="dk1"/>
+          </a:effectRef>
+          <a:fontRef idx="minor">
+            <a:schemeClr val="dk1"/>
+          </a:fontRef>
+        </p:style>
+        <p:txBody>
+          <a:bodyPr rtlCol="0" anchor="ctr"/>
+          <a:lstStyle/>
+          <a:p>
+            <a:pPr algn="ctr"/>
+            <a:endParaRPr lang="de-DE"/>
+          </a:p>
+        </p:txBody>
+      </p:sp>
       <p:pic>
         <p:nvPicPr>
-          <p:cNvPr id="6" name="Inhaltsplatzhalter 5"/>
+          <p:cNvPr id="20" name="Grafik 19">
+            <a:extLst>
+              <a:ext uri="{FF2B5EF4-FFF2-40B4-BE49-F238E27FC236}">
+                <a16:creationId xmlns:a16="http://schemas.microsoft.com/office/drawing/2014/main" id="{69C81CF3-0E02-4529-A68D-9BA8BC3C1538}"/>
+              </a:ext>
+            </a:extLst>
+          </p:cNvPr>
+          <p:cNvPicPr>
+            <a:picLocks noChangeAspect="1"/>
+          </p:cNvPicPr>
+          <p:nvPr/>
+        </p:nvPicPr>
+        <p:blipFill>
+          <a:blip r:embed="rId2">
+            <a:extLst>
+              <a:ext uri="{28A0092B-C50C-407E-A947-70E740481C1C}">
+                <a14:useLocalDpi xmlns:a14="http://schemas.microsoft.com/office/drawing/2010/main" val="0"/>
+              </a:ext>
+            </a:extLst>
+          </a:blip>
+          <a:stretch>
+            <a:fillRect/>
+          </a:stretch>
+        </p:blipFill>
+        <p:spPr>
+          <a:xfrm>
+            <a:off x="2930266" y="4829367"/>
+            <a:ext cx="1859277" cy="1673349"/>
+          </a:xfrm>
+          <a:prstGeom prst="rect">
+            <a:avLst/>
+          </a:prstGeom>
+        </p:spPr>
+      </p:pic>
+      <p:cxnSp>
+        <p:nvCxnSpPr>
+          <p:cNvPr id="34" name="Gerader Verbinder 33">
+            <a:extLst>
+              <a:ext uri="{FF2B5EF4-FFF2-40B4-BE49-F238E27FC236}">
+                <a16:creationId xmlns:a16="http://schemas.microsoft.com/office/drawing/2014/main" id="{86BA0E72-2A16-4E15-B4F0-1E4C3B5934E4}"/>
+              </a:ext>
+            </a:extLst>
+          </p:cNvPr>
+          <p:cNvCxnSpPr>
+            <a:cxnSpLocks/>
+          </p:cNvCxnSpPr>
+          <p:nvPr/>
+        </p:nvCxnSpPr>
+        <p:spPr>
+          <a:xfrm>
+            <a:off x="8923157" y="3675529"/>
+            <a:ext cx="2644588" cy="0"/>
+          </a:xfrm>
+          <a:prstGeom prst="line">
+            <a:avLst/>
+          </a:prstGeom>
+          <a:ln w="28575"/>
+        </p:spPr>
+        <p:style>
+          <a:lnRef idx="1">
+            <a:schemeClr val="dk1"/>
+          </a:lnRef>
+          <a:fillRef idx="0">
+            <a:schemeClr val="dk1"/>
+          </a:fillRef>
+          <a:effectRef idx="0">
+            <a:schemeClr val="dk1"/>
+          </a:effectRef>
+          <a:fontRef idx="minor">
+            <a:schemeClr val="tx1"/>
+          </a:fontRef>
+        </p:style>
+      </p:cxnSp>
+      <p:sp>
+        <p:nvSpPr>
+          <p:cNvPr id="39" name="Rechteck 38">
+            <a:extLst>
+              <a:ext uri="{FF2B5EF4-FFF2-40B4-BE49-F238E27FC236}">
+                <a16:creationId xmlns:a16="http://schemas.microsoft.com/office/drawing/2014/main" id="{5244B0CA-914D-4351-9AF7-2371053BF3AC}"/>
+              </a:ext>
+            </a:extLst>
+          </p:cNvPr>
+          <p:cNvSpPr/>
+          <p:nvPr/>
+        </p:nvSpPr>
+        <p:spPr>
+          <a:xfrm>
+            <a:off x="2892617" y="129937"/>
+            <a:ext cx="2017869" cy="2017869"/>
+          </a:xfrm>
+          <a:prstGeom prst="rect">
+            <a:avLst/>
+          </a:prstGeom>
+          <a:ln>
+            <a:noFill/>
+          </a:ln>
+        </p:spPr>
+        <p:style>
+          <a:lnRef idx="2">
+            <a:schemeClr val="dk1"/>
+          </a:lnRef>
+          <a:fillRef idx="1">
+            <a:schemeClr val="lt1"/>
+          </a:fillRef>
+          <a:effectRef idx="0">
+            <a:schemeClr val="dk1"/>
+          </a:effectRef>
+          <a:fontRef idx="minor">
+            <a:schemeClr val="dk1"/>
+          </a:fontRef>
+        </p:style>
+        <p:txBody>
+          <a:bodyPr rtlCol="0" anchor="ctr"/>
+          <a:lstStyle/>
+          <a:p>
+            <a:pPr algn="ctr"/>
+            <a:endParaRPr lang="de-DE"/>
+          </a:p>
+        </p:txBody>
+      </p:sp>
+      <p:sp>
+        <p:nvSpPr>
+          <p:cNvPr id="40" name="Rechteck 39">
+            <a:extLst>
+              <a:ext uri="{FF2B5EF4-FFF2-40B4-BE49-F238E27FC236}">
+                <a16:creationId xmlns:a16="http://schemas.microsoft.com/office/drawing/2014/main" id="{1253C05D-F434-4B26-B4C6-CC246680D720}"/>
+              </a:ext>
+            </a:extLst>
+          </p:cNvPr>
+          <p:cNvSpPr/>
+          <p:nvPr/>
+        </p:nvSpPr>
+        <p:spPr>
+          <a:xfrm>
+            <a:off x="2892617" y="129936"/>
+            <a:ext cx="4314875" cy="2017869"/>
+          </a:xfrm>
+          <a:prstGeom prst="rect">
+            <a:avLst/>
+          </a:prstGeom>
+          <a:solidFill>
+            <a:schemeClr val="accent1">
+              <a:lumMod val="75000"/>
+            </a:schemeClr>
+          </a:solidFill>
+          <a:ln>
+            <a:noFill/>
+          </a:ln>
+        </p:spPr>
+        <p:style>
+          <a:lnRef idx="2">
+            <a:schemeClr val="dk1"/>
+          </a:lnRef>
+          <a:fillRef idx="1">
+            <a:schemeClr val="lt1"/>
+          </a:fillRef>
+          <a:effectRef idx="0">
+            <a:schemeClr val="dk1"/>
+          </a:effectRef>
+          <a:fontRef idx="minor">
+            <a:schemeClr val="dk1"/>
+          </a:fontRef>
+        </p:style>
+        <p:txBody>
+          <a:bodyPr rtlCol="0" anchor="ctr"/>
+          <a:lstStyle/>
+          <a:p>
+            <a:pPr algn="ctr"/>
+            <a:endParaRPr lang="de-DE"/>
+          </a:p>
+        </p:txBody>
+      </p:sp>
+      <p:sp>
+        <p:nvSpPr>
+          <p:cNvPr id="41" name="Rechteck 40">
+            <a:extLst>
+              <a:ext uri="{FF2B5EF4-FFF2-40B4-BE49-F238E27FC236}">
+                <a16:creationId xmlns:a16="http://schemas.microsoft.com/office/drawing/2014/main" id="{F7E6E2D2-863D-4EC6-977A-C4E3115A6AD3}"/>
+              </a:ext>
+            </a:extLst>
+          </p:cNvPr>
+          <p:cNvSpPr/>
+          <p:nvPr/>
+        </p:nvSpPr>
+        <p:spPr>
+          <a:xfrm>
+            <a:off x="641116" y="129936"/>
+            <a:ext cx="2017869" cy="2017869"/>
+          </a:xfrm>
+          <a:prstGeom prst="rect">
+            <a:avLst/>
+          </a:prstGeom>
+          <a:ln>
+            <a:noFill/>
+          </a:ln>
+        </p:spPr>
+        <p:style>
+          <a:lnRef idx="2">
+            <a:schemeClr val="dk1"/>
+          </a:lnRef>
+          <a:fillRef idx="1">
+            <a:schemeClr val="lt1"/>
+          </a:fillRef>
+          <a:effectRef idx="0">
+            <a:schemeClr val="dk1"/>
+          </a:effectRef>
+          <a:fontRef idx="minor">
+            <a:schemeClr val="dk1"/>
+          </a:fontRef>
+        </p:style>
+        <p:txBody>
+          <a:bodyPr rtlCol="0" anchor="ctr"/>
+          <a:lstStyle/>
+          <a:p>
+            <a:pPr algn="ctr"/>
+            <a:endParaRPr lang="de-DE"/>
+          </a:p>
+        </p:txBody>
+      </p:sp>
+      <p:sp>
+        <p:nvSpPr>
+          <p:cNvPr id="42" name="Rechteck 41">
+            <a:extLst>
+              <a:ext uri="{FF2B5EF4-FFF2-40B4-BE49-F238E27FC236}">
+                <a16:creationId xmlns:a16="http://schemas.microsoft.com/office/drawing/2014/main" id="{EC757BC0-64B5-4449-B54E-E9B4FA9DED39}"/>
+              </a:ext>
+            </a:extLst>
+          </p:cNvPr>
+          <p:cNvSpPr/>
+          <p:nvPr/>
+        </p:nvSpPr>
+        <p:spPr>
+          <a:xfrm>
+            <a:off x="641115" y="2420065"/>
+            <a:ext cx="2017869" cy="2017869"/>
+          </a:xfrm>
+          <a:prstGeom prst="rect">
+            <a:avLst/>
+          </a:prstGeom>
+          <a:solidFill>
+            <a:schemeClr val="accent4"/>
+          </a:solidFill>
+          <a:ln>
+            <a:noFill/>
+          </a:ln>
+        </p:spPr>
+        <p:style>
+          <a:lnRef idx="2">
+            <a:schemeClr val="dk1"/>
+          </a:lnRef>
+          <a:fillRef idx="1">
+            <a:schemeClr val="lt1"/>
+          </a:fillRef>
+          <a:effectRef idx="0">
+            <a:schemeClr val="dk1"/>
+          </a:effectRef>
+          <a:fontRef idx="minor">
+            <a:schemeClr val="dk1"/>
+          </a:fontRef>
+        </p:style>
+        <p:txBody>
+          <a:bodyPr rtlCol="0" anchor="ctr"/>
+          <a:lstStyle/>
+          <a:p>
+            <a:pPr algn="ctr"/>
+            <a:endParaRPr lang="de-DE"/>
+          </a:p>
+        </p:txBody>
+      </p:sp>
+      <p:pic>
+        <p:nvPicPr>
+          <p:cNvPr id="10" name="Grafik 9">
+            <a:extLst>
+              <a:ext uri="{FF2B5EF4-FFF2-40B4-BE49-F238E27FC236}">
+                <a16:creationId xmlns:a16="http://schemas.microsoft.com/office/drawing/2014/main" id="{F4A0986B-E3B8-4A32-AC1D-1C04AC55B5FE}"/>
+              </a:ext>
+            </a:extLst>
+          </p:cNvPr>
+          <p:cNvPicPr>
+            <a:picLocks noChangeAspect="1"/>
+          </p:cNvPicPr>
+          <p:nvPr/>
+        </p:nvPicPr>
+        <p:blipFill>
+          <a:blip r:embed="rId3">
+            <a:extLst>
+              <a:ext uri="{28A0092B-C50C-407E-A947-70E740481C1C}">
+                <a14:useLocalDpi xmlns:a14="http://schemas.microsoft.com/office/drawing/2010/main" val="0"/>
+              </a:ext>
+            </a:extLst>
+          </a:blip>
+          <a:stretch>
+            <a:fillRect/>
+          </a:stretch>
+        </p:blipFill>
+        <p:spPr>
+          <a:xfrm>
+            <a:off x="759610" y="289216"/>
+            <a:ext cx="1772666" cy="1772666"/>
+          </a:xfrm>
+          <a:prstGeom prst="rect">
+            <a:avLst/>
+          </a:prstGeom>
+        </p:spPr>
+      </p:pic>
+      <p:pic>
+        <p:nvPicPr>
+          <p:cNvPr id="12" name="Grafik 11">
+            <a:extLst>
+              <a:ext uri="{FF2B5EF4-FFF2-40B4-BE49-F238E27FC236}">
+                <a16:creationId xmlns:a16="http://schemas.microsoft.com/office/drawing/2014/main" id="{CE95F874-32A4-400C-A4A9-DE9ABAB3D4A9}"/>
+              </a:ext>
+            </a:extLst>
+          </p:cNvPr>
+          <p:cNvPicPr>
+            <a:picLocks noChangeAspect="1"/>
+          </p:cNvPicPr>
+          <p:nvPr/>
+        </p:nvPicPr>
+        <p:blipFill>
+          <a:blip r:embed="rId4">
+            <a:extLst>
+              <a:ext uri="{28A0092B-C50C-407E-A947-70E740481C1C}">
+                <a14:useLocalDpi xmlns:a14="http://schemas.microsoft.com/office/drawing/2010/main" val="0"/>
+              </a:ext>
+            </a:extLst>
+          </a:blip>
+          <a:stretch>
+            <a:fillRect/>
+          </a:stretch>
+        </p:blipFill>
+        <p:spPr>
+          <a:xfrm>
+            <a:off x="3062256" y="289216"/>
+            <a:ext cx="1699308" cy="1699308"/>
+          </a:xfrm>
+          <a:prstGeom prst="rect">
+            <a:avLst/>
+          </a:prstGeom>
+        </p:spPr>
+      </p:pic>
+      <p:pic>
+        <p:nvPicPr>
+          <p:cNvPr id="16" name="Grafik 15">
+            <a:extLst>
+              <a:ext uri="{FF2B5EF4-FFF2-40B4-BE49-F238E27FC236}">
+                <a16:creationId xmlns:a16="http://schemas.microsoft.com/office/drawing/2014/main" id="{4AD3426D-BC58-426D-A31E-87B842839BB2}"/>
+              </a:ext>
+            </a:extLst>
+          </p:cNvPr>
+          <p:cNvPicPr>
+            <a:picLocks noChangeAspect="1"/>
+          </p:cNvPicPr>
+          <p:nvPr/>
+        </p:nvPicPr>
+        <p:blipFill>
+          <a:blip r:embed="rId5">
+            <a:clrChange>
+              <a:clrFrom>
+                <a:srgbClr val="FFFFFF"/>
+              </a:clrFrom>
+              <a:clrTo>
+                <a:srgbClr val="FFFFFF">
+                  <a:alpha val="0"/>
+                </a:srgbClr>
+              </a:clrTo>
+            </a:clrChange>
+            <a:extLst>
+              <a:ext uri="{28A0092B-C50C-407E-A947-70E740481C1C}">
+                <a14:useLocalDpi xmlns:a14="http://schemas.microsoft.com/office/drawing/2010/main" val="0"/>
+              </a:ext>
+            </a:extLst>
+          </a:blip>
+          <a:stretch>
+            <a:fillRect/>
+          </a:stretch>
+        </p:blipFill>
+        <p:spPr>
+          <a:xfrm>
+            <a:off x="2984880" y="2501968"/>
+            <a:ext cx="1854061" cy="1854061"/>
+          </a:xfrm>
+          <a:prstGeom prst="rect">
+            <a:avLst/>
+          </a:prstGeom>
+        </p:spPr>
+      </p:pic>
+      <p:pic>
+        <p:nvPicPr>
+          <p:cNvPr id="45" name="Grafik 44">
+            <a:extLst>
+              <a:ext uri="{FF2B5EF4-FFF2-40B4-BE49-F238E27FC236}">
+                <a16:creationId xmlns:a16="http://schemas.microsoft.com/office/drawing/2014/main" id="{EE3AB841-0506-477D-A37A-9AABD38FE446}"/>
+              </a:ext>
+            </a:extLst>
+          </p:cNvPr>
+          <p:cNvPicPr>
+            <a:picLocks noChangeAspect="1"/>
+          </p:cNvPicPr>
+          <p:nvPr/>
+        </p:nvPicPr>
+        <p:blipFill>
+          <a:blip r:embed="rId6">
+            <a:extLst>
+              <a:ext uri="{28A0092B-C50C-407E-A947-70E740481C1C}">
+                <a14:useLocalDpi xmlns:a14="http://schemas.microsoft.com/office/drawing/2010/main" val="0"/>
+              </a:ext>
+            </a:extLst>
+          </a:blip>
+          <a:stretch>
+            <a:fillRect/>
+          </a:stretch>
+        </p:blipFill>
+        <p:spPr>
+          <a:xfrm>
+            <a:off x="4779585" y="-140535"/>
+            <a:ext cx="2558809" cy="2558809"/>
+          </a:xfrm>
+          <a:prstGeom prst="rect">
+            <a:avLst/>
+          </a:prstGeom>
+        </p:spPr>
+      </p:pic>
+    </p:spTree>
+    <p:extLst>
+      <p:ext uri="{BB962C8B-B14F-4D97-AF65-F5344CB8AC3E}">
+        <p14:creationId xmlns:p14="http://schemas.microsoft.com/office/powerpoint/2010/main" val="1735228410"/>
+      </p:ext>
+    </p:extLst>
+  </p:cSld>
+  <p:clrMapOvr>
+    <a:masterClrMapping/>
+  </p:clrMapOvr>
+</p:sld>
+</file>
+
+<file path=ppt/slides/slide4.xml><?xml version="1.0" encoding="utf-8"?>
+<p:sld xmlns:a="http://schemas.openxmlformats.org/drawingml/2006/main" xmlns:r="http://schemas.openxmlformats.org/officeDocument/2006/relationships" xmlns:p="http://schemas.openxmlformats.org/presentationml/2006/main">
+  <p:cSld>
+    <p:spTree>
+      <p:nvGrpSpPr>
+        <p:cNvPr id="1" name=""/>
+        <p:cNvGrpSpPr/>
+        <p:nvPr/>
+      </p:nvGrpSpPr>
+      <p:grpSpPr>
+        <a:xfrm>
+          <a:off x="0" y="0"/>
+          <a:ext cx="0" cy="0"/>
+          <a:chOff x="0" y="0"/>
+          <a:chExt cx="0" cy="0"/>
+        </a:xfrm>
+      </p:grpSpPr>
+      <p:sp>
+        <p:nvSpPr>
+          <p:cNvPr id="15" name="Rechteck 14">
+            <a:extLst>
+              <a:ext uri="{FF2B5EF4-FFF2-40B4-BE49-F238E27FC236}">
+                <a16:creationId xmlns:a16="http://schemas.microsoft.com/office/drawing/2014/main" id="{27A47564-AABC-4382-AE74-65D52AC59889}"/>
+              </a:ext>
+            </a:extLst>
+          </p:cNvPr>
+          <p:cNvSpPr/>
+          <p:nvPr/>
+        </p:nvSpPr>
+        <p:spPr>
+          <a:xfrm>
+            <a:off x="1" y="0"/>
+            <a:ext cx="2339788" cy="6858000"/>
+          </a:xfrm>
+          <a:prstGeom prst="rect">
+            <a:avLst/>
+          </a:prstGeom>
+          <a:solidFill>
+            <a:schemeClr val="accent4"/>
+          </a:solidFill>
+          <a:ln>
+            <a:noFill/>
+          </a:ln>
+        </p:spPr>
+        <p:style>
+          <a:lnRef idx="3">
+            <a:schemeClr val="lt1"/>
+          </a:lnRef>
+          <a:fillRef idx="1">
+            <a:schemeClr val="accent4"/>
+          </a:fillRef>
+          <a:effectRef idx="1">
+            <a:schemeClr val="accent4"/>
+          </a:effectRef>
+          <a:fontRef idx="minor">
+            <a:schemeClr val="lt1"/>
+          </a:fontRef>
+        </p:style>
+        <p:txBody>
+          <a:bodyPr rtlCol="0" anchor="ctr"/>
+          <a:lstStyle/>
+          <a:p>
+            <a:pPr algn="ctr"/>
+            <a:endParaRPr lang="de-DE"/>
+          </a:p>
+        </p:txBody>
+      </p:sp>
+      <p:sp>
+        <p:nvSpPr>
+          <p:cNvPr id="11" name="Titel 10">
+            <a:extLst>
+              <a:ext uri="{FF2B5EF4-FFF2-40B4-BE49-F238E27FC236}">
+                <a16:creationId xmlns:a16="http://schemas.microsoft.com/office/drawing/2014/main" id="{CE0AB3D2-0AE8-46E4-A84D-8921D082DECA}"/>
+              </a:ext>
+            </a:extLst>
+          </p:cNvPr>
+          <p:cNvSpPr>
+            <a:spLocks noGrp="1"/>
+          </p:cNvSpPr>
+          <p:nvPr>
+            <p:ph type="title"/>
+          </p:nvPr>
+        </p:nvSpPr>
+        <p:spPr>
+          <a:xfrm>
+            <a:off x="324971" y="2766218"/>
+            <a:ext cx="1689847" cy="1325563"/>
+          </a:xfrm>
+        </p:spPr>
+        <p:txBody>
+          <a:bodyPr/>
+          <a:lstStyle/>
+          <a:p>
+            <a:r>
+              <a:rPr lang="de-DE" dirty="0">
+                <a:solidFill>
+                  <a:schemeClr val="bg1"/>
+                </a:solidFill>
+              </a:rPr>
+              <a:t>Demo</a:t>
+            </a:r>
+          </a:p>
+        </p:txBody>
+      </p:sp>
+      <p:pic>
+        <p:nvPicPr>
+          <p:cNvPr id="10" name="Grafik 9" descr="Monitor">
+            <a:hlinkClick r:id="rId2"/>
+            <a:extLst>
+              <a:ext uri="{FF2B5EF4-FFF2-40B4-BE49-F238E27FC236}">
+                <a16:creationId xmlns:a16="http://schemas.microsoft.com/office/drawing/2014/main" id="{595F878A-D2C7-473B-88E7-B58C26D345A0}"/>
+              </a:ext>
+            </a:extLst>
+          </p:cNvPr>
+          <p:cNvPicPr>
+            <a:picLocks noChangeAspect="1"/>
+          </p:cNvPicPr>
+          <p:nvPr/>
+        </p:nvPicPr>
+        <p:blipFill>
+          <a:blip r:embed="rId3">
+            <a:extLst>
+              <a:ext uri="{28A0092B-C50C-407E-A947-70E740481C1C}">
+                <a14:useLocalDpi xmlns:a14="http://schemas.microsoft.com/office/drawing/2010/main" val="0"/>
+              </a:ext>
+              <a:ext uri="{96DAC541-7B7A-43D3-8B79-37D633B846F1}">
+                <asvg:svgBlip xmlns:asvg="http://schemas.microsoft.com/office/drawing/2016/SVG/main" r:embed="rId4"/>
+              </a:ext>
+            </a:extLst>
+          </a:blip>
+          <a:stretch>
+            <a:fillRect/>
+          </a:stretch>
+        </p:blipFill>
+        <p:spPr>
+          <a:xfrm>
+            <a:off x="4231340" y="107576"/>
+            <a:ext cx="6852621" cy="6852621"/>
+          </a:xfrm>
+          <a:prstGeom prst="rect">
+            <a:avLst/>
+          </a:prstGeom>
+        </p:spPr>
+      </p:pic>
+      <p:pic>
+        <p:nvPicPr>
+          <p:cNvPr id="14" name="Inhaltsplatzhalter 13">
+            <a:hlinkClick r:id="rId2"/>
+            <a:extLst>
+              <a:ext uri="{FF2B5EF4-FFF2-40B4-BE49-F238E27FC236}">
+                <a16:creationId xmlns:a16="http://schemas.microsoft.com/office/drawing/2014/main" id="{1ACE64A3-6FC9-4565-AC0D-B2B02C6DAF24}"/>
+              </a:ext>
+            </a:extLst>
+          </p:cNvPr>
+          <p:cNvPicPr>
+            <a:picLocks noGrp="1" noChangeAspect="1"/>
+          </p:cNvPicPr>
+          <p:nvPr>
+            <p:ph idx="1"/>
+          </p:nvPr>
+        </p:nvPicPr>
+        <p:blipFill rotWithShape="1">
+          <a:blip r:embed="rId5">
+            <a:extLst>
+              <a:ext uri="{28A0092B-C50C-407E-A947-70E740481C1C}">
+                <a14:useLocalDpi xmlns:a14="http://schemas.microsoft.com/office/drawing/2010/main" val="0"/>
+              </a:ext>
+            </a:extLst>
+          </a:blip>
+          <a:srcRect b="28567"/>
+          <a:stretch/>
+        </p:blipFill>
+        <p:spPr>
+          <a:xfrm>
+            <a:off x="5212007" y="1526203"/>
+            <a:ext cx="4910139" cy="3171302"/>
+          </a:xfrm>
+        </p:spPr>
+      </p:pic>
+    </p:spTree>
+    <p:extLst>
+      <p:ext uri="{BB962C8B-B14F-4D97-AF65-F5344CB8AC3E}">
+        <p14:creationId xmlns:p14="http://schemas.microsoft.com/office/powerpoint/2010/main" val="1651462875"/>
+      </p:ext>
+    </p:extLst>
+  </p:cSld>
+  <p:clrMapOvr>
+    <a:masterClrMapping/>
+  </p:clrMapOvr>
+</p:sld>
+</file>
+
+<file path=ppt/slides/slide5.xml><?xml version="1.0" encoding="utf-8"?>
+<p:sld xmlns:a="http://schemas.openxmlformats.org/drawingml/2006/main" xmlns:r="http://schemas.openxmlformats.org/officeDocument/2006/relationships" xmlns:p="http://schemas.openxmlformats.org/presentationml/2006/main">
+  <p:cSld>
+    <p:bg>
+      <p:bgPr>
+        <a:solidFill>
+          <a:schemeClr val="bg1"/>
+        </a:solidFill>
+        <a:effectLst/>
+      </p:bgPr>
+    </p:bg>
+    <p:spTree>
+      <p:nvGrpSpPr>
+        <p:cNvPr id="1" name=""/>
+        <p:cNvGrpSpPr/>
+        <p:nvPr/>
+      </p:nvGrpSpPr>
+      <p:grpSpPr>
+        <a:xfrm>
+          <a:off x="0" y="0"/>
+          <a:ext cx="0" cy="0"/>
+          <a:chOff x="0" y="0"/>
+          <a:chExt cx="0" cy="0"/>
+        </a:xfrm>
+      </p:grpSpPr>
+      <p:sp>
+        <p:nvSpPr>
+          <p:cNvPr id="4" name="Ellipse 3">
+            <a:extLst>
+              <a:ext uri="{FF2B5EF4-FFF2-40B4-BE49-F238E27FC236}">
+                <a16:creationId xmlns:a16="http://schemas.microsoft.com/office/drawing/2014/main" id="{7CE7E56B-918E-459F-9269-4770AC06145D}"/>
+              </a:ext>
+            </a:extLst>
+          </p:cNvPr>
+          <p:cNvSpPr/>
+          <p:nvPr/>
+        </p:nvSpPr>
+        <p:spPr>
+          <a:xfrm>
+            <a:off x="1191963" y="4331109"/>
+            <a:ext cx="2088858" cy="2088858"/>
+          </a:xfrm>
+          <a:prstGeom prst="ellipse">
+            <a:avLst/>
+          </a:prstGeom>
+          <a:ln w="28575"/>
+        </p:spPr>
+        <p:style>
+          <a:lnRef idx="2">
+            <a:schemeClr val="accent4"/>
+          </a:lnRef>
+          <a:fillRef idx="1">
+            <a:schemeClr val="lt1"/>
+          </a:fillRef>
+          <a:effectRef idx="0">
+            <a:schemeClr val="accent4"/>
+          </a:effectRef>
+          <a:fontRef idx="minor">
+            <a:schemeClr val="dk1"/>
+          </a:fontRef>
+        </p:style>
+        <p:txBody>
+          <a:bodyPr rtlCol="0" anchor="ctr"/>
+          <a:lstStyle/>
+          <a:p>
+            <a:pPr algn="ctr"/>
+            <a:endParaRPr lang="de-DE"/>
+          </a:p>
+        </p:txBody>
+      </p:sp>
+      <p:sp>
+        <p:nvSpPr>
+          <p:cNvPr id="12" name="Rectangle 11">
+            <a:extLst>
+              <a:ext uri="{FF2B5EF4-FFF2-40B4-BE49-F238E27FC236}">
+                <a16:creationId xmlns:a16="http://schemas.microsoft.com/office/drawing/2014/main" id="{5E39A796-BE83-48B1-B33F-35C4A32AAB57}"/>
+              </a:ext>
+            </a:extLst>
+          </p:cNvPr>
+          <p:cNvSpPr>
+            <a:spLocks noGrp="1" noRot="1" noChangeAspect="1" noMove="1" noResize="1" noEditPoints="1" noAdjustHandles="1" noChangeArrowheads="1" noChangeShapeType="1" noTextEdit="1"/>
+          </p:cNvSpPr>
+          <p:nvPr>
+            <p:extLst>
+              <p:ext uri="{386F3935-93C4-4BCD-93E2-E3B085C9AB24}">
+                <p16:designElem xmlns:p16="http://schemas.microsoft.com/office/powerpoint/2015/main" val="1"/>
+              </p:ext>
+            </p:extLst>
+          </p:nvPr>
+        </p:nvSpPr>
+        <p:spPr>
+          <a:xfrm>
+            <a:off x="4639056" y="0"/>
+            <a:ext cx="7552944" cy="6858000"/>
+          </a:xfrm>
+          <a:prstGeom prst="rect">
+            <a:avLst/>
+          </a:prstGeom>
+          <a:solidFill>
+            <a:schemeClr val="bg2"/>
+          </a:solidFill>
+          <a:ln>
+            <a:noFill/>
+          </a:ln>
+        </p:spPr>
+        <p:style>
+          <a:lnRef idx="2">
+            <a:schemeClr val="accent1">
+              <a:shade val="50000"/>
+            </a:schemeClr>
+          </a:lnRef>
+          <a:fillRef idx="1">
+            <a:schemeClr val="accent1"/>
+          </a:fillRef>
+          <a:effectRef idx="0">
+            <a:schemeClr val="accent1"/>
+          </a:effectRef>
+          <a:fontRef idx="minor">
+            <a:schemeClr val="lt1"/>
+          </a:fontRef>
+        </p:style>
+        <p:txBody>
+          <a:bodyPr rtlCol="0" anchor="ctr"/>
+          <a:lstStyle/>
+          <a:p>
+            <a:pPr algn="ctr"/>
+            <a:endParaRPr lang="en-US"/>
+          </a:p>
+        </p:txBody>
+      </p:sp>
+      <p:sp>
+        <p:nvSpPr>
+          <p:cNvPr id="14" name="Rounded Rectangle 9">
+            <a:extLst>
+              <a:ext uri="{FF2B5EF4-FFF2-40B4-BE49-F238E27FC236}">
+                <a16:creationId xmlns:a16="http://schemas.microsoft.com/office/drawing/2014/main" id="{72F84B47-E267-4194-8194-831DB7B5547F}"/>
+              </a:ext>
+            </a:extLst>
+          </p:cNvPr>
+          <p:cNvSpPr>
+            <a:spLocks noGrp="1" noRot="1" noChangeAspect="1" noMove="1" noResize="1" noEditPoints="1" noAdjustHandles="1" noChangeArrowheads="1" noChangeShapeType="1" noTextEdit="1"/>
+          </p:cNvSpPr>
+          <p:nvPr>
+            <p:extLst>
+              <p:ext uri="{386F3935-93C4-4BCD-93E2-E3B085C9AB24}">
+                <p16:designElem xmlns:p16="http://schemas.microsoft.com/office/powerpoint/2015/main" val="1"/>
+              </p:ext>
+            </p:extLst>
+          </p:nvPr>
+        </p:nvSpPr>
+        <p:spPr>
+          <a:xfrm>
+            <a:off x="5123688" y="484632"/>
+            <a:ext cx="6584098" cy="5739187"/>
+          </a:xfrm>
+          <a:prstGeom prst="roundRect">
+            <a:avLst>
+              <a:gd name="adj" fmla="val 0"/>
+            </a:avLst>
+          </a:prstGeom>
+          <a:solidFill>
+            <a:schemeClr val="bg1"/>
+          </a:solidFill>
+          <a:ln w="9525">
+            <a:noFill/>
+          </a:ln>
+          <a:effectLst>
+            <a:outerShdw blurRad="57150" dist="19050" dir="5400000" algn="t" rotWithShape="0">
+              <a:prstClr val="black">
+                <a:alpha val="63000"/>
+              </a:prstClr>
+            </a:outerShdw>
+          </a:effectLst>
+        </p:spPr>
+        <p:style>
+          <a:lnRef idx="2">
+            <a:schemeClr val="accent1">
+              <a:shade val="50000"/>
+            </a:schemeClr>
+          </a:lnRef>
+          <a:fillRef idx="1">
+            <a:schemeClr val="accent1"/>
+          </a:fillRef>
+          <a:effectRef idx="0">
+            <a:schemeClr val="accent1"/>
+          </a:effectRef>
+          <a:fontRef idx="minor">
+            <a:schemeClr val="lt1"/>
+          </a:fontRef>
+        </p:style>
+        <p:txBody>
+          <a:bodyPr rtlCol="0" anchor="ctr"/>
+          <a:lstStyle/>
+          <a:p>
+            <a:pPr algn="ctr"/>
+            <a:endParaRPr lang="en-US"/>
+          </a:p>
+        </p:txBody>
+      </p:sp>
+      <p:pic>
+        <p:nvPicPr>
+          <p:cNvPr id="7" name="Inhaltsplatzhalter 3">
+            <a:extLst>
+              <a:ext uri="{FF2B5EF4-FFF2-40B4-BE49-F238E27FC236}">
+                <a16:creationId xmlns:a16="http://schemas.microsoft.com/office/drawing/2014/main" id="{F4F2052B-7752-4D26-BFA7-8C47715AAC30}"/>
+              </a:ext>
+            </a:extLst>
+          </p:cNvPr>
+          <p:cNvPicPr>
+            <a:picLocks noChangeAspect="1"/>
+          </p:cNvPicPr>
+          <p:nvPr/>
+        </p:nvPicPr>
+        <p:blipFill>
+          <a:blip r:embed="rId2">
+            <a:extLst>
+              <a:ext uri="{28A0092B-C50C-407E-A947-70E740481C1C}">
+                <a14:useLocalDpi xmlns:a14="http://schemas.microsoft.com/office/drawing/2010/main" val="0"/>
+              </a:ext>
+            </a:extLst>
+          </a:blip>
+          <a:stretch>
+            <a:fillRect/>
+          </a:stretch>
+        </p:blipFill>
+        <p:spPr>
+          <a:xfrm>
+            <a:off x="1588129" y="4729255"/>
+            <a:ext cx="1296526" cy="1296526"/>
+          </a:xfrm>
+          <a:prstGeom prst="rect">
+            <a:avLst/>
+          </a:prstGeom>
+          <a:effectLst/>
+        </p:spPr>
+      </p:pic>
+      <p:sp>
+        <p:nvSpPr>
+          <p:cNvPr id="2" name="Titel 1">
+            <a:extLst>
+              <a:ext uri="{FF2B5EF4-FFF2-40B4-BE49-F238E27FC236}">
+                <a16:creationId xmlns:a16="http://schemas.microsoft.com/office/drawing/2014/main" id="{100B53F0-9876-4AB9-86DA-031A719439E0}"/>
+              </a:ext>
+            </a:extLst>
+          </p:cNvPr>
+          <p:cNvSpPr>
+            <a:spLocks noGrp="1"/>
+          </p:cNvSpPr>
+          <p:nvPr>
+            <p:ph type="title"/>
+          </p:nvPr>
+        </p:nvSpPr>
+        <p:spPr>
+          <a:xfrm>
+            <a:off x="648929" y="629266"/>
+            <a:ext cx="3505495" cy="1622321"/>
+          </a:xfrm>
+        </p:spPr>
+        <p:txBody>
+          <a:bodyPr>
+            <a:normAutofit/>
+          </a:bodyPr>
+          <a:lstStyle/>
+          <a:p>
+            <a:r>
+              <a:rPr lang="de-DE" dirty="0"/>
+              <a:t>Performance</a:t>
+            </a:r>
+          </a:p>
+        </p:txBody>
+      </p:sp>
+      <p:sp>
+        <p:nvSpPr>
+          <p:cNvPr id="9" name="Content Placeholder 8"/>
+          <p:cNvSpPr>
+            <a:spLocks noGrp="1"/>
+          </p:cNvSpPr>
+          <p:nvPr>
+            <p:ph idx="1"/>
+          </p:nvPr>
+        </p:nvSpPr>
+        <p:spPr>
+          <a:xfrm>
+            <a:off x="648931" y="2438400"/>
+            <a:ext cx="3505494" cy="3785419"/>
+          </a:xfrm>
+        </p:spPr>
+        <p:txBody>
+          <a:bodyPr>
+            <a:normAutofit/>
+          </a:bodyPr>
+          <a:lstStyle/>
+          <a:p>
+            <a:r>
+              <a:rPr lang="de-DE" sz="2000" dirty="0"/>
+              <a:t>t = 1s</a:t>
+            </a:r>
+          </a:p>
+          <a:p>
+            <a:r>
+              <a:rPr lang="de-DE" sz="2000" dirty="0"/>
+              <a:t>n = 10</a:t>
+            </a:r>
+          </a:p>
+          <a:p>
+            <a:r>
+              <a:rPr lang="de-DE" sz="2000" dirty="0"/>
+              <a:t>Testdauer: 60s</a:t>
+            </a:r>
+          </a:p>
+          <a:p>
+            <a:r>
+              <a:rPr lang="de-DE" sz="2000" dirty="0"/>
+              <a:t>keine Indexe</a:t>
+            </a:r>
+          </a:p>
+          <a:p>
+            <a:endParaRPr lang="en-US" sz="2000" dirty="0"/>
+          </a:p>
+        </p:txBody>
+      </p:sp>
+      <p:graphicFrame>
+        <p:nvGraphicFramePr>
+          <p:cNvPr id="10" name="Tabelle 9">
+            <a:extLst>
+              <a:ext uri="{FF2B5EF4-FFF2-40B4-BE49-F238E27FC236}">
+                <a16:creationId xmlns:a16="http://schemas.microsoft.com/office/drawing/2014/main" id="{B5FFDCCB-779D-4B01-BAFE-5793AD4B48B8}"/>
+              </a:ext>
+            </a:extLst>
+          </p:cNvPr>
+          <p:cNvGraphicFramePr>
+            <a:graphicFrameLocks noGrp="1"/>
+          </p:cNvGraphicFramePr>
+          <p:nvPr>
+            <p:extLst>
+              <p:ext uri="{D42A27DB-BD31-4B8C-83A1-F6EECF244321}">
+                <p14:modId xmlns:p14="http://schemas.microsoft.com/office/powerpoint/2010/main" val="2058259271"/>
+              </p:ext>
+            </p:extLst>
+          </p:nvPr>
+        </p:nvGraphicFramePr>
+        <p:xfrm>
+          <a:off x="5419288" y="813732"/>
+          <a:ext cx="6014906" cy="5108895"/>
+        </p:xfrm>
+        <a:graphic>
+          <a:graphicData uri="http://schemas.openxmlformats.org/drawingml/2006/table">
+            <a:tbl>
+              <a:tblPr firstRow="1" bandCol="1">
+                <a:tableStyleId>{D27102A9-8310-4765-A935-A1911B00CA55}</a:tableStyleId>
+              </a:tblPr>
+              <a:tblGrid>
+                <a:gridCol w="3007453">
+                  <a:extLst>
+                    <a:ext uri="{9D8B030D-6E8A-4147-A177-3AD203B41FA5}">
+                      <a16:colId xmlns:a16="http://schemas.microsoft.com/office/drawing/2014/main" val="1583275881"/>
+                    </a:ext>
+                  </a:extLst>
+                </a:gridCol>
+                <a:gridCol w="3007453">
+                  <a:extLst>
+                    <a:ext uri="{9D8B030D-6E8A-4147-A177-3AD203B41FA5}">
+                      <a16:colId xmlns:a16="http://schemas.microsoft.com/office/drawing/2014/main" val="2888718607"/>
+                    </a:ext>
+                  </a:extLst>
+                </a:gridCol>
+              </a:tblGrid>
+              <a:tr h="460279">
+                <a:tc>
+                  <a:txBody>
+                    <a:bodyPr/>
+                    <a:lstStyle/>
+                    <a:p>
+                      <a:r>
+                        <a:rPr lang="de-DE" dirty="0"/>
+                        <a:t>Query</a:t>
+                      </a:r>
+                    </a:p>
+                  </a:txBody>
+                  <a:tcPr anchor="ctr"/>
+                </a:tc>
+                <a:tc>
+                  <a:txBody>
+                    <a:bodyPr/>
+                    <a:lstStyle/>
+                    <a:p>
+                      <a:r>
+                        <a:rPr lang="de-DE" dirty="0"/>
+                        <a:t>Durchschnitt </a:t>
+                      </a:r>
+                      <a:r>
+                        <a:rPr lang="de-DE" sz="1400" dirty="0"/>
+                        <a:t>[in </a:t>
+                      </a:r>
+                      <a:r>
+                        <a:rPr lang="de-DE" sz="1400" dirty="0" err="1"/>
+                        <a:t>ms</a:t>
+                      </a:r>
+                      <a:r>
+                        <a:rPr lang="de-DE" sz="1400" dirty="0"/>
+                        <a:t>]</a:t>
+                      </a:r>
+                      <a:endParaRPr lang="de-DE" dirty="0"/>
+                    </a:p>
+                  </a:txBody>
+                  <a:tcPr anchor="ctr"/>
+                </a:tc>
+                <a:extLst>
+                  <a:ext uri="{0D108BD9-81ED-4DB2-BD59-A6C34878D82A}">
+                    <a16:rowId xmlns:a16="http://schemas.microsoft.com/office/drawing/2014/main" val="3852560328"/>
+                  </a:ext>
+                </a:extLst>
+              </a:tr>
+              <a:tr h="460279">
+                <a:tc>
+                  <a:txBody>
+                    <a:bodyPr/>
+                    <a:lstStyle/>
+                    <a:p>
+                      <a:r>
+                        <a:rPr lang="de-DE" dirty="0"/>
+                        <a:t>Q1</a:t>
+                      </a:r>
+                    </a:p>
+                  </a:txBody>
+                  <a:tcPr anchor="ctr"/>
+                </a:tc>
+                <a:tc>
+                  <a:txBody>
+                    <a:bodyPr/>
+                    <a:lstStyle/>
+                    <a:p>
+                      <a:r>
+                        <a:rPr lang="de-DE" dirty="0"/>
+                        <a:t>768</a:t>
+                      </a:r>
+                    </a:p>
+                  </a:txBody>
+                  <a:tcPr anchor="ctr"/>
+                </a:tc>
+                <a:extLst>
+                  <a:ext uri="{0D108BD9-81ED-4DB2-BD59-A6C34878D82A}">
+                    <a16:rowId xmlns:a16="http://schemas.microsoft.com/office/drawing/2014/main" val="824882763"/>
+                  </a:ext>
+                </a:extLst>
+              </a:tr>
+              <a:tr h="460279">
+                <a:tc>
+                  <a:txBody>
+                    <a:bodyPr/>
+                    <a:lstStyle/>
+                    <a:p>
+                      <a:r>
+                        <a:rPr lang="de-DE"/>
+                        <a:t>Q2</a:t>
+                      </a:r>
+                    </a:p>
+                  </a:txBody>
+                  <a:tcPr anchor="ctr"/>
+                </a:tc>
+                <a:tc>
+                  <a:txBody>
+                    <a:bodyPr/>
+                    <a:lstStyle/>
+                    <a:p>
+                      <a:r>
+                        <a:rPr lang="de-DE"/>
+                        <a:t>834</a:t>
+                      </a:r>
+                    </a:p>
+                  </a:txBody>
+                  <a:tcPr anchor="ctr"/>
+                </a:tc>
+                <a:extLst>
+                  <a:ext uri="{0D108BD9-81ED-4DB2-BD59-A6C34878D82A}">
+                    <a16:rowId xmlns:a16="http://schemas.microsoft.com/office/drawing/2014/main" val="1320040705"/>
+                  </a:ext>
+                </a:extLst>
+              </a:tr>
+              <a:tr h="460279">
+                <a:tc>
+                  <a:txBody>
+                    <a:bodyPr/>
+                    <a:lstStyle/>
+                    <a:p>
+                      <a:r>
+                        <a:rPr lang="de-DE" dirty="0"/>
+                        <a:t>Q3</a:t>
+                      </a:r>
+                    </a:p>
+                  </a:txBody>
+                  <a:tcPr anchor="ctr"/>
+                </a:tc>
+                <a:tc>
+                  <a:txBody>
+                    <a:bodyPr/>
+                    <a:lstStyle/>
+                    <a:p>
+                      <a:r>
+                        <a:rPr lang="de-DE"/>
+                        <a:t>97</a:t>
+                      </a:r>
+                    </a:p>
+                  </a:txBody>
+                  <a:tcPr anchor="ctr"/>
+                </a:tc>
+                <a:extLst>
+                  <a:ext uri="{0D108BD9-81ED-4DB2-BD59-A6C34878D82A}">
+                    <a16:rowId xmlns:a16="http://schemas.microsoft.com/office/drawing/2014/main" val="3008343798"/>
+                  </a:ext>
+                </a:extLst>
+              </a:tr>
+              <a:tr h="460279">
+                <a:tc>
+                  <a:txBody>
+                    <a:bodyPr/>
+                    <a:lstStyle/>
+                    <a:p>
+                      <a:r>
+                        <a:rPr lang="de-DE" dirty="0"/>
+                        <a:t>Q4</a:t>
+                      </a:r>
+                    </a:p>
+                  </a:txBody>
+                  <a:tcPr anchor="ctr"/>
+                </a:tc>
+                <a:tc>
+                  <a:txBody>
+                    <a:bodyPr/>
+                    <a:lstStyle/>
+                    <a:p>
+                      <a:r>
+                        <a:rPr lang="de-DE"/>
+                        <a:t>18</a:t>
+                      </a:r>
+                    </a:p>
+                  </a:txBody>
+                  <a:tcPr anchor="ctr"/>
+                </a:tc>
+                <a:extLst>
+                  <a:ext uri="{0D108BD9-81ED-4DB2-BD59-A6C34878D82A}">
+                    <a16:rowId xmlns:a16="http://schemas.microsoft.com/office/drawing/2014/main" val="459554950"/>
+                  </a:ext>
+                </a:extLst>
+              </a:tr>
+              <a:tr h="460279">
+                <a:tc>
+                  <a:txBody>
+                    <a:bodyPr/>
+                    <a:lstStyle/>
+                    <a:p>
+                      <a:r>
+                        <a:rPr lang="de-DE"/>
+                        <a:t>Q5</a:t>
+                      </a:r>
+                    </a:p>
+                  </a:txBody>
+                  <a:tcPr anchor="ctr"/>
+                </a:tc>
+                <a:tc>
+                  <a:txBody>
+                    <a:bodyPr/>
+                    <a:lstStyle/>
+                    <a:p>
+                      <a:r>
+                        <a:rPr lang="de-DE"/>
+                        <a:t>538</a:t>
+                      </a:r>
+                    </a:p>
+                  </a:txBody>
+                  <a:tcPr anchor="ctr"/>
+                </a:tc>
+                <a:extLst>
+                  <a:ext uri="{0D108BD9-81ED-4DB2-BD59-A6C34878D82A}">
+                    <a16:rowId xmlns:a16="http://schemas.microsoft.com/office/drawing/2014/main" val="3103232366"/>
+                  </a:ext>
+                </a:extLst>
+              </a:tr>
+              <a:tr h="460279">
+                <a:tc>
+                  <a:txBody>
+                    <a:bodyPr/>
+                    <a:lstStyle/>
+                    <a:p>
+                      <a:r>
+                        <a:rPr lang="de-DE"/>
+                        <a:t>Q6</a:t>
+                      </a:r>
+                    </a:p>
+                  </a:txBody>
+                  <a:tcPr anchor="ctr"/>
+                </a:tc>
+                <a:tc>
+                  <a:txBody>
+                    <a:bodyPr/>
+                    <a:lstStyle/>
+                    <a:p>
+                      <a:r>
+                        <a:rPr lang="de-DE" dirty="0"/>
+                        <a:t>42</a:t>
+                      </a:r>
+                    </a:p>
+                  </a:txBody>
+                  <a:tcPr anchor="ctr"/>
+                </a:tc>
+                <a:extLst>
+                  <a:ext uri="{0D108BD9-81ED-4DB2-BD59-A6C34878D82A}">
+                    <a16:rowId xmlns:a16="http://schemas.microsoft.com/office/drawing/2014/main" val="57023443"/>
+                  </a:ext>
+                </a:extLst>
+              </a:tr>
+              <a:tr h="943471">
+                <a:tc>
+                  <a:txBody>
+                    <a:bodyPr/>
+                    <a:lstStyle/>
+                    <a:p>
+                      <a:r>
+                        <a:rPr lang="de-DE" dirty="0"/>
+                        <a:t>Durchschnitt </a:t>
+                      </a:r>
+                      <a:br>
+                        <a:rPr lang="de-DE" dirty="0"/>
+                      </a:br>
+                      <a:r>
+                        <a:rPr lang="de-DE" sz="1400" dirty="0"/>
+                        <a:t>(mit gegebener Wahrscheinlichkeitsverteilung)</a:t>
+                      </a:r>
+                      <a:endParaRPr lang="de-DE" dirty="0"/>
+                    </a:p>
+                  </a:txBody>
+                  <a:tcPr anchor="ctr"/>
+                </a:tc>
+                <a:tc>
+                  <a:txBody>
+                    <a:bodyPr/>
+                    <a:lstStyle/>
+                    <a:p>
+                      <a:r>
+                        <a:rPr lang="de-DE" dirty="0"/>
+                        <a:t>367</a:t>
+                      </a:r>
+                    </a:p>
+                  </a:txBody>
+                  <a:tcPr anchor="ctr"/>
+                </a:tc>
+                <a:extLst>
+                  <a:ext uri="{0D108BD9-81ED-4DB2-BD59-A6C34878D82A}">
+                    <a16:rowId xmlns:a16="http://schemas.microsoft.com/office/drawing/2014/main" val="156919174"/>
+                  </a:ext>
+                </a:extLst>
+              </a:tr>
+              <a:tr h="943471">
+                <a:tc>
+                  <a:txBody>
+                    <a:bodyPr/>
+                    <a:lstStyle/>
+                    <a:p>
+                      <a:r>
+                        <a:rPr lang="de-DE" dirty="0"/>
+                        <a:t>Mittel </a:t>
+                      </a:r>
+                      <a:br>
+                        <a:rPr lang="de-DE" dirty="0"/>
+                      </a:br>
+                      <a:r>
+                        <a:rPr lang="de-DE" sz="1400" dirty="0"/>
+                        <a:t>(mit gegebener Wahrscheinlichkeitsverteilung)</a:t>
+                      </a:r>
+                    </a:p>
+                  </a:txBody>
+                  <a:tcPr anchor="ctr"/>
+                </a:tc>
+                <a:tc>
+                  <a:txBody>
+                    <a:bodyPr/>
+                    <a:lstStyle/>
+                    <a:p>
+                      <a:r>
+                        <a:rPr lang="de-DE" dirty="0"/>
+                        <a:t>92</a:t>
+                      </a:r>
+                    </a:p>
+                  </a:txBody>
+                  <a:tcPr anchor="ctr"/>
+                </a:tc>
+                <a:extLst>
+                  <a:ext uri="{0D108BD9-81ED-4DB2-BD59-A6C34878D82A}">
+                    <a16:rowId xmlns:a16="http://schemas.microsoft.com/office/drawing/2014/main" val="143302173"/>
+                  </a:ext>
+                </a:extLst>
+              </a:tr>
+            </a:tbl>
+          </a:graphicData>
+        </a:graphic>
+      </p:graphicFrame>
+      <p:cxnSp>
+        <p:nvCxnSpPr>
+          <p:cNvPr id="8" name="Gerader Verbinder 7">
+            <a:extLst>
+              <a:ext uri="{FF2B5EF4-FFF2-40B4-BE49-F238E27FC236}">
+                <a16:creationId xmlns:a16="http://schemas.microsoft.com/office/drawing/2014/main" id="{601D0F0C-30D3-4EAC-94F9-FB76B18BA6DC}"/>
+              </a:ext>
+            </a:extLst>
+          </p:cNvPr>
+          <p:cNvCxnSpPr>
+            <a:cxnSpLocks/>
+            <a:stCxn id="4" idx="4"/>
+          </p:cNvCxnSpPr>
+          <p:nvPr/>
+        </p:nvCxnSpPr>
+        <p:spPr>
+          <a:xfrm>
+            <a:off x="2236392" y="6419967"/>
+            <a:ext cx="0" cy="438033"/>
+          </a:xfrm>
+          <a:prstGeom prst="line">
+            <a:avLst/>
+          </a:prstGeom>
+          <a:ln w="28575"/>
+        </p:spPr>
+        <p:style>
+          <a:lnRef idx="1">
+            <a:schemeClr val="accent4"/>
+          </a:lnRef>
+          <a:fillRef idx="0">
+            <a:schemeClr val="accent4"/>
+          </a:fillRef>
+          <a:effectRef idx="0">
+            <a:schemeClr val="accent4"/>
+          </a:effectRef>
+          <a:fontRef idx="minor">
+            <a:schemeClr val="tx1"/>
+          </a:fontRef>
+        </p:style>
+      </p:cxnSp>
+    </p:spTree>
+    <p:extLst>
+      <p:ext uri="{BB962C8B-B14F-4D97-AF65-F5344CB8AC3E}">
+        <p14:creationId xmlns:p14="http://schemas.microsoft.com/office/powerpoint/2010/main" val="2458349148"/>
+      </p:ext>
+    </p:extLst>
+  </p:cSld>
+  <p:clrMapOvr>
+    <a:masterClrMapping/>
+  </p:clrMapOvr>
+  <mc:AlternateContent xmlns:mc="http://schemas.openxmlformats.org/markup-compatibility/2006" xmlns:p159="http://schemas.microsoft.com/office/powerpoint/2015/09/main">
+    <mc:Choice Requires="p159">
+      <p:transition xmlns:p14="http://schemas.microsoft.com/office/powerpoint/2010/main" spd="slow" p14:dur="2000">
+        <p159:morph option="byObject"/>
+      </p:transition>
+    </mc:Choice>
+    <mc:Fallback xmlns="">
+      <p:transition spd="slow">
+        <p:fade/>
+      </p:transition>
+    </mc:Fallback>
+  </mc:AlternateContent>
+  <p:timing>
+    <p:tnLst>
+      <p:par>
+        <p:cTn id="1" dur="indefinite" restart="never" nodeType="tmRoot">
+          <p:childTnLst>
+            <p:seq concurrent="1" nextAc="seek">
+              <p:cTn id="2" dur="indefinite" nodeType="mainSeq">
+                <p:childTnLst>
+                  <p:par>
+                    <p:cTn id="3" fill="hold">
+                      <p:stCondLst>
+                        <p:cond delay="indefinite"/>
+                      </p:stCondLst>
+                      <p:childTnLst>
+                        <p:par>
+                          <p:cTn id="4" fill="hold">
+                            <p:stCondLst>
+                              <p:cond delay="0"/>
+                            </p:stCondLst>
+                            <p:childTnLst>
+                              <p:par>
+                                <p:cTn id="5" presetID="10" presetClass="entr" presetSubtype="0" fill="hold" grpId="0" nodeType="clickEffect">
+                                  <p:stCondLst>
+                                    <p:cond delay="0"/>
+                                  </p:stCondLst>
+                                  <p:childTnLst>
+                                    <p:set>
+                                      <p:cBhvr>
+                                        <p:cTn id="6" dur="1" fill="hold">
+                                          <p:stCondLst>
+                                            <p:cond delay="0"/>
+                                          </p:stCondLst>
+                                        </p:cTn>
+                                        <p:tgtEl>
+                                          <p:spTgt spid="9">
+                                            <p:txEl>
+                                              <p:pRg st="0" end="0"/>
+                                            </p:txEl>
+                                          </p:spTgt>
+                                        </p:tgtEl>
+                                        <p:attrNameLst>
+                                          <p:attrName>style.visibility</p:attrName>
+                                        </p:attrNameLst>
+                                      </p:cBhvr>
+                                      <p:to>
+                                        <p:strVal val="visible"/>
+                                      </p:to>
+                                    </p:set>
+                                    <p:animEffect transition="in" filter="fade">
+                                      <p:cBhvr>
+                                        <p:cTn id="7" dur="500"/>
+                                        <p:tgtEl>
+                                          <p:spTgt spid="9">
+                                            <p:txEl>
+                                              <p:pRg st="0" end="0"/>
+                                            </p:txEl>
+                                          </p:spTgt>
+                                        </p:tgtEl>
+                                      </p:cBhvr>
+                                    </p:animEffect>
+                                  </p:childTnLst>
+                                </p:cTn>
+                              </p:par>
+                            </p:childTnLst>
+                          </p:cTn>
+                        </p:par>
+                      </p:childTnLst>
+                    </p:cTn>
+                  </p:par>
+                  <p:par>
+                    <p:cTn id="8" fill="hold">
+                      <p:stCondLst>
+                        <p:cond delay="indefinite"/>
+                      </p:stCondLst>
+                      <p:childTnLst>
+                        <p:par>
+                          <p:cTn id="9" fill="hold">
+                            <p:stCondLst>
+                              <p:cond delay="0"/>
+                            </p:stCondLst>
+                            <p:childTnLst>
+                              <p:par>
+                                <p:cTn id="10" presetID="10" presetClass="entr" presetSubtype="0" fill="hold" grpId="0" nodeType="clickEffect">
+                                  <p:stCondLst>
+                                    <p:cond delay="0"/>
+                                  </p:stCondLst>
+                                  <p:childTnLst>
+                                    <p:set>
+                                      <p:cBhvr>
+                                        <p:cTn id="11" dur="1" fill="hold">
+                                          <p:stCondLst>
+                                            <p:cond delay="0"/>
+                                          </p:stCondLst>
+                                        </p:cTn>
+                                        <p:tgtEl>
+                                          <p:spTgt spid="9">
+                                            <p:txEl>
+                                              <p:pRg st="1" end="1"/>
+                                            </p:txEl>
+                                          </p:spTgt>
+                                        </p:tgtEl>
+                                        <p:attrNameLst>
+                                          <p:attrName>style.visibility</p:attrName>
+                                        </p:attrNameLst>
+                                      </p:cBhvr>
+                                      <p:to>
+                                        <p:strVal val="visible"/>
+                                      </p:to>
+                                    </p:set>
+                                    <p:animEffect transition="in" filter="fade">
+                                      <p:cBhvr>
+                                        <p:cTn id="12" dur="500"/>
+                                        <p:tgtEl>
+                                          <p:spTgt spid="9">
+                                            <p:txEl>
+                                              <p:pRg st="1" end="1"/>
+                                            </p:txEl>
+                                          </p:spTgt>
+                                        </p:tgtEl>
+                                      </p:cBhvr>
+                                    </p:animEffect>
+                                  </p:childTnLst>
+                                </p:cTn>
+                              </p:par>
+                            </p:childTnLst>
+                          </p:cTn>
+                        </p:par>
+                      </p:childTnLst>
+                    </p:cTn>
+                  </p:par>
+                  <p:par>
+                    <p:cTn id="13" fill="hold">
+                      <p:stCondLst>
+                        <p:cond delay="indefinite"/>
+                      </p:stCondLst>
+                      <p:childTnLst>
+                        <p:par>
+                          <p:cTn id="14" fill="hold">
+                            <p:stCondLst>
+                              <p:cond delay="0"/>
+                            </p:stCondLst>
+                            <p:childTnLst>
+                              <p:par>
+                                <p:cTn id="15" presetID="10" presetClass="entr" presetSubtype="0" fill="hold" grpId="0" nodeType="clickEffect">
+                                  <p:stCondLst>
+                                    <p:cond delay="0"/>
+                                  </p:stCondLst>
+                                  <p:childTnLst>
+                                    <p:set>
+                                      <p:cBhvr>
+                                        <p:cTn id="16" dur="1" fill="hold">
+                                          <p:stCondLst>
+                                            <p:cond delay="0"/>
+                                          </p:stCondLst>
+                                        </p:cTn>
+                                        <p:tgtEl>
+                                          <p:spTgt spid="9">
+                                            <p:txEl>
+                                              <p:pRg st="2" end="2"/>
+                                            </p:txEl>
+                                          </p:spTgt>
+                                        </p:tgtEl>
+                                        <p:attrNameLst>
+                                          <p:attrName>style.visibility</p:attrName>
+                                        </p:attrNameLst>
+                                      </p:cBhvr>
+                                      <p:to>
+                                        <p:strVal val="visible"/>
+                                      </p:to>
+                                    </p:set>
+                                    <p:animEffect transition="in" filter="fade">
+                                      <p:cBhvr>
+                                        <p:cTn id="17" dur="500"/>
+                                        <p:tgtEl>
+                                          <p:spTgt spid="9">
+                                            <p:txEl>
+                                              <p:pRg st="2" end="2"/>
+                                            </p:txEl>
+                                          </p:spTgt>
+                                        </p:tgtEl>
+                                      </p:cBhvr>
+                                    </p:animEffect>
+                                  </p:childTnLst>
+                                </p:cTn>
+                              </p:par>
+                            </p:childTnLst>
+                          </p:cTn>
+                        </p:par>
+                      </p:childTnLst>
+                    </p:cTn>
+                  </p:par>
+                  <p:par>
+                    <p:cTn id="18" fill="hold">
+                      <p:stCondLst>
+                        <p:cond delay="indefinite"/>
+                      </p:stCondLst>
+                      <p:childTnLst>
+                        <p:par>
+                          <p:cTn id="19" fill="hold">
+                            <p:stCondLst>
+                              <p:cond delay="0"/>
+                            </p:stCondLst>
+                            <p:childTnLst>
+                              <p:par>
+                                <p:cTn id="20" presetID="10" presetClass="entr" presetSubtype="0" fill="hold" grpId="0" nodeType="clickEffect">
+                                  <p:stCondLst>
+                                    <p:cond delay="0"/>
+                                  </p:stCondLst>
+                                  <p:childTnLst>
+                                    <p:set>
+                                      <p:cBhvr>
+                                        <p:cTn id="21" dur="1" fill="hold">
+                                          <p:stCondLst>
+                                            <p:cond delay="0"/>
+                                          </p:stCondLst>
+                                        </p:cTn>
+                                        <p:tgtEl>
+                                          <p:spTgt spid="9">
+                                            <p:txEl>
+                                              <p:pRg st="3" end="3"/>
+                                            </p:txEl>
+                                          </p:spTgt>
+                                        </p:tgtEl>
+                                        <p:attrNameLst>
+                                          <p:attrName>style.visibility</p:attrName>
+                                        </p:attrNameLst>
+                                      </p:cBhvr>
+                                      <p:to>
+                                        <p:strVal val="visible"/>
+                                      </p:to>
+                                    </p:set>
+                                    <p:animEffect transition="in" filter="fade">
+                                      <p:cBhvr>
+                                        <p:cTn id="22" dur="500"/>
+                                        <p:tgtEl>
+                                          <p:spTgt spid="9">
+                                            <p:txEl>
+                                              <p:pRg st="3" end="3"/>
+                                            </p:txEl>
+                                          </p:spTgt>
+                                        </p:tgtEl>
+                                      </p:cBhvr>
+                                    </p:animEffect>
+                                  </p:childTnLst>
+                                </p:cTn>
+                              </p:par>
+                            </p:childTnLst>
+                          </p:cTn>
+                        </p:par>
+                      </p:childTnLst>
+                    </p:cTn>
+                  </p:par>
+                  <p:par>
+                    <p:cTn id="23" fill="hold">
+                      <p:stCondLst>
+                        <p:cond delay="indefinite"/>
+                      </p:stCondLst>
+                      <p:childTnLst>
+                        <p:par>
+                          <p:cTn id="24" fill="hold">
+                            <p:stCondLst>
+                              <p:cond delay="0"/>
+                            </p:stCondLst>
+                            <p:childTnLst>
+                              <p:par>
+                                <p:cTn id="25" presetID="22" presetClass="entr" presetSubtype="1" fill="hold" nodeType="clickEffect">
+                                  <p:stCondLst>
+                                    <p:cond delay="0"/>
+                                  </p:stCondLst>
+                                  <p:childTnLst>
+                                    <p:set>
+                                      <p:cBhvr>
+                                        <p:cTn id="26" dur="1" fill="hold">
+                                          <p:stCondLst>
+                                            <p:cond delay="0"/>
+                                          </p:stCondLst>
+                                        </p:cTn>
+                                        <p:tgtEl>
+                                          <p:spTgt spid="10"/>
+                                        </p:tgtEl>
+                                        <p:attrNameLst>
+                                          <p:attrName>style.visibility</p:attrName>
+                                        </p:attrNameLst>
+                                      </p:cBhvr>
+                                      <p:to>
+                                        <p:strVal val="visible"/>
+                                      </p:to>
+                                    </p:set>
+                                    <p:animEffect transition="in" filter="wipe(up)">
+                                      <p:cBhvr>
+                                        <p:cTn id="27" dur="5000"/>
+                                        <p:tgtEl>
+                                          <p:spTgt spid="10"/>
+                                        </p:tgtEl>
+                                      </p:cBhvr>
+                                    </p:animEffect>
+                                  </p:childTnLst>
+                                </p:cTn>
+                              </p:par>
+                            </p:childTnLst>
+                          </p:cTn>
+                        </p:par>
+                      </p:childTnLst>
+                    </p:cTn>
+                  </p:par>
+                </p:childTnLst>
+              </p:cTn>
+              <p:prevCondLst>
+                <p:cond evt="onPrev" delay="0">
+                  <p:tgtEl>
+                    <p:sldTgt/>
+                  </p:tgtEl>
+                </p:cond>
+              </p:prevCondLst>
+              <p:nextCondLst>
+                <p:cond evt="onNext" delay="0">
+                  <p:tgtEl>
+                    <p:sldTgt/>
+                  </p:tgtEl>
+                </p:cond>
+              </p:nextCondLst>
+            </p:seq>
+          </p:childTnLst>
+        </p:cTn>
+      </p:par>
+    </p:tnLst>
+    <p:bldLst>
+      <p:bldP spid="9" grpId="0" build="p"/>
+    </p:bldLst>
+  </p:timing>
+</p:sld>
+</file>
+
+<file path=ppt/slides/slide6.xml><?xml version="1.0" encoding="utf-8"?>
+<p:sld xmlns:a="http://schemas.openxmlformats.org/drawingml/2006/main" xmlns:r="http://schemas.openxmlformats.org/officeDocument/2006/relationships" xmlns:p="http://schemas.openxmlformats.org/presentationml/2006/main">
+  <p:cSld>
+    <p:spTree>
+      <p:nvGrpSpPr>
+        <p:cNvPr id="1" name=""/>
+        <p:cNvGrpSpPr/>
+        <p:nvPr/>
+      </p:nvGrpSpPr>
+      <p:grpSpPr>
+        <a:xfrm>
+          <a:off x="0" y="0"/>
+          <a:ext cx="0" cy="0"/>
+          <a:chOff x="0" y="0"/>
+          <a:chExt cx="0" cy="0"/>
+        </a:xfrm>
+      </p:grpSpPr>
+      <p:sp>
+        <p:nvSpPr>
+          <p:cNvPr id="20" name="Rechteck 19">
+            <a:extLst>
+              <a:ext uri="{FF2B5EF4-FFF2-40B4-BE49-F238E27FC236}">
+                <a16:creationId xmlns:a16="http://schemas.microsoft.com/office/drawing/2014/main" id="{8D4C1F00-0C1D-4688-A510-8CCAE7C8062E}"/>
+              </a:ext>
+            </a:extLst>
+          </p:cNvPr>
+          <p:cNvSpPr/>
+          <p:nvPr/>
+        </p:nvSpPr>
+        <p:spPr>
+          <a:xfrm>
+            <a:off x="0" y="0"/>
+            <a:ext cx="11015831" cy="1516828"/>
+          </a:xfrm>
+          <a:prstGeom prst="rect">
+            <a:avLst/>
+          </a:prstGeom>
+          <a:ln>
+            <a:noFill/>
+          </a:ln>
+        </p:spPr>
+        <p:style>
+          <a:lnRef idx="2">
+            <a:schemeClr val="accent4">
+              <a:shade val="50000"/>
+            </a:schemeClr>
+          </a:lnRef>
+          <a:fillRef idx="1">
+            <a:schemeClr val="accent4"/>
+          </a:fillRef>
+          <a:effectRef idx="0">
+            <a:schemeClr val="accent4"/>
+          </a:effectRef>
+          <a:fontRef idx="minor">
+            <a:schemeClr val="lt1"/>
+          </a:fontRef>
+        </p:style>
+        <p:txBody>
+          <a:bodyPr rtlCol="0" anchor="ctr"/>
+          <a:lstStyle/>
+          <a:p>
+            <a:pPr algn="ctr"/>
+            <a:endParaRPr lang="de-DE"/>
+          </a:p>
+        </p:txBody>
+      </p:sp>
+      <p:sp>
+        <p:nvSpPr>
+          <p:cNvPr id="2" name="Titel 1">
+            <a:extLst>
+              <a:ext uri="{FF2B5EF4-FFF2-40B4-BE49-F238E27FC236}">
+                <a16:creationId xmlns:a16="http://schemas.microsoft.com/office/drawing/2014/main" id="{A653F4C6-A715-48B9-8A94-CC7BA2D30060}"/>
+              </a:ext>
+            </a:extLst>
+          </p:cNvPr>
+          <p:cNvSpPr>
+            <a:spLocks noGrp="1"/>
+          </p:cNvSpPr>
+          <p:nvPr>
+            <p:ph type="title"/>
+          </p:nvPr>
+        </p:nvSpPr>
+        <p:spPr/>
+        <p:txBody>
+          <a:bodyPr/>
+          <a:lstStyle/>
+          <a:p>
+            <a:r>
+              <a:rPr lang="de-DE" dirty="0">
+                <a:solidFill>
+                  <a:schemeClr val="bg1"/>
+                </a:solidFill>
+              </a:rPr>
+              <a:t>Elektronische Wahl im Wahllokal</a:t>
+            </a:r>
+          </a:p>
+        </p:txBody>
+      </p:sp>
+      <p:pic>
+        <p:nvPicPr>
+          <p:cNvPr id="5" name="Inhaltsplatzhalter 4">
+            <a:extLst>
+              <a:ext uri="{FF2B5EF4-FFF2-40B4-BE49-F238E27FC236}">
+                <a16:creationId xmlns:a16="http://schemas.microsoft.com/office/drawing/2014/main" id="{F93475B3-12BA-48AE-B8AE-90E105E482CC}"/>
+              </a:ext>
+            </a:extLst>
+          </p:cNvPr>
           <p:cNvPicPr>
             <a:picLocks noGrp="1" noChangeAspect="1"/>
           </p:cNvPicPr>
@@ -3417,20 +6561,184 @@
         </p:blipFill>
         <p:spPr>
           <a:xfrm>
-            <a:off x="3227576" y="107028"/>
-            <a:ext cx="5917130" cy="6680632"/>
+            <a:off x="1228678" y="2543352"/>
+            <a:ext cx="2238422" cy="2238422"/>
           </a:xfrm>
-          <a:ln>
+          <a:prstGeom prst="rect">
+            <a:avLst/>
+          </a:prstGeom>
+          <a:solidFill>
+            <a:srgbClr val="FFFFFF">
+              <a:shade val="85000"/>
+            </a:srgbClr>
+          </a:solidFill>
+          <a:ln w="88900" cap="sq">
             <a:solidFill>
-              <a:schemeClr val="bg2"/>
+              <a:srgbClr val="FFFFFF"/>
             </a:solidFill>
+            <a:miter lim="800000"/>
+          </a:ln>
+          <a:effectLst>
+            <a:outerShdw blurRad="55000" dist="18000" dir="5400000" algn="tl" rotWithShape="0">
+              <a:srgbClr val="000000">
+                <a:alpha val="40000"/>
+              </a:srgbClr>
+            </a:outerShdw>
+          </a:effectLst>
+          <a:scene3d>
+            <a:camera prst="orthographicFront"/>
+            <a:lightRig rig="twoPt" dir="t">
+              <a:rot lat="0" lon="0" rev="7200000"/>
+            </a:lightRig>
+          </a:scene3d>
+          <a:sp3d>
+            <a:bevelT w="25400" h="19050"/>
+            <a:contourClr>
+              <a:srgbClr val="FFFFFF"/>
+            </a:contourClr>
+          </a:sp3d>
+        </p:spPr>
+      </p:pic>
+      <p:grpSp>
+        <p:nvGrpSpPr>
+          <p:cNvPr id="15" name="Gruppieren 14">
+            <a:extLst>
+              <a:ext uri="{FF2B5EF4-FFF2-40B4-BE49-F238E27FC236}">
+                <a16:creationId xmlns:a16="http://schemas.microsoft.com/office/drawing/2014/main" id="{451F34F4-46D8-4780-9E5E-CDC51A7388F7}"/>
+              </a:ext>
+            </a:extLst>
+          </p:cNvPr>
+          <p:cNvGrpSpPr/>
+          <p:nvPr/>
+        </p:nvGrpSpPr>
+        <p:grpSpPr>
+          <a:xfrm>
+            <a:off x="6096000" y="1196787"/>
+            <a:ext cx="5183393" cy="5183393"/>
+            <a:chOff x="6096000" y="1196787"/>
+            <a:chExt cx="5183393" cy="5183393"/>
+          </a:xfrm>
+        </p:grpSpPr>
+        <p:pic>
+          <p:nvPicPr>
+            <p:cNvPr id="11" name="Grafik 10">
+              <a:extLst>
+                <a:ext uri="{FF2B5EF4-FFF2-40B4-BE49-F238E27FC236}">
+                  <a16:creationId xmlns:a16="http://schemas.microsoft.com/office/drawing/2014/main" id="{3D528CDF-378C-4CE2-A46A-CB23ECD92838}"/>
+                </a:ext>
+              </a:extLst>
+            </p:cNvPr>
+            <p:cNvPicPr>
+              <a:picLocks noChangeAspect="1"/>
+            </p:cNvPicPr>
+            <p:nvPr/>
+          </p:nvPicPr>
+          <p:blipFill rotWithShape="1">
+            <a:blip r:embed="rId3">
+              <a:extLst>
+                <a:ext uri="{28A0092B-C50C-407E-A947-70E740481C1C}">
+                  <a14:useLocalDpi xmlns:a14="http://schemas.microsoft.com/office/drawing/2010/main" val="0"/>
+                </a:ext>
+              </a:extLst>
+            </a:blip>
+            <a:srcRect b="67721"/>
+            <a:stretch/>
+          </p:blipFill>
+          <p:spPr>
+            <a:xfrm>
+              <a:off x="6835506" y="2250086"/>
+              <a:ext cx="3704379" cy="2397218"/>
+            </a:xfrm>
+            <a:prstGeom prst="rect">
+              <a:avLst/>
+            </a:prstGeom>
+          </p:spPr>
+        </p:pic>
+        <p:pic>
+          <p:nvPicPr>
+            <p:cNvPr id="9" name="Grafik 8" descr="Monitor">
+              <a:extLst>
+                <a:ext uri="{FF2B5EF4-FFF2-40B4-BE49-F238E27FC236}">
+                  <a16:creationId xmlns:a16="http://schemas.microsoft.com/office/drawing/2014/main" id="{106CBD34-37CB-46B4-A18E-14EC82C2C6D4}"/>
+                </a:ext>
+              </a:extLst>
+            </p:cNvPr>
+            <p:cNvPicPr>
+              <a:picLocks noChangeAspect="1"/>
+            </p:cNvPicPr>
+            <p:nvPr/>
+          </p:nvPicPr>
+          <p:blipFill>
+            <a:blip r:embed="rId4">
+              <a:extLst>
+                <a:ext uri="{28A0092B-C50C-407E-A947-70E740481C1C}">
+                  <a14:useLocalDpi xmlns:a14="http://schemas.microsoft.com/office/drawing/2010/main" val="0"/>
+                </a:ext>
+                <a:ext uri="{96DAC541-7B7A-43D3-8B79-37D633B846F1}">
+                  <asvg:svgBlip xmlns:asvg="http://schemas.microsoft.com/office/drawing/2016/SVG/main" r:embed="rId5"/>
+                </a:ext>
+              </a:extLst>
+            </a:blip>
+            <a:stretch>
+              <a:fillRect/>
+            </a:stretch>
+          </p:blipFill>
+          <p:spPr>
+            <a:xfrm>
+              <a:off x="6096000" y="1196787"/>
+              <a:ext cx="5183393" cy="5183393"/>
+            </a:xfrm>
+            <a:prstGeom prst="rect">
+              <a:avLst/>
+            </a:prstGeom>
+          </p:spPr>
+        </p:pic>
+      </p:grpSp>
+      <p:cxnSp>
+        <p:nvCxnSpPr>
+          <p:cNvPr id="13" name="Gerade Verbindung mit Pfeil 12">
+            <a:extLst>
+              <a:ext uri="{FF2B5EF4-FFF2-40B4-BE49-F238E27FC236}">
+                <a16:creationId xmlns:a16="http://schemas.microsoft.com/office/drawing/2014/main" id="{40A11538-1286-4879-B52E-A231169DB31D}"/>
+              </a:ext>
+            </a:extLst>
+          </p:cNvPr>
+          <p:cNvCxnSpPr>
+            <a:cxnSpLocks/>
+          </p:cNvCxnSpPr>
+          <p:nvPr/>
+        </p:nvCxnSpPr>
+        <p:spPr>
+          <a:xfrm>
+            <a:off x="4401671" y="3662563"/>
+            <a:ext cx="995082" cy="0"/>
+          </a:xfrm>
+          <a:prstGeom prst="straightConnector1">
+            <a:avLst/>
+          </a:prstGeom>
+          <a:ln w="76200">
+            <a:tailEnd type="triangle"/>
           </a:ln>
         </p:spPr>
-      </p:pic>
+        <p:style>
+          <a:lnRef idx="1">
+            <a:schemeClr val="accent1"/>
+          </a:lnRef>
+          <a:fillRef idx="0">
+            <a:schemeClr val="accent1"/>
+          </a:fillRef>
+          <a:effectRef idx="0">
+            <a:schemeClr val="accent1"/>
+          </a:effectRef>
+          <a:fontRef idx="minor">
+            <a:schemeClr val="tx1"/>
+          </a:fontRef>
+        </p:style>
+      </p:cxnSp>
     </p:spTree>
     <p:extLst>
       <p:ext uri="{BB962C8B-B14F-4D97-AF65-F5344CB8AC3E}">
-        <p14:creationId xmlns:p14="http://schemas.microsoft.com/office/powerpoint/2010/main" val="903540735"/>
+        <p14:creationId xmlns:p14="http://schemas.microsoft.com/office/powerpoint/2010/main" val="4262545266"/>
       </p:ext>
     </p:extLst>
   </p:cSld>
@@ -3440,15 +6748,2446 @@
   <p:timing>
     <p:tnLst>
       <p:par>
-        <p:cTn id="1" dur="indefinite" restart="never" nodeType="tmRoot"/>
+        <p:cTn id="1" dur="indefinite" restart="never" nodeType="tmRoot">
+          <p:childTnLst>
+            <p:seq concurrent="1" nextAc="seek">
+              <p:cTn id="2" dur="indefinite" nodeType="mainSeq">
+                <p:childTnLst>
+                  <p:par>
+                    <p:cTn id="3" fill="hold">
+                      <p:stCondLst>
+                        <p:cond delay="indefinite"/>
+                      </p:stCondLst>
+                      <p:childTnLst>
+                        <p:par>
+                          <p:cTn id="4" fill="hold">
+                            <p:stCondLst>
+                              <p:cond delay="0"/>
+                            </p:stCondLst>
+                            <p:childTnLst>
+                              <p:par>
+                                <p:cTn id="5" presetID="10" presetClass="entr" presetSubtype="0" fill="hold" nodeType="clickEffect">
+                                  <p:stCondLst>
+                                    <p:cond delay="0"/>
+                                  </p:stCondLst>
+                                  <p:childTnLst>
+                                    <p:set>
+                                      <p:cBhvr>
+                                        <p:cTn id="6" dur="1" fill="hold">
+                                          <p:stCondLst>
+                                            <p:cond delay="0"/>
+                                          </p:stCondLst>
+                                        </p:cTn>
+                                        <p:tgtEl>
+                                          <p:spTgt spid="15"/>
+                                        </p:tgtEl>
+                                        <p:attrNameLst>
+                                          <p:attrName>style.visibility</p:attrName>
+                                        </p:attrNameLst>
+                                      </p:cBhvr>
+                                      <p:to>
+                                        <p:strVal val="visible"/>
+                                      </p:to>
+                                    </p:set>
+                                    <p:animEffect transition="in" filter="fade">
+                                      <p:cBhvr>
+                                        <p:cTn id="7" dur="500"/>
+                                        <p:tgtEl>
+                                          <p:spTgt spid="15"/>
+                                        </p:tgtEl>
+                                      </p:cBhvr>
+                                    </p:animEffect>
+                                  </p:childTnLst>
+                                </p:cTn>
+                              </p:par>
+                              <p:par>
+                                <p:cTn id="8" presetID="10" presetClass="entr" presetSubtype="0" fill="hold" nodeType="withEffect">
+                                  <p:stCondLst>
+                                    <p:cond delay="0"/>
+                                  </p:stCondLst>
+                                  <p:childTnLst>
+                                    <p:set>
+                                      <p:cBhvr>
+                                        <p:cTn id="9" dur="1" fill="hold">
+                                          <p:stCondLst>
+                                            <p:cond delay="0"/>
+                                          </p:stCondLst>
+                                        </p:cTn>
+                                        <p:tgtEl>
+                                          <p:spTgt spid="13"/>
+                                        </p:tgtEl>
+                                        <p:attrNameLst>
+                                          <p:attrName>style.visibility</p:attrName>
+                                        </p:attrNameLst>
+                                      </p:cBhvr>
+                                      <p:to>
+                                        <p:strVal val="visible"/>
+                                      </p:to>
+                                    </p:set>
+                                    <p:animEffect transition="in" filter="fade">
+                                      <p:cBhvr>
+                                        <p:cTn id="10" dur="500"/>
+                                        <p:tgtEl>
+                                          <p:spTgt spid="13"/>
+                                        </p:tgtEl>
+                                      </p:cBhvr>
+                                    </p:animEffect>
+                                  </p:childTnLst>
+                                </p:cTn>
+                              </p:par>
+                            </p:childTnLst>
+                          </p:cTn>
+                        </p:par>
+                      </p:childTnLst>
+                    </p:cTn>
+                  </p:par>
+                </p:childTnLst>
+              </p:cTn>
+              <p:prevCondLst>
+                <p:cond evt="onPrev" delay="0">
+                  <p:tgtEl>
+                    <p:sldTgt/>
+                  </p:tgtEl>
+                </p:cond>
+              </p:prevCondLst>
+              <p:nextCondLst>
+                <p:cond evt="onNext" delay="0">
+                  <p:tgtEl>
+                    <p:sldTgt/>
+                  </p:tgtEl>
+                </p:cond>
+              </p:nextCondLst>
+            </p:seq>
+          </p:childTnLst>
+        </p:cTn>
       </p:par>
     </p:tnLst>
   </p:timing>
 </p:sld>
 </file>
 
+<file path=ppt/slides/slide7.xml><?xml version="1.0" encoding="utf-8"?>
+<p:sld xmlns:a="http://schemas.openxmlformats.org/drawingml/2006/main" xmlns:r="http://schemas.openxmlformats.org/officeDocument/2006/relationships" xmlns:p="http://schemas.openxmlformats.org/presentationml/2006/main">
+  <p:cSld>
+    <p:bg>
+      <p:bgPr>
+        <a:solidFill>
+          <a:schemeClr val="bg1"/>
+        </a:solidFill>
+        <a:effectLst/>
+      </p:bgPr>
+    </p:bg>
+    <p:spTree>
+      <p:nvGrpSpPr>
+        <p:cNvPr id="1" name=""/>
+        <p:cNvGrpSpPr/>
+        <p:nvPr/>
+      </p:nvGrpSpPr>
+      <p:grpSpPr>
+        <a:xfrm>
+          <a:off x="0" y="0"/>
+          <a:ext cx="0" cy="0"/>
+          <a:chOff x="0" y="0"/>
+          <a:chExt cx="0" cy="0"/>
+        </a:xfrm>
+      </p:grpSpPr>
+      <p:pic>
+        <p:nvPicPr>
+          <p:cNvPr id="35" name="Grafik 34">
+            <a:extLst>
+              <a:ext uri="{FF2B5EF4-FFF2-40B4-BE49-F238E27FC236}">
+                <a16:creationId xmlns:a16="http://schemas.microsoft.com/office/drawing/2014/main" id="{E612C8FC-20CC-4DE7-B44E-A19984C1FAE3}"/>
+              </a:ext>
+            </a:extLst>
+          </p:cNvPr>
+          <p:cNvPicPr>
+            <a:picLocks noChangeAspect="1"/>
+          </p:cNvPicPr>
+          <p:nvPr/>
+        </p:nvPicPr>
+        <p:blipFill>
+          <a:blip r:embed="rId2">
+            <a:extLst>
+              <a:ext uri="{28A0092B-C50C-407E-A947-70E740481C1C}">
+                <a14:useLocalDpi xmlns:a14="http://schemas.microsoft.com/office/drawing/2010/main" val="0"/>
+              </a:ext>
+            </a:extLst>
+          </a:blip>
+          <a:stretch>
+            <a:fillRect/>
+          </a:stretch>
+        </p:blipFill>
+        <p:spPr>
+          <a:xfrm>
+            <a:off x="559087" y="891988"/>
+            <a:ext cx="3585312" cy="5074022"/>
+          </a:xfrm>
+          <a:prstGeom prst="rect">
+            <a:avLst/>
+          </a:prstGeom>
+          <a:solidFill>
+            <a:srgbClr val="FFFFFF">
+              <a:shade val="85000"/>
+            </a:srgbClr>
+          </a:solidFill>
+          <a:ln w="88900" cap="sq">
+            <a:solidFill>
+              <a:srgbClr val="FFFFFF"/>
+            </a:solidFill>
+            <a:miter lim="800000"/>
+          </a:ln>
+          <a:effectLst>
+            <a:outerShdw blurRad="55000" dist="18000" dir="5400000" algn="tl" rotWithShape="0">
+              <a:srgbClr val="000000">
+                <a:alpha val="40000"/>
+              </a:srgbClr>
+            </a:outerShdw>
+          </a:effectLst>
+          <a:scene3d>
+            <a:camera prst="orthographicFront"/>
+            <a:lightRig rig="twoPt" dir="t">
+              <a:rot lat="0" lon="0" rev="7200000"/>
+            </a:lightRig>
+          </a:scene3d>
+          <a:sp3d>
+            <a:bevelT w="25400" h="19050"/>
+            <a:contourClr>
+              <a:srgbClr val="FFFFFF"/>
+            </a:contourClr>
+          </a:sp3d>
+        </p:spPr>
+      </p:pic>
+      <p:sp>
+        <p:nvSpPr>
+          <p:cNvPr id="10" name="Rectangle 9">
+            <a:extLst>
+              <a:ext uri="{FF2B5EF4-FFF2-40B4-BE49-F238E27FC236}">
+                <a16:creationId xmlns:a16="http://schemas.microsoft.com/office/drawing/2014/main" id="{029DE7B6-DC7C-4BA1-B406-EDDA0C0A31C4}"/>
+              </a:ext>
+            </a:extLst>
+          </p:cNvPr>
+          <p:cNvSpPr>
+            <a:spLocks noGrp="1" noRot="1" noChangeAspect="1" noMove="1" noResize="1" noEditPoints="1" noAdjustHandles="1" noChangeArrowheads="1" noChangeShapeType="1" noTextEdit="1"/>
+          </p:cNvSpPr>
+          <p:nvPr>
+            <p:extLst>
+              <p:ext uri="{386F3935-93C4-4BCD-93E2-E3B085C9AB24}">
+                <p16:designElem xmlns:p16="http://schemas.microsoft.com/office/powerpoint/2015/main" val="1"/>
+              </p:ext>
+            </p:extLst>
+          </p:nvPr>
+        </p:nvSpPr>
+        <p:spPr>
+          <a:xfrm>
+            <a:off x="4654296" y="-2"/>
+            <a:ext cx="7537704" cy="6858002"/>
+          </a:xfrm>
+          <a:prstGeom prst="rect">
+            <a:avLst/>
+          </a:prstGeom>
+          <a:solidFill>
+            <a:schemeClr val="accent1"/>
+          </a:solidFill>
+          <a:ln>
+            <a:noFill/>
+          </a:ln>
+        </p:spPr>
+        <p:style>
+          <a:lnRef idx="2">
+            <a:schemeClr val="accent1">
+              <a:shade val="50000"/>
+            </a:schemeClr>
+          </a:lnRef>
+          <a:fillRef idx="1">
+            <a:schemeClr val="accent1"/>
+          </a:fillRef>
+          <a:effectRef idx="0">
+            <a:schemeClr val="accent1"/>
+          </a:effectRef>
+          <a:fontRef idx="minor">
+            <a:schemeClr val="lt1"/>
+          </a:fontRef>
+        </p:style>
+        <p:txBody>
+          <a:bodyPr rtlCol="0" anchor="ctr"/>
+          <a:lstStyle/>
+          <a:p>
+            <a:pPr marL="0" marR="0" lvl="0" indent="0" algn="ctr" defTabSz="914400" rtl="0" eaLnBrk="1" fontAlgn="auto" latinLnBrk="0" hangingPunct="1">
+              <a:lnSpc>
+                <a:spcPct val="100000"/>
+              </a:lnSpc>
+              <a:spcBef>
+                <a:spcPts val="0"/>
+              </a:spcBef>
+              <a:spcAft>
+                <a:spcPts val="0"/>
+              </a:spcAft>
+              <a:buClrTx/>
+              <a:buSzTx/>
+              <a:buFontTx/>
+              <a:buNone/>
+              <a:tabLst/>
+              <a:defRPr/>
+            </a:pPr>
+            <a:endParaRPr kumimoji="0" lang="en-US" sz="1800" b="0" i="0" u="none" strike="noStrike" kern="1200" cap="none" spc="0" normalizeH="0" baseline="0" noProof="0">
+              <a:ln>
+                <a:noFill/>
+              </a:ln>
+              <a:solidFill>
+                <a:prstClr val="white"/>
+              </a:solidFill>
+              <a:effectLst/>
+              <a:uLnTx/>
+              <a:uFillTx/>
+              <a:latin typeface="Calibri" panose="020F0502020204030204"/>
+              <a:ea typeface="+mn-ea"/>
+              <a:cs typeface="+mn-cs"/>
+            </a:endParaRPr>
+          </a:p>
+        </p:txBody>
+      </p:sp>
+      <p:sp>
+        <p:nvSpPr>
+          <p:cNvPr id="2" name="Titel 1">
+            <a:extLst>
+              <a:ext uri="{FF2B5EF4-FFF2-40B4-BE49-F238E27FC236}">
+                <a16:creationId xmlns:a16="http://schemas.microsoft.com/office/drawing/2014/main" id="{26912FEF-643E-4013-B8ED-F0810C4411DC}"/>
+              </a:ext>
+            </a:extLst>
+          </p:cNvPr>
+          <p:cNvSpPr>
+            <a:spLocks noGrp="1"/>
+          </p:cNvSpPr>
+          <p:nvPr>
+            <p:ph type="title"/>
+          </p:nvPr>
+        </p:nvSpPr>
+        <p:spPr>
+          <a:xfrm>
+            <a:off x="5189620" y="1306071"/>
+            <a:ext cx="5478379" cy="2663407"/>
+          </a:xfrm>
+        </p:spPr>
+        <p:txBody>
+          <a:bodyPr vert="horz" lIns="91440" tIns="45720" rIns="91440" bIns="45720" rtlCol="0" anchor="b">
+            <a:normAutofit/>
+          </a:bodyPr>
+          <a:lstStyle/>
+          <a:p>
+            <a:r>
+              <a:rPr lang="en-US" sz="5400" kern="1200" dirty="0">
+                <a:solidFill>
+                  <a:srgbClr val="FFFFFF"/>
+                </a:solidFill>
+                <a:latin typeface="+mj-lt"/>
+                <a:ea typeface="+mj-ea"/>
+                <a:cs typeface="+mj-cs"/>
+              </a:rPr>
+              <a:t>Online-Wahl per QR-Code</a:t>
+            </a:r>
+          </a:p>
+        </p:txBody>
+      </p:sp>
+      <p:pic>
+        <p:nvPicPr>
+          <p:cNvPr id="21" name="Grafik 20" descr="Umschlag">
+            <a:extLst>
+              <a:ext uri="{FF2B5EF4-FFF2-40B4-BE49-F238E27FC236}">
+                <a16:creationId xmlns:a16="http://schemas.microsoft.com/office/drawing/2014/main" id="{947D94A2-01D9-455F-9781-1EB88B9926A1}"/>
+              </a:ext>
+            </a:extLst>
+          </p:cNvPr>
+          <p:cNvPicPr>
+            <a:picLocks noChangeAspect="1"/>
+          </p:cNvPicPr>
+          <p:nvPr/>
+        </p:nvPicPr>
+        <p:blipFill>
+          <a:blip r:embed="rId3">
+            <a:extLst>
+              <a:ext uri="{28A0092B-C50C-407E-A947-70E740481C1C}">
+                <a14:useLocalDpi xmlns:a14="http://schemas.microsoft.com/office/drawing/2010/main" val="0"/>
+              </a:ext>
+              <a:ext uri="{96DAC541-7B7A-43D3-8B79-37D633B846F1}">
+                <asvg:svgBlip xmlns:asvg="http://schemas.microsoft.com/office/drawing/2016/SVG/main" r:embed="rId4"/>
+              </a:ext>
+            </a:extLst>
+          </a:blip>
+          <a:stretch>
+            <a:fillRect/>
+          </a:stretch>
+        </p:blipFill>
+        <p:spPr>
+          <a:xfrm>
+            <a:off x="1167109" y="2355288"/>
+            <a:ext cx="2369269" cy="2369269"/>
+          </a:xfrm>
+          <a:prstGeom prst="rect">
+            <a:avLst/>
+          </a:prstGeom>
+        </p:spPr>
+      </p:pic>
+      <p:pic>
+        <p:nvPicPr>
+          <p:cNvPr id="23" name="Grafik 22" descr="Umschlag öffnen">
+            <a:extLst>
+              <a:ext uri="{FF2B5EF4-FFF2-40B4-BE49-F238E27FC236}">
+                <a16:creationId xmlns:a16="http://schemas.microsoft.com/office/drawing/2014/main" id="{EB666F5F-A7A1-476A-850C-B81EFA0C197C}"/>
+              </a:ext>
+            </a:extLst>
+          </p:cNvPr>
+          <p:cNvPicPr>
+            <a:picLocks noChangeAspect="1"/>
+          </p:cNvPicPr>
+          <p:nvPr/>
+        </p:nvPicPr>
+        <p:blipFill>
+          <a:blip r:embed="rId5">
+            <a:extLst>
+              <a:ext uri="{28A0092B-C50C-407E-A947-70E740481C1C}">
+                <a14:useLocalDpi xmlns:a14="http://schemas.microsoft.com/office/drawing/2010/main" val="0"/>
+              </a:ext>
+              <a:ext uri="{96DAC541-7B7A-43D3-8B79-37D633B846F1}">
+                <asvg:svgBlip xmlns:asvg="http://schemas.microsoft.com/office/drawing/2016/SVG/main" r:embed="rId6"/>
+              </a:ext>
+            </a:extLst>
+          </a:blip>
+          <a:stretch>
+            <a:fillRect/>
+          </a:stretch>
+        </p:blipFill>
+        <p:spPr>
+          <a:xfrm>
+            <a:off x="1167109" y="1958814"/>
+            <a:ext cx="2369269" cy="2369269"/>
+          </a:xfrm>
+          <a:prstGeom prst="rect">
+            <a:avLst/>
+          </a:prstGeom>
+        </p:spPr>
+      </p:pic>
+      <p:sp>
+        <p:nvSpPr>
+          <p:cNvPr id="33" name="Freihandform: Form 32">
+            <a:extLst>
+              <a:ext uri="{FF2B5EF4-FFF2-40B4-BE49-F238E27FC236}">
+                <a16:creationId xmlns:a16="http://schemas.microsoft.com/office/drawing/2014/main" id="{86E3D368-B89C-4A14-B873-C8D1FC25421C}"/>
+              </a:ext>
+            </a:extLst>
+          </p:cNvPr>
+          <p:cNvSpPr/>
+          <p:nvPr/>
+        </p:nvSpPr>
+        <p:spPr>
+          <a:xfrm>
+            <a:off x="1761688" y="2355288"/>
+            <a:ext cx="1233182" cy="1400962"/>
+          </a:xfrm>
+          <a:custGeom>
+            <a:avLst/>
+            <a:gdLst>
+              <a:gd name="connsiteX0" fmla="*/ 587229 w 1224793"/>
+              <a:gd name="connsiteY0" fmla="*/ 1400962 h 1400962"/>
+              <a:gd name="connsiteX1" fmla="*/ 0 w 1224793"/>
+              <a:gd name="connsiteY1" fmla="*/ 838900 h 1400962"/>
+              <a:gd name="connsiteX2" fmla="*/ 0 w 1224793"/>
+              <a:gd name="connsiteY2" fmla="*/ 0 h 1400962"/>
+              <a:gd name="connsiteX3" fmla="*/ 1224793 w 1224793"/>
+              <a:gd name="connsiteY3" fmla="*/ 0 h 1400962"/>
+              <a:gd name="connsiteX4" fmla="*/ 1224793 w 1224793"/>
+              <a:gd name="connsiteY4" fmla="*/ 864067 h 1400962"/>
+              <a:gd name="connsiteX5" fmla="*/ 587229 w 1224793"/>
+              <a:gd name="connsiteY5" fmla="*/ 1400962 h 1400962"/>
+            </a:gdLst>
+            <a:ahLst/>
+            <a:cxnLst>
+              <a:cxn ang="0">
+                <a:pos x="connsiteX0" y="connsiteY0"/>
+              </a:cxn>
+              <a:cxn ang="0">
+                <a:pos x="connsiteX1" y="connsiteY1"/>
+              </a:cxn>
+              <a:cxn ang="0">
+                <a:pos x="connsiteX2" y="connsiteY2"/>
+              </a:cxn>
+              <a:cxn ang="0">
+                <a:pos x="connsiteX3" y="connsiteY3"/>
+              </a:cxn>
+              <a:cxn ang="0">
+                <a:pos x="connsiteX4" y="connsiteY4"/>
+              </a:cxn>
+              <a:cxn ang="0">
+                <a:pos x="connsiteX5" y="connsiteY5"/>
+              </a:cxn>
+            </a:cxnLst>
+            <a:rect l="l" t="t" r="r" b="b"/>
+            <a:pathLst>
+              <a:path w="1224793" h="1400962">
+                <a:moveTo>
+                  <a:pt x="587229" y="1400962"/>
+                </a:moveTo>
+                <a:lnTo>
+                  <a:pt x="0" y="838900"/>
+                </a:lnTo>
+                <a:lnTo>
+                  <a:pt x="0" y="0"/>
+                </a:lnTo>
+                <a:lnTo>
+                  <a:pt x="1224793" y="0"/>
+                </a:lnTo>
+                <a:lnTo>
+                  <a:pt x="1224793" y="864067"/>
+                </a:lnTo>
+                <a:lnTo>
+                  <a:pt x="587229" y="1400962"/>
+                </a:lnTo>
+                <a:close/>
+              </a:path>
+            </a:pathLst>
+          </a:custGeom>
+          <a:blipFill dpi="0" rotWithShape="1">
+            <a:blip r:embed="rId7">
+              <a:extLst>
+                <a:ext uri="{28A0092B-C50C-407E-A947-70E740481C1C}">
+                  <a14:useLocalDpi xmlns:a14="http://schemas.microsoft.com/office/drawing/2010/main" val="0"/>
+                </a:ext>
+              </a:extLst>
+            </a:blip>
+            <a:srcRect/>
+            <a:stretch>
+              <a:fillRect/>
+            </a:stretch>
+          </a:blipFill>
+          <a:ln>
+            <a:noFill/>
+          </a:ln>
+        </p:spPr>
+        <p:style>
+          <a:lnRef idx="2">
+            <a:schemeClr val="accent1">
+              <a:shade val="50000"/>
+            </a:schemeClr>
+          </a:lnRef>
+          <a:fillRef idx="1">
+            <a:schemeClr val="accent1"/>
+          </a:fillRef>
+          <a:effectRef idx="0">
+            <a:schemeClr val="accent1"/>
+          </a:effectRef>
+          <a:fontRef idx="minor">
+            <a:schemeClr val="lt1"/>
+          </a:fontRef>
+        </p:style>
+        <p:txBody>
+          <a:bodyPr rtlCol="0" anchor="ctr"/>
+          <a:lstStyle/>
+          <a:p>
+            <a:pPr algn="ctr"/>
+            <a:endParaRPr lang="de-DE"/>
+          </a:p>
+        </p:txBody>
+      </p:sp>
+    </p:spTree>
+    <p:extLst>
+      <p:ext uri="{BB962C8B-B14F-4D97-AF65-F5344CB8AC3E}">
+        <p14:creationId xmlns:p14="http://schemas.microsoft.com/office/powerpoint/2010/main" val="683908768"/>
+      </p:ext>
+    </p:extLst>
+  </p:cSld>
+  <p:clrMapOvr>
+    <a:masterClrMapping/>
+  </p:clrMapOvr>
+  <p:timing>
+    <p:tnLst>
+      <p:par>
+        <p:cTn id="1" dur="indefinite" restart="never" nodeType="tmRoot">
+          <p:childTnLst>
+            <p:seq concurrent="1" nextAc="seek">
+              <p:cTn id="2" dur="indefinite" nodeType="mainSeq">
+                <p:childTnLst>
+                  <p:par>
+                    <p:cTn id="3" fill="hold">
+                      <p:stCondLst>
+                        <p:cond delay="indefinite"/>
+                      </p:stCondLst>
+                      <p:childTnLst>
+                        <p:par>
+                          <p:cTn id="4" fill="hold">
+                            <p:stCondLst>
+                              <p:cond delay="0"/>
+                            </p:stCondLst>
+                            <p:childTnLst>
+                              <p:par>
+                                <p:cTn id="5" presetID="10" presetClass="entr" presetSubtype="0" fill="hold" nodeType="clickEffect">
+                                  <p:stCondLst>
+                                    <p:cond delay="0"/>
+                                  </p:stCondLst>
+                                  <p:childTnLst>
+                                    <p:set>
+                                      <p:cBhvr>
+                                        <p:cTn id="6" dur="1" fill="hold">
+                                          <p:stCondLst>
+                                            <p:cond delay="0"/>
+                                          </p:stCondLst>
+                                        </p:cTn>
+                                        <p:tgtEl>
+                                          <p:spTgt spid="23"/>
+                                        </p:tgtEl>
+                                        <p:attrNameLst>
+                                          <p:attrName>style.visibility</p:attrName>
+                                        </p:attrNameLst>
+                                      </p:cBhvr>
+                                      <p:to>
+                                        <p:strVal val="visible"/>
+                                      </p:to>
+                                    </p:set>
+                                    <p:animEffect transition="in" filter="fade">
+                                      <p:cBhvr>
+                                        <p:cTn id="7" dur="500"/>
+                                        <p:tgtEl>
+                                          <p:spTgt spid="23"/>
+                                        </p:tgtEl>
+                                      </p:cBhvr>
+                                    </p:animEffect>
+                                  </p:childTnLst>
+                                </p:cTn>
+                              </p:par>
+                              <p:par>
+                                <p:cTn id="8" presetID="10" presetClass="exit" presetSubtype="0" fill="hold" nodeType="withEffect">
+                                  <p:stCondLst>
+                                    <p:cond delay="0"/>
+                                  </p:stCondLst>
+                                  <p:childTnLst>
+                                    <p:animEffect transition="out" filter="fade">
+                                      <p:cBhvr>
+                                        <p:cTn id="9" dur="500"/>
+                                        <p:tgtEl>
+                                          <p:spTgt spid="21"/>
+                                        </p:tgtEl>
+                                      </p:cBhvr>
+                                    </p:animEffect>
+                                    <p:set>
+                                      <p:cBhvr>
+                                        <p:cTn id="10" dur="1" fill="hold">
+                                          <p:stCondLst>
+                                            <p:cond delay="499"/>
+                                          </p:stCondLst>
+                                        </p:cTn>
+                                        <p:tgtEl>
+                                          <p:spTgt spid="21"/>
+                                        </p:tgtEl>
+                                        <p:attrNameLst>
+                                          <p:attrName>style.visibility</p:attrName>
+                                        </p:attrNameLst>
+                                      </p:cBhvr>
+                                      <p:to>
+                                        <p:strVal val="hidden"/>
+                                      </p:to>
+                                    </p:set>
+                                  </p:childTnLst>
+                                </p:cTn>
+                              </p:par>
+                              <p:par>
+                                <p:cTn id="11" presetID="10" presetClass="entr" presetSubtype="0" fill="hold" grpId="1" nodeType="withEffect">
+                                  <p:stCondLst>
+                                    <p:cond delay="0"/>
+                                  </p:stCondLst>
+                                  <p:childTnLst>
+                                    <p:set>
+                                      <p:cBhvr>
+                                        <p:cTn id="12" dur="1" fill="hold">
+                                          <p:stCondLst>
+                                            <p:cond delay="0"/>
+                                          </p:stCondLst>
+                                        </p:cTn>
+                                        <p:tgtEl>
+                                          <p:spTgt spid="33"/>
+                                        </p:tgtEl>
+                                        <p:attrNameLst>
+                                          <p:attrName>style.visibility</p:attrName>
+                                        </p:attrNameLst>
+                                      </p:cBhvr>
+                                      <p:to>
+                                        <p:strVal val="visible"/>
+                                      </p:to>
+                                    </p:set>
+                                    <p:animEffect transition="in" filter="fade">
+                                      <p:cBhvr>
+                                        <p:cTn id="13" dur="500"/>
+                                        <p:tgtEl>
+                                          <p:spTgt spid="33"/>
+                                        </p:tgtEl>
+                                      </p:cBhvr>
+                                    </p:animEffect>
+                                  </p:childTnLst>
+                                </p:cTn>
+                              </p:par>
+                            </p:childTnLst>
+                          </p:cTn>
+                        </p:par>
+                      </p:childTnLst>
+                    </p:cTn>
+                  </p:par>
+                  <p:par>
+                    <p:cTn id="14" fill="hold">
+                      <p:stCondLst>
+                        <p:cond delay="indefinite"/>
+                      </p:stCondLst>
+                      <p:childTnLst>
+                        <p:par>
+                          <p:cTn id="15" fill="hold">
+                            <p:stCondLst>
+                              <p:cond delay="0"/>
+                            </p:stCondLst>
+                            <p:childTnLst>
+                              <p:par>
+                                <p:cTn id="16" presetID="47" presetClass="exit" presetSubtype="0" fill="hold" grpId="0" nodeType="clickEffect">
+                                  <p:stCondLst>
+                                    <p:cond delay="0"/>
+                                  </p:stCondLst>
+                                  <p:childTnLst>
+                                    <p:animEffect transition="out" filter="fade">
+                                      <p:cBhvr>
+                                        <p:cTn id="17" dur="1000"/>
+                                        <p:tgtEl>
+                                          <p:spTgt spid="33"/>
+                                        </p:tgtEl>
+                                      </p:cBhvr>
+                                    </p:animEffect>
+                                    <p:anim calcmode="lin" valueType="num">
+                                      <p:cBhvr>
+                                        <p:cTn id="18" dur="1000"/>
+                                        <p:tgtEl>
+                                          <p:spTgt spid="33"/>
+                                        </p:tgtEl>
+                                        <p:attrNameLst>
+                                          <p:attrName>ppt_x</p:attrName>
+                                        </p:attrNameLst>
+                                      </p:cBhvr>
+                                      <p:tavLst>
+                                        <p:tav tm="0">
+                                          <p:val>
+                                            <p:strVal val="ppt_x"/>
+                                          </p:val>
+                                        </p:tav>
+                                        <p:tav tm="100000">
+                                          <p:val>
+                                            <p:strVal val="ppt_x"/>
+                                          </p:val>
+                                        </p:tav>
+                                      </p:tavLst>
+                                    </p:anim>
+                                    <p:anim calcmode="lin" valueType="num">
+                                      <p:cBhvr>
+                                        <p:cTn id="19" dur="1000"/>
+                                        <p:tgtEl>
+                                          <p:spTgt spid="33"/>
+                                        </p:tgtEl>
+                                        <p:attrNameLst>
+                                          <p:attrName>ppt_y</p:attrName>
+                                        </p:attrNameLst>
+                                      </p:cBhvr>
+                                      <p:tavLst>
+                                        <p:tav tm="0">
+                                          <p:val>
+                                            <p:strVal val="ppt_y"/>
+                                          </p:val>
+                                        </p:tav>
+                                        <p:tav tm="100000">
+                                          <p:val>
+                                            <p:strVal val="ppt_y-.1"/>
+                                          </p:val>
+                                        </p:tav>
+                                      </p:tavLst>
+                                    </p:anim>
+                                    <p:set>
+                                      <p:cBhvr>
+                                        <p:cTn id="20" dur="1" fill="hold">
+                                          <p:stCondLst>
+                                            <p:cond delay="999"/>
+                                          </p:stCondLst>
+                                        </p:cTn>
+                                        <p:tgtEl>
+                                          <p:spTgt spid="33"/>
+                                        </p:tgtEl>
+                                        <p:attrNameLst>
+                                          <p:attrName>style.visibility</p:attrName>
+                                        </p:attrNameLst>
+                                      </p:cBhvr>
+                                      <p:to>
+                                        <p:strVal val="hidden"/>
+                                      </p:to>
+                                    </p:set>
+                                  </p:childTnLst>
+                                </p:cTn>
+                              </p:par>
+                              <p:par>
+                                <p:cTn id="21" presetID="2" presetClass="exit" presetSubtype="1" fill="hold" nodeType="withEffect">
+                                  <p:stCondLst>
+                                    <p:cond delay="0"/>
+                                  </p:stCondLst>
+                                  <p:childTnLst>
+                                    <p:anim calcmode="lin" valueType="num">
+                                      <p:cBhvr additive="base">
+                                        <p:cTn id="22" dur="500"/>
+                                        <p:tgtEl>
+                                          <p:spTgt spid="23"/>
+                                        </p:tgtEl>
+                                        <p:attrNameLst>
+                                          <p:attrName>ppt_x</p:attrName>
+                                        </p:attrNameLst>
+                                      </p:cBhvr>
+                                      <p:tavLst>
+                                        <p:tav tm="0">
+                                          <p:val>
+                                            <p:strVal val="ppt_x"/>
+                                          </p:val>
+                                        </p:tav>
+                                        <p:tav tm="100000">
+                                          <p:val>
+                                            <p:strVal val="ppt_x"/>
+                                          </p:val>
+                                        </p:tav>
+                                      </p:tavLst>
+                                    </p:anim>
+                                    <p:anim calcmode="lin" valueType="num">
+                                      <p:cBhvr additive="base">
+                                        <p:cTn id="23" dur="500"/>
+                                        <p:tgtEl>
+                                          <p:spTgt spid="23"/>
+                                        </p:tgtEl>
+                                        <p:attrNameLst>
+                                          <p:attrName>ppt_y</p:attrName>
+                                        </p:attrNameLst>
+                                      </p:cBhvr>
+                                      <p:tavLst>
+                                        <p:tav tm="0">
+                                          <p:val>
+                                            <p:strVal val="ppt_y"/>
+                                          </p:val>
+                                        </p:tav>
+                                        <p:tav tm="100000">
+                                          <p:val>
+                                            <p:strVal val="0-ppt_h/2"/>
+                                          </p:val>
+                                        </p:tav>
+                                      </p:tavLst>
+                                    </p:anim>
+                                    <p:set>
+                                      <p:cBhvr>
+                                        <p:cTn id="24" dur="1" fill="hold">
+                                          <p:stCondLst>
+                                            <p:cond delay="499"/>
+                                          </p:stCondLst>
+                                        </p:cTn>
+                                        <p:tgtEl>
+                                          <p:spTgt spid="23"/>
+                                        </p:tgtEl>
+                                        <p:attrNameLst>
+                                          <p:attrName>style.visibility</p:attrName>
+                                        </p:attrNameLst>
+                                      </p:cBhvr>
+                                      <p:to>
+                                        <p:strVal val="hidden"/>
+                                      </p:to>
+                                    </p:set>
+                                  </p:childTnLst>
+                                </p:cTn>
+                              </p:par>
+                              <p:par>
+                                <p:cTn id="25" presetID="2" presetClass="exit" presetSubtype="1" fill="hold" grpId="2" nodeType="withEffect">
+                                  <p:stCondLst>
+                                    <p:cond delay="0"/>
+                                  </p:stCondLst>
+                                  <p:childTnLst>
+                                    <p:anim calcmode="lin" valueType="num">
+                                      <p:cBhvr additive="base">
+                                        <p:cTn id="26" dur="500"/>
+                                        <p:tgtEl>
+                                          <p:spTgt spid="33"/>
+                                        </p:tgtEl>
+                                        <p:attrNameLst>
+                                          <p:attrName>ppt_x</p:attrName>
+                                        </p:attrNameLst>
+                                      </p:cBhvr>
+                                      <p:tavLst>
+                                        <p:tav tm="0">
+                                          <p:val>
+                                            <p:strVal val="ppt_x"/>
+                                          </p:val>
+                                        </p:tav>
+                                        <p:tav tm="100000">
+                                          <p:val>
+                                            <p:strVal val="ppt_x"/>
+                                          </p:val>
+                                        </p:tav>
+                                      </p:tavLst>
+                                    </p:anim>
+                                    <p:anim calcmode="lin" valueType="num">
+                                      <p:cBhvr additive="base">
+                                        <p:cTn id="27" dur="500"/>
+                                        <p:tgtEl>
+                                          <p:spTgt spid="33"/>
+                                        </p:tgtEl>
+                                        <p:attrNameLst>
+                                          <p:attrName>ppt_y</p:attrName>
+                                        </p:attrNameLst>
+                                      </p:cBhvr>
+                                      <p:tavLst>
+                                        <p:tav tm="0">
+                                          <p:val>
+                                            <p:strVal val="ppt_y"/>
+                                          </p:val>
+                                        </p:tav>
+                                        <p:tav tm="100000">
+                                          <p:val>
+                                            <p:strVal val="0-ppt_h/2"/>
+                                          </p:val>
+                                        </p:tav>
+                                      </p:tavLst>
+                                    </p:anim>
+                                    <p:set>
+                                      <p:cBhvr>
+                                        <p:cTn id="28" dur="1" fill="hold">
+                                          <p:stCondLst>
+                                            <p:cond delay="499"/>
+                                          </p:stCondLst>
+                                        </p:cTn>
+                                        <p:tgtEl>
+                                          <p:spTgt spid="33"/>
+                                        </p:tgtEl>
+                                        <p:attrNameLst>
+                                          <p:attrName>style.visibility</p:attrName>
+                                        </p:attrNameLst>
+                                      </p:cBhvr>
+                                      <p:to>
+                                        <p:strVal val="hidden"/>
+                                      </p:to>
+                                    </p:set>
+                                  </p:childTnLst>
+                                </p:cTn>
+                              </p:par>
+                              <p:par>
+                                <p:cTn id="29" presetID="42" presetClass="entr" presetSubtype="0" fill="hold" nodeType="withEffect">
+                                  <p:stCondLst>
+                                    <p:cond delay="0"/>
+                                  </p:stCondLst>
+                                  <p:childTnLst>
+                                    <p:set>
+                                      <p:cBhvr>
+                                        <p:cTn id="30" dur="1" fill="hold">
+                                          <p:stCondLst>
+                                            <p:cond delay="0"/>
+                                          </p:stCondLst>
+                                        </p:cTn>
+                                        <p:tgtEl>
+                                          <p:spTgt spid="35"/>
+                                        </p:tgtEl>
+                                        <p:attrNameLst>
+                                          <p:attrName>style.visibility</p:attrName>
+                                        </p:attrNameLst>
+                                      </p:cBhvr>
+                                      <p:to>
+                                        <p:strVal val="visible"/>
+                                      </p:to>
+                                    </p:set>
+                                    <p:animEffect transition="in" filter="fade">
+                                      <p:cBhvr>
+                                        <p:cTn id="31" dur="1000"/>
+                                        <p:tgtEl>
+                                          <p:spTgt spid="35"/>
+                                        </p:tgtEl>
+                                      </p:cBhvr>
+                                    </p:animEffect>
+                                    <p:anim calcmode="lin" valueType="num">
+                                      <p:cBhvr>
+                                        <p:cTn id="32" dur="1000" fill="hold"/>
+                                        <p:tgtEl>
+                                          <p:spTgt spid="35"/>
+                                        </p:tgtEl>
+                                        <p:attrNameLst>
+                                          <p:attrName>ppt_x</p:attrName>
+                                        </p:attrNameLst>
+                                      </p:cBhvr>
+                                      <p:tavLst>
+                                        <p:tav tm="0">
+                                          <p:val>
+                                            <p:strVal val="#ppt_x"/>
+                                          </p:val>
+                                        </p:tav>
+                                        <p:tav tm="100000">
+                                          <p:val>
+                                            <p:strVal val="#ppt_x"/>
+                                          </p:val>
+                                        </p:tav>
+                                      </p:tavLst>
+                                    </p:anim>
+                                    <p:anim calcmode="lin" valueType="num">
+                                      <p:cBhvr>
+                                        <p:cTn id="33" dur="1000" fill="hold"/>
+                                        <p:tgtEl>
+                                          <p:spTgt spid="35"/>
+                                        </p:tgtEl>
+                                        <p:attrNameLst>
+                                          <p:attrName>ppt_y</p:attrName>
+                                        </p:attrNameLst>
+                                      </p:cBhvr>
+                                      <p:tavLst>
+                                        <p:tav tm="0">
+                                          <p:val>
+                                            <p:strVal val="#ppt_y+.1"/>
+                                          </p:val>
+                                        </p:tav>
+                                        <p:tav tm="100000">
+                                          <p:val>
+                                            <p:strVal val="#ppt_y"/>
+                                          </p:val>
+                                        </p:tav>
+                                      </p:tavLst>
+                                    </p:anim>
+                                  </p:childTnLst>
+                                </p:cTn>
+                              </p:par>
+                            </p:childTnLst>
+                          </p:cTn>
+                        </p:par>
+                      </p:childTnLst>
+                    </p:cTn>
+                  </p:par>
+                </p:childTnLst>
+              </p:cTn>
+              <p:prevCondLst>
+                <p:cond evt="onPrev" delay="0">
+                  <p:tgtEl>
+                    <p:sldTgt/>
+                  </p:tgtEl>
+                </p:cond>
+              </p:prevCondLst>
+              <p:nextCondLst>
+                <p:cond evt="onNext" delay="0">
+                  <p:tgtEl>
+                    <p:sldTgt/>
+                  </p:tgtEl>
+                </p:cond>
+              </p:nextCondLst>
+            </p:seq>
+          </p:childTnLst>
+        </p:cTn>
+      </p:par>
+    </p:tnLst>
+    <p:bldLst>
+      <p:bldP spid="33" grpId="0" animBg="1"/>
+      <p:bldP spid="33" grpId="1" animBg="1"/>
+      <p:bldP spid="33" grpId="2" animBg="1"/>
+    </p:bldLst>
+  </p:timing>
+</p:sld>
+</file>
+
+<file path=ppt/slides/slide8.xml><?xml version="1.0" encoding="utf-8"?>
+<p:sld xmlns:a="http://schemas.openxmlformats.org/drawingml/2006/main" xmlns:r="http://schemas.openxmlformats.org/officeDocument/2006/relationships" xmlns:p="http://schemas.openxmlformats.org/presentationml/2006/main">
+  <p:cSld>
+    <p:bg>
+      <p:bgPr>
+        <a:solidFill>
+          <a:schemeClr val="bg1"/>
+        </a:solidFill>
+        <a:effectLst/>
+      </p:bgPr>
+    </p:bg>
+    <p:spTree>
+      <p:nvGrpSpPr>
+        <p:cNvPr id="1" name=""/>
+        <p:cNvGrpSpPr/>
+        <p:nvPr/>
+      </p:nvGrpSpPr>
+      <p:grpSpPr>
+        <a:xfrm>
+          <a:off x="0" y="0"/>
+          <a:ext cx="0" cy="0"/>
+          <a:chOff x="0" y="0"/>
+          <a:chExt cx="0" cy="0"/>
+        </a:xfrm>
+      </p:grpSpPr>
+      <p:pic>
+        <p:nvPicPr>
+          <p:cNvPr id="14" name="Grafik 13">
+            <a:extLst>
+              <a:ext uri="{FF2B5EF4-FFF2-40B4-BE49-F238E27FC236}">
+                <a16:creationId xmlns:a16="http://schemas.microsoft.com/office/drawing/2014/main" id="{8D12FA51-4C77-446F-9587-64FD86729728}"/>
+              </a:ext>
+            </a:extLst>
+          </p:cNvPr>
+          <p:cNvPicPr>
+            <a:picLocks noChangeAspect="1"/>
+          </p:cNvPicPr>
+          <p:nvPr/>
+        </p:nvPicPr>
+        <p:blipFill>
+          <a:blip r:embed="rId2">
+            <a:extLst>
+              <a:ext uri="{28A0092B-C50C-407E-A947-70E740481C1C}">
+                <a14:useLocalDpi xmlns:a14="http://schemas.microsoft.com/office/drawing/2010/main" val="0"/>
+              </a:ext>
+            </a:extLst>
+          </a:blip>
+          <a:stretch>
+            <a:fillRect/>
+          </a:stretch>
+        </p:blipFill>
+        <p:spPr>
+          <a:xfrm>
+            <a:off x="559087" y="891988"/>
+            <a:ext cx="3585312" cy="5074022"/>
+          </a:xfrm>
+          <a:prstGeom prst="rect">
+            <a:avLst/>
+          </a:prstGeom>
+          <a:solidFill>
+            <a:srgbClr val="FFFFFF">
+              <a:shade val="85000"/>
+            </a:srgbClr>
+          </a:solidFill>
+          <a:ln w="88900" cap="sq">
+            <a:solidFill>
+              <a:srgbClr val="FFFFFF"/>
+            </a:solidFill>
+            <a:miter lim="800000"/>
+          </a:ln>
+          <a:effectLst>
+            <a:outerShdw blurRad="55000" dist="18000" dir="5400000" algn="tl" rotWithShape="0">
+              <a:srgbClr val="000000">
+                <a:alpha val="40000"/>
+              </a:srgbClr>
+            </a:outerShdw>
+          </a:effectLst>
+          <a:scene3d>
+            <a:camera prst="orthographicFront"/>
+            <a:lightRig rig="twoPt" dir="t">
+              <a:rot lat="0" lon="0" rev="7200000"/>
+            </a:lightRig>
+          </a:scene3d>
+          <a:sp3d>
+            <a:bevelT w="25400" h="19050"/>
+            <a:contourClr>
+              <a:srgbClr val="FFFFFF"/>
+            </a:contourClr>
+          </a:sp3d>
+        </p:spPr>
+      </p:pic>
+      <p:sp>
+        <p:nvSpPr>
+          <p:cNvPr id="10" name="Rectangle 9">
+            <a:extLst>
+              <a:ext uri="{FF2B5EF4-FFF2-40B4-BE49-F238E27FC236}">
+                <a16:creationId xmlns:a16="http://schemas.microsoft.com/office/drawing/2014/main" id="{029DE7B6-DC7C-4BA1-B406-EDDA0C0A31C4}"/>
+              </a:ext>
+            </a:extLst>
+          </p:cNvPr>
+          <p:cNvSpPr>
+            <a:spLocks noGrp="1" noRot="1" noChangeAspect="1" noMove="1" noResize="1" noEditPoints="1" noAdjustHandles="1" noChangeArrowheads="1" noChangeShapeType="1" noTextEdit="1"/>
+          </p:cNvSpPr>
+          <p:nvPr>
+            <p:extLst>
+              <p:ext uri="{386F3935-93C4-4BCD-93E2-E3B085C9AB24}">
+                <p16:designElem xmlns:p16="http://schemas.microsoft.com/office/powerpoint/2015/main" val="1"/>
+              </p:ext>
+            </p:extLst>
+          </p:nvPr>
+        </p:nvSpPr>
+        <p:spPr>
+          <a:xfrm>
+            <a:off x="4654296" y="-2"/>
+            <a:ext cx="7537704" cy="6858002"/>
+          </a:xfrm>
+          <a:prstGeom prst="rect">
+            <a:avLst/>
+          </a:prstGeom>
+          <a:solidFill>
+            <a:schemeClr val="accent1"/>
+          </a:solidFill>
+          <a:ln>
+            <a:noFill/>
+          </a:ln>
+        </p:spPr>
+        <p:style>
+          <a:lnRef idx="2">
+            <a:schemeClr val="accent1">
+              <a:shade val="50000"/>
+            </a:schemeClr>
+          </a:lnRef>
+          <a:fillRef idx="1">
+            <a:schemeClr val="accent1"/>
+          </a:fillRef>
+          <a:effectRef idx="0">
+            <a:schemeClr val="accent1"/>
+          </a:effectRef>
+          <a:fontRef idx="minor">
+            <a:schemeClr val="lt1"/>
+          </a:fontRef>
+        </p:style>
+        <p:txBody>
+          <a:bodyPr rtlCol="0" anchor="ctr"/>
+          <a:lstStyle/>
+          <a:p>
+            <a:pPr marL="0" marR="0" lvl="0" indent="0" algn="ctr" defTabSz="914400" rtl="0" eaLnBrk="1" fontAlgn="auto" latinLnBrk="0" hangingPunct="1">
+              <a:lnSpc>
+                <a:spcPct val="100000"/>
+              </a:lnSpc>
+              <a:spcBef>
+                <a:spcPts val="0"/>
+              </a:spcBef>
+              <a:spcAft>
+                <a:spcPts val="0"/>
+              </a:spcAft>
+              <a:buClrTx/>
+              <a:buSzTx/>
+              <a:buFontTx/>
+              <a:buNone/>
+              <a:tabLst/>
+              <a:defRPr/>
+            </a:pPr>
+            <a:endParaRPr kumimoji="0" lang="en-US" sz="1800" b="0" i="0" u="none" strike="noStrike" kern="1200" cap="none" spc="0" normalizeH="0" baseline="0" noProof="0">
+              <a:ln>
+                <a:noFill/>
+              </a:ln>
+              <a:solidFill>
+                <a:prstClr val="white"/>
+              </a:solidFill>
+              <a:effectLst/>
+              <a:uLnTx/>
+              <a:uFillTx/>
+              <a:latin typeface="Calibri" panose="020F0502020204030204"/>
+              <a:ea typeface="+mn-ea"/>
+              <a:cs typeface="+mn-cs"/>
+            </a:endParaRPr>
+          </a:p>
+        </p:txBody>
+      </p:sp>
+      <p:sp>
+        <p:nvSpPr>
+          <p:cNvPr id="2" name="Titel 1">
+            <a:extLst>
+              <a:ext uri="{FF2B5EF4-FFF2-40B4-BE49-F238E27FC236}">
+                <a16:creationId xmlns:a16="http://schemas.microsoft.com/office/drawing/2014/main" id="{26912FEF-643E-4013-B8ED-F0810C4411DC}"/>
+              </a:ext>
+            </a:extLst>
+          </p:cNvPr>
+          <p:cNvSpPr>
+            <a:spLocks noGrp="1"/>
+          </p:cNvSpPr>
+          <p:nvPr>
+            <p:ph type="title"/>
+          </p:nvPr>
+        </p:nvSpPr>
+        <p:spPr>
+          <a:xfrm>
+            <a:off x="5189620" y="1306071"/>
+            <a:ext cx="5478379" cy="2663407"/>
+          </a:xfrm>
+        </p:spPr>
+        <p:txBody>
+          <a:bodyPr vert="horz" lIns="91440" tIns="45720" rIns="91440" bIns="45720" rtlCol="0" anchor="b">
+            <a:normAutofit/>
+          </a:bodyPr>
+          <a:lstStyle/>
+          <a:p>
+            <a:r>
+              <a:rPr lang="en-US" sz="5400" kern="1200">
+                <a:solidFill>
+                  <a:srgbClr val="FFFFFF"/>
+                </a:solidFill>
+                <a:latin typeface="+mj-lt"/>
+                <a:ea typeface="+mj-ea"/>
+                <a:cs typeface="+mj-cs"/>
+              </a:rPr>
+              <a:t>Online-Wahl per QR-Code</a:t>
+            </a:r>
+          </a:p>
+        </p:txBody>
+      </p:sp>
+      <p:grpSp>
+        <p:nvGrpSpPr>
+          <p:cNvPr id="3" name="Gruppieren 2">
+            <a:extLst>
+              <a:ext uri="{FF2B5EF4-FFF2-40B4-BE49-F238E27FC236}">
+                <a16:creationId xmlns:a16="http://schemas.microsoft.com/office/drawing/2014/main" id="{FEF93940-087F-4759-BBB6-A27A761A62C1}"/>
+              </a:ext>
+            </a:extLst>
+          </p:cNvPr>
+          <p:cNvGrpSpPr/>
+          <p:nvPr/>
+        </p:nvGrpSpPr>
+        <p:grpSpPr>
+          <a:xfrm>
+            <a:off x="1343165" y="2347104"/>
+            <a:ext cx="3204108" cy="1814056"/>
+            <a:chOff x="1343165" y="3088842"/>
+            <a:chExt cx="1894000" cy="1072318"/>
+          </a:xfrm>
+        </p:grpSpPr>
+        <p:sp>
+          <p:nvSpPr>
+            <p:cNvPr id="19" name="Rechteck 18">
+              <a:extLst>
+                <a:ext uri="{FF2B5EF4-FFF2-40B4-BE49-F238E27FC236}">
+                  <a16:creationId xmlns:a16="http://schemas.microsoft.com/office/drawing/2014/main" id="{C955A559-4BF0-4335-941A-5E675BF10628}"/>
+                </a:ext>
+              </a:extLst>
+            </p:cNvPr>
+            <p:cNvSpPr/>
+            <p:nvPr/>
+          </p:nvSpPr>
+          <p:spPr>
+            <a:xfrm rot="5400000">
+              <a:off x="1754006" y="2678001"/>
+              <a:ext cx="1072318" cy="1894000"/>
+            </a:xfrm>
+            <a:prstGeom prst="rect">
+              <a:avLst/>
+            </a:prstGeom>
+            <a:ln>
+              <a:noFill/>
+            </a:ln>
+          </p:spPr>
+          <p:style>
+            <a:lnRef idx="2">
+              <a:schemeClr val="dk1"/>
+            </a:lnRef>
+            <a:fillRef idx="1">
+              <a:schemeClr val="lt1"/>
+            </a:fillRef>
+            <a:effectRef idx="0">
+              <a:schemeClr val="dk1"/>
+            </a:effectRef>
+            <a:fontRef idx="minor">
+              <a:schemeClr val="dk1"/>
+            </a:fontRef>
+          </p:style>
+          <p:txBody>
+            <a:bodyPr rtlCol="0" anchor="ctr"/>
+            <a:lstStyle/>
+            <a:p>
+              <a:pPr algn="ctr"/>
+              <a:endParaRPr lang="de-DE"/>
+            </a:p>
+          </p:txBody>
+        </p:sp>
+        <p:pic>
+          <p:nvPicPr>
+            <p:cNvPr id="18" name="Grafik 17">
+              <a:extLst>
+                <a:ext uri="{FF2B5EF4-FFF2-40B4-BE49-F238E27FC236}">
+                  <a16:creationId xmlns:a16="http://schemas.microsoft.com/office/drawing/2014/main" id="{219E087B-A522-438A-A9FD-53216C0BD90D}"/>
+                </a:ext>
+              </a:extLst>
+            </p:cNvPr>
+            <p:cNvPicPr>
+              <a:picLocks noChangeAspect="1"/>
+            </p:cNvPicPr>
+            <p:nvPr/>
+          </p:nvPicPr>
+          <p:blipFill rotWithShape="1">
+            <a:blip r:embed="rId2">
+              <a:extLst>
+                <a:ext uri="{28A0092B-C50C-407E-A947-70E740481C1C}">
+                  <a14:useLocalDpi xmlns:a14="http://schemas.microsoft.com/office/drawing/2010/main" val="0"/>
+                </a:ext>
+              </a:extLst>
+            </a:blip>
+            <a:srcRect t="26639" b="8064"/>
+            <a:stretch/>
+          </p:blipFill>
+          <p:spPr>
+            <a:xfrm>
+              <a:off x="1832485" y="3128677"/>
+              <a:ext cx="1081683" cy="999577"/>
+            </a:xfrm>
+            <a:prstGeom prst="rect">
+              <a:avLst/>
+            </a:prstGeom>
+            <a:solidFill>
+              <a:srgbClr val="FFFFFF">
+                <a:shade val="85000"/>
+              </a:srgbClr>
+            </a:solidFill>
+            <a:ln w="88900" cap="sq">
+              <a:noFill/>
+              <a:miter lim="800000"/>
+            </a:ln>
+            <a:effectLst/>
+          </p:spPr>
+        </p:pic>
+      </p:grpSp>
+      <p:pic>
+        <p:nvPicPr>
+          <p:cNvPr id="6" name="Grafik 5">
+            <a:extLst>
+              <a:ext uri="{FF2B5EF4-FFF2-40B4-BE49-F238E27FC236}">
+                <a16:creationId xmlns:a16="http://schemas.microsoft.com/office/drawing/2014/main" id="{B371CF46-C8E6-4CFF-994D-C7D1D7F5C96F}"/>
+              </a:ext>
+            </a:extLst>
+          </p:cNvPr>
+          <p:cNvPicPr>
+            <a:picLocks noChangeAspect="1"/>
+          </p:cNvPicPr>
+          <p:nvPr/>
+        </p:nvPicPr>
+        <p:blipFill rotWithShape="1">
+          <a:blip r:embed="rId3">
+            <a:extLst>
+              <a:ext uri="{28A0092B-C50C-407E-A947-70E740481C1C}">
+                <a14:useLocalDpi xmlns:a14="http://schemas.microsoft.com/office/drawing/2010/main" val="0"/>
+              </a:ext>
+            </a:extLst>
+          </a:blip>
+          <a:srcRect b="70200"/>
+          <a:stretch/>
+        </p:blipFill>
+        <p:spPr>
+          <a:xfrm>
+            <a:off x="6412629" y="2095770"/>
+            <a:ext cx="4021037" cy="2402272"/>
+          </a:xfrm>
+          <a:prstGeom prst="rect">
+            <a:avLst/>
+          </a:prstGeom>
+        </p:spPr>
+      </p:pic>
+      <p:pic>
+        <p:nvPicPr>
+          <p:cNvPr id="5" name="Inhaltsplatzhalter 4" descr="Smartphone">
+            <a:extLst>
+              <a:ext uri="{FF2B5EF4-FFF2-40B4-BE49-F238E27FC236}">
+                <a16:creationId xmlns:a16="http://schemas.microsoft.com/office/drawing/2014/main" id="{3213E89D-2F12-4EBD-94FB-2C603A0017D9}"/>
+              </a:ext>
+            </a:extLst>
+          </p:cNvPr>
+          <p:cNvPicPr>
+            <a:picLocks noGrp="1" noChangeAspect="1"/>
+          </p:cNvPicPr>
+          <p:nvPr>
+            <p:ph idx="1"/>
+          </p:nvPr>
+        </p:nvPicPr>
+        <p:blipFill>
+          <a:blip r:embed="rId4">
+            <a:extLst>
+              <a:ext uri="{28A0092B-C50C-407E-A947-70E740481C1C}">
+                <a14:useLocalDpi xmlns:a14="http://schemas.microsoft.com/office/drawing/2010/main" val="0"/>
+              </a:ext>
+              <a:ext uri="{96DAC541-7B7A-43D3-8B79-37D633B846F1}">
+                <asvg:svgBlip xmlns:asvg="http://schemas.microsoft.com/office/drawing/2016/SVG/main" r:embed="rId5"/>
+              </a:ext>
+            </a:extLst>
+          </a:blip>
+          <a:stretch>
+            <a:fillRect/>
+          </a:stretch>
+        </p:blipFill>
+        <p:spPr>
+          <a:xfrm rot="5400000">
+            <a:off x="1071991" y="1180747"/>
+            <a:ext cx="4146769" cy="4146769"/>
+          </a:xfrm>
+          <a:prstGeom prst="rect">
+            <a:avLst/>
+          </a:prstGeom>
+        </p:spPr>
+      </p:pic>
+    </p:spTree>
+    <p:extLst>
+      <p:ext uri="{BB962C8B-B14F-4D97-AF65-F5344CB8AC3E}">
+        <p14:creationId xmlns:p14="http://schemas.microsoft.com/office/powerpoint/2010/main" val="230751950"/>
+      </p:ext>
+    </p:extLst>
+  </p:cSld>
+  <p:clrMapOvr>
+    <a:masterClrMapping/>
+  </p:clrMapOvr>
+  <p:timing>
+    <p:tnLst>
+      <p:par>
+        <p:cTn id="1" dur="indefinite" restart="never" nodeType="tmRoot">
+          <p:childTnLst>
+            <p:seq concurrent="1" nextAc="seek">
+              <p:cTn id="2" dur="indefinite" nodeType="mainSeq">
+                <p:childTnLst>
+                  <p:par>
+                    <p:cTn id="3" fill="hold">
+                      <p:stCondLst>
+                        <p:cond delay="indefinite"/>
+                        <p:cond evt="onBegin" delay="0">
+                          <p:tn val="2"/>
+                        </p:cond>
+                      </p:stCondLst>
+                      <p:childTnLst>
+                        <p:par>
+                          <p:cTn id="4" fill="hold">
+                            <p:stCondLst>
+                              <p:cond delay="0"/>
+                            </p:stCondLst>
+                            <p:childTnLst>
+                              <p:par>
+                                <p:cTn id="5" presetID="10" presetClass="entr" presetSubtype="0" fill="hold" nodeType="withEffect">
+                                  <p:stCondLst>
+                                    <p:cond delay="0"/>
+                                  </p:stCondLst>
+                                  <p:childTnLst>
+                                    <p:set>
+                                      <p:cBhvr>
+                                        <p:cTn id="6" dur="1" fill="hold">
+                                          <p:stCondLst>
+                                            <p:cond delay="0"/>
+                                          </p:stCondLst>
+                                        </p:cTn>
+                                        <p:tgtEl>
+                                          <p:spTgt spid="5"/>
+                                        </p:tgtEl>
+                                        <p:attrNameLst>
+                                          <p:attrName>style.visibility</p:attrName>
+                                        </p:attrNameLst>
+                                      </p:cBhvr>
+                                      <p:to>
+                                        <p:strVal val="visible"/>
+                                      </p:to>
+                                    </p:set>
+                                    <p:animEffect transition="in" filter="fade">
+                                      <p:cBhvr>
+                                        <p:cTn id="7" dur="500"/>
+                                        <p:tgtEl>
+                                          <p:spTgt spid="5"/>
+                                        </p:tgtEl>
+                                      </p:cBhvr>
+                                    </p:animEffect>
+                                  </p:childTnLst>
+                                </p:cTn>
+                              </p:par>
+                              <p:par>
+                                <p:cTn id="8" presetID="10" presetClass="entr" presetSubtype="0" fill="hold" nodeType="withEffect">
+                                  <p:stCondLst>
+                                    <p:cond delay="0"/>
+                                  </p:stCondLst>
+                                  <p:childTnLst>
+                                    <p:set>
+                                      <p:cBhvr>
+                                        <p:cTn id="9" dur="1" fill="hold">
+                                          <p:stCondLst>
+                                            <p:cond delay="0"/>
+                                          </p:stCondLst>
+                                        </p:cTn>
+                                        <p:tgtEl>
+                                          <p:spTgt spid="5"/>
+                                        </p:tgtEl>
+                                        <p:attrNameLst>
+                                          <p:attrName>style.visibility</p:attrName>
+                                        </p:attrNameLst>
+                                      </p:cBhvr>
+                                      <p:to>
+                                        <p:strVal val="visible"/>
+                                      </p:to>
+                                    </p:set>
+                                    <p:animEffect transition="in" filter="fade">
+                                      <p:cBhvr>
+                                        <p:cTn id="10" dur="500"/>
+                                        <p:tgtEl>
+                                          <p:spTgt spid="5"/>
+                                        </p:tgtEl>
+                                      </p:cBhvr>
+                                    </p:animEffect>
+                                  </p:childTnLst>
+                                </p:cTn>
+                              </p:par>
+                              <p:par>
+                                <p:cTn id="11" presetID="10" presetClass="entr" presetSubtype="0" fill="hold" nodeType="withEffect">
+                                  <p:stCondLst>
+                                    <p:cond delay="0"/>
+                                  </p:stCondLst>
+                                  <p:childTnLst>
+                                    <p:set>
+                                      <p:cBhvr>
+                                        <p:cTn id="12" dur="1" fill="hold">
+                                          <p:stCondLst>
+                                            <p:cond delay="0"/>
+                                          </p:stCondLst>
+                                        </p:cTn>
+                                        <p:tgtEl>
+                                          <p:spTgt spid="3"/>
+                                        </p:tgtEl>
+                                        <p:attrNameLst>
+                                          <p:attrName>style.visibility</p:attrName>
+                                        </p:attrNameLst>
+                                      </p:cBhvr>
+                                      <p:to>
+                                        <p:strVal val="visible"/>
+                                      </p:to>
+                                    </p:set>
+                                    <p:animEffect transition="in" filter="fade">
+                                      <p:cBhvr>
+                                        <p:cTn id="13" dur="500"/>
+                                        <p:tgtEl>
+                                          <p:spTgt spid="3"/>
+                                        </p:tgtEl>
+                                      </p:cBhvr>
+                                    </p:animEffect>
+                                  </p:childTnLst>
+                                </p:cTn>
+                              </p:par>
+                              <p:par>
+                                <p:cTn id="14" presetID="9" presetClass="emph" presetSubtype="0" nodeType="withEffect">
+                                  <p:stCondLst>
+                                    <p:cond delay="0"/>
+                                  </p:stCondLst>
+                                  <p:childTnLst>
+                                    <p:set>
+                                      <p:cBhvr>
+                                        <p:cTn id="15" dur="indefinite"/>
+                                        <p:tgtEl>
+                                          <p:spTgt spid="14"/>
+                                        </p:tgtEl>
+                                        <p:attrNameLst>
+                                          <p:attrName>style.opacity</p:attrName>
+                                        </p:attrNameLst>
+                                      </p:cBhvr>
+                                      <p:to>
+                                        <p:strVal val="0.5"/>
+                                      </p:to>
+                                    </p:set>
+                                    <p:animEffect filter="image" prLst="opacity: 0.5">
+                                      <p:cBhvr rctx="IE">
+                                        <p:cTn id="16" dur="indefinite"/>
+                                        <p:tgtEl>
+                                          <p:spTgt spid="14"/>
+                                        </p:tgtEl>
+                                      </p:cBhvr>
+                                    </p:animEffect>
+                                  </p:childTnLst>
+                                </p:cTn>
+                              </p:par>
+                            </p:childTnLst>
+                          </p:cTn>
+                        </p:par>
+                      </p:childTnLst>
+                    </p:cTn>
+                  </p:par>
+                  <p:par>
+                    <p:cTn id="17" fill="hold">
+                      <p:stCondLst>
+                        <p:cond delay="indefinite"/>
+                      </p:stCondLst>
+                      <p:childTnLst>
+                        <p:par>
+                          <p:cTn id="18" fill="hold">
+                            <p:stCondLst>
+                              <p:cond delay="0"/>
+                            </p:stCondLst>
+                            <p:childTnLst>
+                              <p:par>
+                                <p:cTn id="19" presetID="42" presetClass="path" presetSubtype="0" accel="50000" decel="50000" fill="hold" nodeType="clickEffect">
+                                  <p:stCondLst>
+                                    <p:cond delay="0"/>
+                                  </p:stCondLst>
+                                  <p:childTnLst>
+                                    <p:animMotion origin="layout" path="M -2.70833E-6 2.96296E-6 L 0.43542 0.01041 " pathEditMode="relative" rAng="0" ptsTypes="AA">
+                                      <p:cBhvr>
+                                        <p:cTn id="20" dur="2000" fill="hold"/>
+                                        <p:tgtEl>
+                                          <p:spTgt spid="5"/>
+                                        </p:tgtEl>
+                                        <p:attrNameLst>
+                                          <p:attrName>ppt_x</p:attrName>
+                                          <p:attrName>ppt_y</p:attrName>
+                                        </p:attrNameLst>
+                                      </p:cBhvr>
+                                      <p:rCtr x="21771" y="509"/>
+                                    </p:animMotion>
+                                  </p:childTnLst>
+                                </p:cTn>
+                              </p:par>
+                              <p:par>
+                                <p:cTn id="21" presetID="42" presetClass="path" presetSubtype="0" accel="50000" decel="50000" fill="hold" nodeType="withEffect">
+                                  <p:stCondLst>
+                                    <p:cond delay="0"/>
+                                  </p:stCondLst>
+                                  <p:childTnLst>
+                                    <p:animMotion origin="layout" path="M 3.54167E-6 4.44444E-6 L 0.44375 0.01458 " pathEditMode="relative" rAng="0" ptsTypes="AA">
+                                      <p:cBhvr>
+                                        <p:cTn id="22" dur="2000" fill="hold"/>
+                                        <p:tgtEl>
+                                          <p:spTgt spid="3"/>
+                                        </p:tgtEl>
+                                        <p:attrNameLst>
+                                          <p:attrName>ppt_x</p:attrName>
+                                          <p:attrName>ppt_y</p:attrName>
+                                        </p:attrNameLst>
+                                      </p:cBhvr>
+                                      <p:rCtr x="22187" y="718"/>
+                                    </p:animMotion>
+                                  </p:childTnLst>
+                                </p:cTn>
+                              </p:par>
+                              <p:par>
+                                <p:cTn id="23" presetID="6" presetClass="emph" presetSubtype="0" fill="hold" nodeType="withEffect">
+                                  <p:stCondLst>
+                                    <p:cond delay="0"/>
+                                  </p:stCondLst>
+                                  <p:childTnLst>
+                                    <p:animScale>
+                                      <p:cBhvr>
+                                        <p:cTn id="24" dur="2000" fill="hold"/>
+                                        <p:tgtEl>
+                                          <p:spTgt spid="5"/>
+                                        </p:tgtEl>
+                                      </p:cBhvr>
+                                      <p:by x="150000" y="150000"/>
+                                    </p:animScale>
+                                  </p:childTnLst>
+                                </p:cTn>
+                              </p:par>
+                              <p:par>
+                                <p:cTn id="25" presetID="6" presetClass="emph" presetSubtype="0" fill="hold" nodeType="withEffect">
+                                  <p:stCondLst>
+                                    <p:cond delay="0"/>
+                                  </p:stCondLst>
+                                  <p:childTnLst>
+                                    <p:animScale>
+                                      <p:cBhvr>
+                                        <p:cTn id="26" dur="2000" fill="hold"/>
+                                        <p:tgtEl>
+                                          <p:spTgt spid="3"/>
+                                        </p:tgtEl>
+                                      </p:cBhvr>
+                                      <p:by x="150000" y="150000"/>
+                                    </p:animScale>
+                                  </p:childTnLst>
+                                </p:cTn>
+                              </p:par>
+                            </p:childTnLst>
+                          </p:cTn>
+                        </p:par>
+                        <p:par>
+                          <p:cTn id="27" fill="hold">
+                            <p:stCondLst>
+                              <p:cond delay="2000"/>
+                            </p:stCondLst>
+                            <p:childTnLst>
+                              <p:par>
+                                <p:cTn id="28" presetID="22" presetClass="entr" presetSubtype="1" fill="hold" nodeType="afterEffect">
+                                  <p:stCondLst>
+                                    <p:cond delay="0"/>
+                                  </p:stCondLst>
+                                  <p:childTnLst>
+                                    <p:set>
+                                      <p:cBhvr>
+                                        <p:cTn id="29" dur="1" fill="hold">
+                                          <p:stCondLst>
+                                            <p:cond delay="0"/>
+                                          </p:stCondLst>
+                                        </p:cTn>
+                                        <p:tgtEl>
+                                          <p:spTgt spid="6"/>
+                                        </p:tgtEl>
+                                        <p:attrNameLst>
+                                          <p:attrName>style.visibility</p:attrName>
+                                        </p:attrNameLst>
+                                      </p:cBhvr>
+                                      <p:to>
+                                        <p:strVal val="visible"/>
+                                      </p:to>
+                                    </p:set>
+                                    <p:animEffect transition="in" filter="wipe(up)">
+                                      <p:cBhvr>
+                                        <p:cTn id="30" dur="500"/>
+                                        <p:tgtEl>
+                                          <p:spTgt spid="6"/>
+                                        </p:tgtEl>
+                                      </p:cBhvr>
+                                    </p:animEffect>
+                                  </p:childTnLst>
+                                </p:cTn>
+                              </p:par>
+                            </p:childTnLst>
+                          </p:cTn>
+                        </p:par>
+                      </p:childTnLst>
+                    </p:cTn>
+                  </p:par>
+                </p:childTnLst>
+              </p:cTn>
+              <p:prevCondLst>
+                <p:cond evt="onPrev" delay="0">
+                  <p:tgtEl>
+                    <p:sldTgt/>
+                  </p:tgtEl>
+                </p:cond>
+              </p:prevCondLst>
+              <p:nextCondLst>
+                <p:cond evt="onNext" delay="0">
+                  <p:tgtEl>
+                    <p:sldTgt/>
+                  </p:tgtEl>
+                </p:cond>
+              </p:nextCondLst>
+            </p:seq>
+          </p:childTnLst>
+        </p:cTn>
+      </p:par>
+    </p:tnLst>
+  </p:timing>
+</p:sld>
+</file>
+
+<file path=ppt/slides/slide9.xml><?xml version="1.0" encoding="utf-8"?>
+<p:sld xmlns:a="http://schemas.openxmlformats.org/drawingml/2006/main" xmlns:r="http://schemas.openxmlformats.org/officeDocument/2006/relationships" xmlns:p="http://schemas.openxmlformats.org/presentationml/2006/main">
+  <p:cSld>
+    <p:bg>
+      <p:bgPr>
+        <a:solidFill>
+          <a:schemeClr val="bg1"/>
+        </a:solidFill>
+        <a:effectLst/>
+      </p:bgPr>
+    </p:bg>
+    <p:spTree>
+      <p:nvGrpSpPr>
+        <p:cNvPr id="1" name=""/>
+        <p:cNvGrpSpPr/>
+        <p:nvPr/>
+      </p:nvGrpSpPr>
+      <p:grpSpPr>
+        <a:xfrm>
+          <a:off x="0" y="0"/>
+          <a:ext cx="0" cy="0"/>
+          <a:chOff x="0" y="0"/>
+          <a:chExt cx="0" cy="0"/>
+        </a:xfrm>
+      </p:grpSpPr>
+      <p:sp useBgFill="1">
+        <p:nvSpPr>
+          <p:cNvPr id="9" name="Rectangle 8">
+            <a:extLst>
+              <a:ext uri="{FF2B5EF4-FFF2-40B4-BE49-F238E27FC236}">
+                <a16:creationId xmlns:a16="http://schemas.microsoft.com/office/drawing/2014/main" id="{559AE206-7EBA-4D33-8BC9-9D8158553F0E}"/>
+              </a:ext>
+            </a:extLst>
+          </p:cNvPr>
+          <p:cNvSpPr>
+            <a:spLocks noGrp="1" noRot="1" noChangeAspect="1" noMove="1" noResize="1" noEditPoints="1" noAdjustHandles="1" noChangeArrowheads="1" noChangeShapeType="1" noTextEdit="1"/>
+          </p:cNvSpPr>
+          <p:nvPr>
+            <p:extLst>
+              <p:ext uri="{386F3935-93C4-4BCD-93E2-E3B085C9AB24}">
+                <p16:designElem xmlns:p16="http://schemas.microsoft.com/office/powerpoint/2015/main" val="1"/>
+              </p:ext>
+            </p:extLst>
+          </p:nvPr>
+        </p:nvSpPr>
+        <p:spPr>
+          <a:xfrm>
+            <a:off x="0" y="0"/>
+            <a:ext cx="12192000" cy="6858000"/>
+          </a:xfrm>
+          <a:prstGeom prst="rect">
+            <a:avLst/>
+          </a:prstGeom>
+          <a:ln>
+            <a:noFill/>
+          </a:ln>
+        </p:spPr>
+        <p:style>
+          <a:lnRef idx="2">
+            <a:schemeClr val="accent1">
+              <a:shade val="50000"/>
+            </a:schemeClr>
+          </a:lnRef>
+          <a:fillRef idx="1">
+            <a:schemeClr val="accent1"/>
+          </a:fillRef>
+          <a:effectRef idx="0">
+            <a:schemeClr val="accent1"/>
+          </a:effectRef>
+          <a:fontRef idx="minor">
+            <a:schemeClr val="lt1"/>
+          </a:fontRef>
+        </p:style>
+        <p:txBody>
+          <a:bodyPr rtlCol="0" anchor="ctr"/>
+          <a:lstStyle/>
+          <a:p>
+            <a:pPr marL="0" marR="0" lvl="0" indent="0" algn="ctr" defTabSz="914400" rtl="0" eaLnBrk="1" fontAlgn="auto" latinLnBrk="0" hangingPunct="1">
+              <a:lnSpc>
+                <a:spcPct val="100000"/>
+              </a:lnSpc>
+              <a:spcBef>
+                <a:spcPts val="0"/>
+              </a:spcBef>
+              <a:spcAft>
+                <a:spcPts val="0"/>
+              </a:spcAft>
+              <a:buClrTx/>
+              <a:buSzTx/>
+              <a:buFontTx/>
+              <a:buNone/>
+              <a:tabLst/>
+              <a:defRPr/>
+            </a:pPr>
+            <a:endParaRPr kumimoji="0" lang="en-US" sz="1800" b="0" i="0" u="none" strike="noStrike" kern="1200" cap="none" spc="0" normalizeH="0" baseline="0" noProof="0">
+              <a:ln>
+                <a:noFill/>
+              </a:ln>
+              <a:solidFill>
+                <a:prstClr val="white"/>
+              </a:solidFill>
+              <a:effectLst/>
+              <a:uLnTx/>
+              <a:uFillTx/>
+              <a:latin typeface="Calibri" panose="020F0502020204030204"/>
+              <a:ea typeface="+mn-ea"/>
+              <a:cs typeface="+mn-cs"/>
+            </a:endParaRPr>
+          </a:p>
+        </p:txBody>
+      </p:sp>
+      <p:cxnSp>
+        <p:nvCxnSpPr>
+          <p:cNvPr id="11" name="Straight Connector 10">
+            <a:extLst>
+              <a:ext uri="{FF2B5EF4-FFF2-40B4-BE49-F238E27FC236}">
+                <a16:creationId xmlns:a16="http://schemas.microsoft.com/office/drawing/2014/main" id="{9E8E38ED-369A-44C2-B635-0BED0E48A6E8}"/>
+              </a:ext>
+            </a:extLst>
+          </p:cNvPr>
+          <p:cNvCxnSpPr>
+            <a:cxnSpLocks noGrp="1" noRot="1" noChangeAspect="1" noMove="1" noResize="1" noEditPoints="1" noAdjustHandles="1" noChangeArrowheads="1" noChangeShapeType="1"/>
+          </p:cNvCxnSpPr>
+          <p:nvPr>
+            <p:extLst>
+              <p:ext uri="{386F3935-93C4-4BCD-93E2-E3B085C9AB24}">
+                <p16:designElem xmlns:p16="http://schemas.microsoft.com/office/powerpoint/2015/main" val="1"/>
+              </p:ext>
+            </p:extLst>
+          </p:nvPr>
+        </p:nvCxnSpPr>
+        <p:spPr>
+          <a:xfrm>
+            <a:off x="7800392" y="4525347"/>
+            <a:ext cx="0" cy="1737360"/>
+          </a:xfrm>
+          <a:prstGeom prst="line">
+            <a:avLst/>
+          </a:prstGeom>
+          <a:ln w="19050" cap="sq">
+            <a:solidFill>
+              <a:schemeClr val="tx1"/>
+            </a:solidFill>
+          </a:ln>
+        </p:spPr>
+        <p:style>
+          <a:lnRef idx="1">
+            <a:schemeClr val="accent1"/>
+          </a:lnRef>
+          <a:fillRef idx="0">
+            <a:schemeClr val="accent1"/>
+          </a:fillRef>
+          <a:effectRef idx="0">
+            <a:schemeClr val="accent1"/>
+          </a:effectRef>
+          <a:fontRef idx="minor">
+            <a:schemeClr val="tx1"/>
+          </a:fontRef>
+        </p:style>
+      </p:cxnSp>
+      <p:sp>
+        <p:nvSpPr>
+          <p:cNvPr id="13" name="Oval 12">
+            <a:extLst>
+              <a:ext uri="{FF2B5EF4-FFF2-40B4-BE49-F238E27FC236}">
+                <a16:creationId xmlns:a16="http://schemas.microsoft.com/office/drawing/2014/main" id="{B672F332-AF08-46C6-94F0-77684310D7B7}"/>
+              </a:ext>
+            </a:extLst>
+          </p:cNvPr>
+          <p:cNvSpPr>
+            <a:spLocks noGrp="1" noRot="1" noChangeAspect="1" noMove="1" noResize="1" noEditPoints="1" noAdjustHandles="1" noChangeArrowheads="1" noChangeShapeType="1" noTextEdit="1"/>
+          </p:cNvSpPr>
+          <p:nvPr>
+            <p:extLst>
+              <p:ext uri="{386F3935-93C4-4BCD-93E2-E3B085C9AB24}">
+                <p16:designElem xmlns:p16="http://schemas.microsoft.com/office/powerpoint/2015/main" val="1"/>
+              </p:ext>
+            </p:extLst>
+          </p:nvPr>
+        </p:nvSpPr>
+        <p:spPr>
+          <a:xfrm>
+            <a:off x="3395001" y="2466604"/>
+            <a:ext cx="962395" cy="962395"/>
+          </a:xfrm>
+          <a:prstGeom prst="ellipse">
+            <a:avLst/>
+          </a:prstGeom>
+          <a:solidFill>
+            <a:schemeClr val="accent4"/>
+          </a:solidFill>
+          <a:ln>
+            <a:noFill/>
+          </a:ln>
+        </p:spPr>
+        <p:style>
+          <a:lnRef idx="2">
+            <a:schemeClr val="accent1">
+              <a:shade val="50000"/>
+            </a:schemeClr>
+          </a:lnRef>
+          <a:fillRef idx="1">
+            <a:schemeClr val="accent1"/>
+          </a:fillRef>
+          <a:effectRef idx="0">
+            <a:schemeClr val="accent1"/>
+          </a:effectRef>
+          <a:fontRef idx="minor">
+            <a:schemeClr val="lt1"/>
+          </a:fontRef>
+        </p:style>
+        <p:txBody>
+          <a:bodyPr rtlCol="0" anchor="ctr"/>
+          <a:lstStyle/>
+          <a:p>
+            <a:pPr marL="0" marR="0" lvl="0" indent="0" algn="ctr" defTabSz="914400" rtl="0" eaLnBrk="1" fontAlgn="auto" latinLnBrk="0" hangingPunct="1">
+              <a:lnSpc>
+                <a:spcPct val="100000"/>
+              </a:lnSpc>
+              <a:spcBef>
+                <a:spcPts val="0"/>
+              </a:spcBef>
+              <a:spcAft>
+                <a:spcPts val="0"/>
+              </a:spcAft>
+              <a:buClrTx/>
+              <a:buSzTx/>
+              <a:buFontTx/>
+              <a:buNone/>
+              <a:tabLst/>
+              <a:defRPr/>
+            </a:pPr>
+            <a:endParaRPr kumimoji="0" lang="en-US" sz="1800" b="0" i="0" u="none" strike="noStrike" kern="1200" cap="none" spc="0" normalizeH="0" baseline="0" noProof="0">
+              <a:ln>
+                <a:noFill/>
+              </a:ln>
+              <a:solidFill>
+                <a:prstClr val="white"/>
+              </a:solidFill>
+              <a:effectLst/>
+              <a:uLnTx/>
+              <a:uFillTx/>
+              <a:latin typeface="Calibri" panose="020F0502020204030204"/>
+              <a:ea typeface="+mn-ea"/>
+              <a:cs typeface="+mn-cs"/>
+            </a:endParaRPr>
+          </a:p>
+        </p:txBody>
+      </p:sp>
+      <p:sp>
+        <p:nvSpPr>
+          <p:cNvPr id="15" name="Oval 14">
+            <a:extLst>
+              <a:ext uri="{FF2B5EF4-FFF2-40B4-BE49-F238E27FC236}">
+                <a16:creationId xmlns:a16="http://schemas.microsoft.com/office/drawing/2014/main" id="{34244EF8-D73A-40E1-BE73-D46E6B4B04ED}"/>
+              </a:ext>
+            </a:extLst>
+          </p:cNvPr>
+          <p:cNvSpPr>
+            <a:spLocks noGrp="1" noRot="1" noChangeAspect="1" noMove="1" noResize="1" noEditPoints="1" noAdjustHandles="1" noChangeArrowheads="1" noChangeShapeType="1" noTextEdit="1"/>
+          </p:cNvSpPr>
+          <p:nvPr>
+            <p:extLst>
+              <p:ext uri="{386F3935-93C4-4BCD-93E2-E3B085C9AB24}">
+                <p16:designElem xmlns:p16="http://schemas.microsoft.com/office/powerpoint/2015/main" val="1"/>
+              </p:ext>
+            </p:extLst>
+          </p:nvPr>
+        </p:nvSpPr>
+        <p:spPr>
+          <a:xfrm>
+            <a:off x="5125829" y="2327988"/>
+            <a:ext cx="293695" cy="293695"/>
+          </a:xfrm>
+          <a:prstGeom prst="ellipse">
+            <a:avLst/>
+          </a:prstGeom>
+          <a:solidFill>
+            <a:schemeClr val="accent3"/>
+          </a:solidFill>
+          <a:ln>
+            <a:noFill/>
+          </a:ln>
+        </p:spPr>
+        <p:style>
+          <a:lnRef idx="2">
+            <a:schemeClr val="accent1">
+              <a:shade val="50000"/>
+            </a:schemeClr>
+          </a:lnRef>
+          <a:fillRef idx="1">
+            <a:schemeClr val="accent1"/>
+          </a:fillRef>
+          <a:effectRef idx="0">
+            <a:schemeClr val="accent1"/>
+          </a:effectRef>
+          <a:fontRef idx="minor">
+            <a:schemeClr val="lt1"/>
+          </a:fontRef>
+        </p:style>
+        <p:txBody>
+          <a:bodyPr rtlCol="0" anchor="ctr"/>
+          <a:lstStyle/>
+          <a:p>
+            <a:pPr marL="0" marR="0" lvl="0" indent="0" algn="ctr" defTabSz="914400" rtl="0" eaLnBrk="1" fontAlgn="auto" latinLnBrk="0" hangingPunct="1">
+              <a:lnSpc>
+                <a:spcPct val="100000"/>
+              </a:lnSpc>
+              <a:spcBef>
+                <a:spcPts val="0"/>
+              </a:spcBef>
+              <a:spcAft>
+                <a:spcPts val="0"/>
+              </a:spcAft>
+              <a:buClrTx/>
+              <a:buSzTx/>
+              <a:buFontTx/>
+              <a:buNone/>
+              <a:tabLst/>
+              <a:defRPr/>
+            </a:pPr>
+            <a:endParaRPr kumimoji="0" lang="en-US" sz="1800" b="0" i="0" u="none" strike="noStrike" kern="1200" cap="none" spc="0" normalizeH="0" baseline="0" noProof="0">
+              <a:ln>
+                <a:noFill/>
+              </a:ln>
+              <a:solidFill>
+                <a:prstClr val="white"/>
+              </a:solidFill>
+              <a:effectLst/>
+              <a:uLnTx/>
+              <a:uFillTx/>
+              <a:latin typeface="Calibri" panose="020F0502020204030204"/>
+              <a:ea typeface="+mn-ea"/>
+              <a:cs typeface="+mn-cs"/>
+            </a:endParaRPr>
+          </a:p>
+        </p:txBody>
+      </p:sp>
+      <p:sp>
+        <p:nvSpPr>
+          <p:cNvPr id="17" name="Freeform: Shape 16">
+            <a:extLst>
+              <a:ext uri="{FF2B5EF4-FFF2-40B4-BE49-F238E27FC236}">
+                <a16:creationId xmlns:a16="http://schemas.microsoft.com/office/drawing/2014/main" id="{AB84D7E8-4ECB-42D7-ADBF-01689B0F24AE}"/>
+              </a:ext>
+            </a:extLst>
+          </p:cNvPr>
+          <p:cNvSpPr>
+            <a:spLocks noGrp="1" noRot="1" noChangeAspect="1" noMove="1" noResize="1" noEditPoints="1" noAdjustHandles="1" noChangeArrowheads="1" noChangeShapeType="1" noTextEdit="1"/>
+          </p:cNvSpPr>
+          <p:nvPr>
+            <p:extLst>
+              <p:ext uri="{386F3935-93C4-4BCD-93E2-E3B085C9AB24}">
+                <p16:designElem xmlns:p16="http://schemas.microsoft.com/office/powerpoint/2015/main" val="1"/>
+              </p:ext>
+            </p:extLst>
+          </p:nvPr>
+        </p:nvSpPr>
+        <p:spPr>
+          <a:xfrm>
+            <a:off x="6492113" y="0"/>
+            <a:ext cx="5699887" cy="4059244"/>
+          </a:xfrm>
+          <a:custGeom>
+            <a:avLst/>
+            <a:gdLst>
+              <a:gd name="connsiteX0" fmla="*/ 0 w 5699887"/>
+              <a:gd name="connsiteY0" fmla="*/ 0 h 4059244"/>
+              <a:gd name="connsiteX1" fmla="*/ 5699887 w 5699887"/>
+              <a:gd name="connsiteY1" fmla="*/ 0 h 4059244"/>
+              <a:gd name="connsiteX2" fmla="*/ 5699887 w 5699887"/>
+              <a:gd name="connsiteY2" fmla="*/ 3944096 h 4059244"/>
+              <a:gd name="connsiteX3" fmla="*/ 5525775 w 5699887"/>
+              <a:gd name="connsiteY3" fmla="*/ 3980429 h 4059244"/>
+              <a:gd name="connsiteX4" fmla="*/ 4663256 w 5699887"/>
+              <a:gd name="connsiteY4" fmla="*/ 4059244 h 4059244"/>
+              <a:gd name="connsiteX5" fmla="*/ 8566 w 5699887"/>
+              <a:gd name="connsiteY5" fmla="*/ 67422 h 4059244"/>
+            </a:gdLst>
+            <a:ahLst/>
+            <a:cxnLst>
+              <a:cxn ang="0">
+                <a:pos x="connsiteX0" y="connsiteY0"/>
+              </a:cxn>
+              <a:cxn ang="0">
+                <a:pos x="connsiteX1" y="connsiteY1"/>
+              </a:cxn>
+              <a:cxn ang="0">
+                <a:pos x="connsiteX2" y="connsiteY2"/>
+              </a:cxn>
+              <a:cxn ang="0">
+                <a:pos x="connsiteX3" y="connsiteY3"/>
+              </a:cxn>
+              <a:cxn ang="0">
+                <a:pos x="connsiteX4" y="connsiteY4"/>
+              </a:cxn>
+              <a:cxn ang="0">
+                <a:pos x="connsiteX5" y="connsiteY5"/>
+              </a:cxn>
+            </a:cxnLst>
+            <a:rect l="l" t="t" r="r" b="b"/>
+            <a:pathLst>
+              <a:path w="5699887" h="4059244">
+                <a:moveTo>
+                  <a:pt x="0" y="0"/>
+                </a:moveTo>
+                <a:lnTo>
+                  <a:pt x="5699887" y="0"/>
+                </a:lnTo>
+                <a:lnTo>
+                  <a:pt x="5699887" y="3944096"/>
+                </a:lnTo>
+                <a:lnTo>
+                  <a:pt x="5525775" y="3980429"/>
+                </a:lnTo>
+                <a:cubicBezTo>
+                  <a:pt x="5246154" y="4032190"/>
+                  <a:pt x="4957865" y="4059244"/>
+                  <a:pt x="4663256" y="4059244"/>
+                </a:cubicBezTo>
+                <a:cubicBezTo>
+                  <a:pt x="2306390" y="4059244"/>
+                  <a:pt x="353936" y="2327747"/>
+                  <a:pt x="8566" y="67422"/>
+                </a:cubicBezTo>
+                <a:close/>
+              </a:path>
+            </a:pathLst>
+          </a:custGeom>
+          <a:solidFill>
+            <a:schemeClr val="tx1">
+              <a:lumMod val="75000"/>
+              <a:lumOff val="25000"/>
+            </a:schemeClr>
+          </a:solidFill>
+          <a:ln>
+            <a:noFill/>
+          </a:ln>
+        </p:spPr>
+        <p:style>
+          <a:lnRef idx="2">
+            <a:schemeClr val="accent1">
+              <a:shade val="50000"/>
+            </a:schemeClr>
+          </a:lnRef>
+          <a:fillRef idx="1">
+            <a:schemeClr val="accent1"/>
+          </a:fillRef>
+          <a:effectRef idx="0">
+            <a:schemeClr val="accent1"/>
+          </a:effectRef>
+          <a:fontRef idx="minor">
+            <a:schemeClr val="lt1"/>
+          </a:fontRef>
+        </p:style>
+        <p:txBody>
+          <a:bodyPr rtlCol="0" anchor="ctr"/>
+          <a:lstStyle/>
+          <a:p>
+            <a:pPr marL="0" marR="0" lvl="0" indent="0" algn="ctr" defTabSz="914400" rtl="0" eaLnBrk="1" fontAlgn="auto" latinLnBrk="0" hangingPunct="1">
+              <a:lnSpc>
+                <a:spcPct val="100000"/>
+              </a:lnSpc>
+              <a:spcBef>
+                <a:spcPts val="0"/>
+              </a:spcBef>
+              <a:spcAft>
+                <a:spcPts val="0"/>
+              </a:spcAft>
+              <a:buClrTx/>
+              <a:buSzTx/>
+              <a:buFontTx/>
+              <a:buNone/>
+              <a:tabLst/>
+              <a:defRPr/>
+            </a:pPr>
+            <a:endParaRPr kumimoji="0" lang="en-US" sz="1800" b="0" i="0" u="none" strike="noStrike" kern="1200" cap="none" spc="0" normalizeH="0" baseline="0" noProof="0">
+              <a:ln>
+                <a:noFill/>
+              </a:ln>
+              <a:solidFill>
+                <a:prstClr val="white"/>
+              </a:solidFill>
+              <a:effectLst/>
+              <a:uLnTx/>
+              <a:uFillTx/>
+              <a:latin typeface="Calibri" panose="020F0502020204030204"/>
+              <a:ea typeface="+mn-ea"/>
+              <a:cs typeface="+mn-cs"/>
+            </a:endParaRPr>
+          </a:p>
+        </p:txBody>
+      </p:sp>
+      <p:sp>
+        <p:nvSpPr>
+          <p:cNvPr id="19" name="Oval 18">
+            <a:extLst>
+              <a:ext uri="{FF2B5EF4-FFF2-40B4-BE49-F238E27FC236}">
+                <a16:creationId xmlns:a16="http://schemas.microsoft.com/office/drawing/2014/main" id="{6437D937-A7F1-4011-92B4-328E5BE1B166}"/>
+              </a:ext>
+            </a:extLst>
+          </p:cNvPr>
+          <p:cNvSpPr>
+            <a:spLocks noGrp="1" noRot="1" noChangeAspect="1" noMove="1" noResize="1" noEditPoints="1" noAdjustHandles="1" noChangeArrowheads="1" noChangeShapeType="1" noTextEdit="1"/>
+          </p:cNvSpPr>
+          <p:nvPr>
+            <p:extLst>
+              <p:ext uri="{386F3935-93C4-4BCD-93E2-E3B085C9AB24}">
+                <p16:designElem xmlns:p16="http://schemas.microsoft.com/office/powerpoint/2015/main" val="1"/>
+              </p:ext>
+            </p:extLst>
+          </p:nvPr>
+        </p:nvSpPr>
+        <p:spPr>
+          <a:xfrm>
+            <a:off x="588567" y="620480"/>
+            <a:ext cx="2243800" cy="2243796"/>
+          </a:xfrm>
+          <a:prstGeom prst="ellipse">
+            <a:avLst/>
+          </a:prstGeom>
+          <a:solidFill>
+            <a:schemeClr val="accent5"/>
+          </a:solidFill>
+          <a:ln>
+            <a:noFill/>
+          </a:ln>
+        </p:spPr>
+        <p:style>
+          <a:lnRef idx="2">
+            <a:schemeClr val="accent1">
+              <a:shade val="50000"/>
+            </a:schemeClr>
+          </a:lnRef>
+          <a:fillRef idx="1">
+            <a:schemeClr val="accent1"/>
+          </a:fillRef>
+          <a:effectRef idx="0">
+            <a:schemeClr val="accent1"/>
+          </a:effectRef>
+          <a:fontRef idx="minor">
+            <a:schemeClr val="lt1"/>
+          </a:fontRef>
+        </p:style>
+        <p:txBody>
+          <a:bodyPr rtlCol="0" anchor="ctr"/>
+          <a:lstStyle/>
+          <a:p>
+            <a:pPr marL="0" marR="0" lvl="0" indent="0" algn="ctr" defTabSz="914400" rtl="0" eaLnBrk="1" fontAlgn="auto" latinLnBrk="0" hangingPunct="1">
+              <a:lnSpc>
+                <a:spcPct val="100000"/>
+              </a:lnSpc>
+              <a:spcBef>
+                <a:spcPts val="0"/>
+              </a:spcBef>
+              <a:spcAft>
+                <a:spcPts val="0"/>
+              </a:spcAft>
+              <a:buClrTx/>
+              <a:buSzTx/>
+              <a:buFontTx/>
+              <a:buNone/>
+              <a:tabLst/>
+              <a:defRPr/>
+            </a:pPr>
+            <a:endParaRPr kumimoji="0" lang="en-US" sz="1800" b="0" i="0" u="none" strike="noStrike" kern="1200" cap="none" spc="0" normalizeH="0" baseline="0" noProof="0">
+              <a:ln>
+                <a:noFill/>
+              </a:ln>
+              <a:solidFill>
+                <a:prstClr val="white"/>
+              </a:solidFill>
+              <a:effectLst/>
+              <a:uLnTx/>
+              <a:uFillTx/>
+              <a:latin typeface="Calibri" panose="020F0502020204030204"/>
+              <a:ea typeface="+mn-ea"/>
+              <a:cs typeface="+mn-cs"/>
+            </a:endParaRPr>
+          </a:p>
+        </p:txBody>
+      </p:sp>
+      <p:sp>
+        <p:nvSpPr>
+          <p:cNvPr id="4" name="Titel 3">
+            <a:extLst>
+              <a:ext uri="{FF2B5EF4-FFF2-40B4-BE49-F238E27FC236}">
+                <a16:creationId xmlns:a16="http://schemas.microsoft.com/office/drawing/2014/main" id="{D15B87D7-B5BD-4655-98D7-E7245A32FE0C}"/>
+              </a:ext>
+            </a:extLst>
+          </p:cNvPr>
+          <p:cNvSpPr>
+            <a:spLocks noGrp="1"/>
+          </p:cNvSpPr>
+          <p:nvPr>
+            <p:ph type="title"/>
+          </p:nvPr>
+        </p:nvSpPr>
+        <p:spPr>
+          <a:xfrm>
+            <a:off x="642257" y="4525347"/>
+            <a:ext cx="6939722" cy="1737360"/>
+          </a:xfrm>
+        </p:spPr>
+        <p:txBody>
+          <a:bodyPr vert="horz" lIns="91440" tIns="45720" rIns="91440" bIns="45720" rtlCol="0" anchor="ctr">
+            <a:normAutofit/>
+          </a:bodyPr>
+          <a:lstStyle/>
+          <a:p>
+            <a:pPr algn="r"/>
+            <a:r>
+              <a:rPr lang="en-US" sz="6000" kern="1200" dirty="0" err="1">
+                <a:solidFill>
+                  <a:schemeClr val="tx1"/>
+                </a:solidFill>
+                <a:latin typeface="+mj-lt"/>
+                <a:ea typeface="+mj-ea"/>
+                <a:cs typeface="+mj-cs"/>
+              </a:rPr>
+              <a:t>Vielen</a:t>
+            </a:r>
+            <a:r>
+              <a:rPr lang="en-US" sz="6000" kern="1200" dirty="0">
+                <a:solidFill>
+                  <a:schemeClr val="tx1"/>
+                </a:solidFill>
+                <a:latin typeface="+mj-lt"/>
+                <a:ea typeface="+mj-ea"/>
+                <a:cs typeface="+mj-cs"/>
+              </a:rPr>
+              <a:t> Dank!</a:t>
+            </a:r>
+          </a:p>
+        </p:txBody>
+      </p:sp>
+    </p:spTree>
+    <p:extLst>
+      <p:ext uri="{BB962C8B-B14F-4D97-AF65-F5344CB8AC3E}">
+        <p14:creationId xmlns:p14="http://schemas.microsoft.com/office/powerpoint/2010/main" val="4097080644"/>
+      </p:ext>
+    </p:extLst>
+  </p:cSld>
+  <p:clrMapOvr>
+    <a:masterClrMapping/>
+  </p:clrMapOvr>
+</p:sld>
+</file>
+
 <file path=ppt/theme/theme1.xml><?xml version="1.0" encoding="utf-8"?>
-<a:theme xmlns:a="http://schemas.openxmlformats.org/drawingml/2006/main" name="Office-Design">
+<a:theme xmlns:a="http://schemas.openxmlformats.org/drawingml/2006/main" name="Office">
   <a:themeElements>
     <a:clrScheme name="Office">
       <a:dk1>
@@ -3493,9 +9232,9 @@
         <a:latin typeface="Calibri Light" panose="020F0302020204030204"/>
         <a:ea typeface=""/>
         <a:cs typeface=""/>
-        <a:font script="Jpan" typeface="Yu Gothic Light"/>
+        <a:font script="Jpan" typeface="游ゴシック Light"/>
         <a:font script="Hang" typeface="맑은 고딕"/>
-        <a:font script="Hans" typeface="DengXian Light"/>
+        <a:font script="Hans" typeface="等线 Light"/>
         <a:font script="Hant" typeface="新細明體"/>
         <a:font script="Arab" typeface="Times New Roman"/>
         <a:font script="Hebr" typeface="Times New Roman"/>
@@ -3523,14 +9262,31 @@
         <a:font script="Viet" typeface="Times New Roman"/>
         <a:font script="Uigh" typeface="Microsoft Uighur"/>
         <a:font script="Geor" typeface="Sylfaen"/>
+        <a:font script="Armn" typeface="Arial"/>
+        <a:font script="Bugi" typeface="Leelawadee UI"/>
+        <a:font script="Bopo" typeface="Microsoft JhengHei"/>
+        <a:font script="Java" typeface="Javanese Text"/>
+        <a:font script="Lisu" typeface="Segoe UI"/>
+        <a:font script="Mymr" typeface="Myanmar Text"/>
+        <a:font script="Nkoo" typeface="Ebrima"/>
+        <a:font script="Olck" typeface="Nirmala UI"/>
+        <a:font script="Osma" typeface="Ebrima"/>
+        <a:font script="Phag" typeface="Phagspa"/>
+        <a:font script="Syrn" typeface="Estrangelo Edessa"/>
+        <a:font script="Syrj" typeface="Estrangelo Edessa"/>
+        <a:font script="Syre" typeface="Estrangelo Edessa"/>
+        <a:font script="Sora" typeface="Nirmala UI"/>
+        <a:font script="Tale" typeface="Microsoft Tai Le"/>
+        <a:font script="Talu" typeface="Microsoft New Tai Lue"/>
+        <a:font script="Tfng" typeface="Ebrima"/>
       </a:majorFont>
       <a:minorFont>
         <a:latin typeface="Calibri" panose="020F0502020204030204"/>
         <a:ea typeface=""/>
         <a:cs typeface=""/>
-        <a:font script="Jpan" typeface="Yu Gothic"/>
+        <a:font script="Jpan" typeface="游ゴシック"/>
         <a:font script="Hang" typeface="맑은 고딕"/>
-        <a:font script="Hans" typeface="DengXian"/>
+        <a:font script="Hans" typeface="等线"/>
         <a:font script="Hant" typeface="新細明體"/>
         <a:font script="Arab" typeface="Arial"/>
         <a:font script="Hebr" typeface="Arial"/>
@@ -3558,267 +9314,23 @@
         <a:font script="Viet" typeface="Arial"/>
         <a:font script="Uigh" typeface="Microsoft Uighur"/>
         <a:font script="Geor" typeface="Sylfaen"/>
-      </a:minorFont>
-    </a:fontScheme>
-    <a:fmtScheme name="Office">
-      <a:fillStyleLst>
-        <a:solidFill>
-          <a:schemeClr val="phClr"/>
-        </a:solidFill>
-        <a:gradFill rotWithShape="1">
-          <a:gsLst>
-            <a:gs pos="0">
-              <a:schemeClr val="phClr">
-                <a:lumMod val="110000"/>
-                <a:satMod val="105000"/>
-                <a:tint val="67000"/>
-              </a:schemeClr>
-            </a:gs>
-            <a:gs pos="50000">
-              <a:schemeClr val="phClr">
-                <a:lumMod val="105000"/>
-                <a:satMod val="103000"/>
-                <a:tint val="73000"/>
-              </a:schemeClr>
-            </a:gs>
-            <a:gs pos="100000">
-              <a:schemeClr val="phClr">
-                <a:lumMod val="105000"/>
-                <a:satMod val="109000"/>
-                <a:tint val="81000"/>
-              </a:schemeClr>
-            </a:gs>
-          </a:gsLst>
-          <a:lin ang="5400000" scaled="0"/>
-        </a:gradFill>
-        <a:gradFill rotWithShape="1">
-          <a:gsLst>
-            <a:gs pos="0">
-              <a:schemeClr val="phClr">
-                <a:satMod val="103000"/>
-                <a:lumMod val="102000"/>
-                <a:tint val="94000"/>
-              </a:schemeClr>
-            </a:gs>
-            <a:gs pos="50000">
-              <a:schemeClr val="phClr">
-                <a:satMod val="110000"/>
-                <a:lumMod val="100000"/>
-                <a:shade val="100000"/>
-              </a:schemeClr>
-            </a:gs>
-            <a:gs pos="100000">
-              <a:schemeClr val="phClr">
-                <a:lumMod val="99000"/>
-                <a:satMod val="120000"/>
-                <a:shade val="78000"/>
-              </a:schemeClr>
-            </a:gs>
-          </a:gsLst>
-          <a:lin ang="5400000" scaled="0"/>
-        </a:gradFill>
-      </a:fillStyleLst>
-      <a:lnStyleLst>
-        <a:ln w="6350" cap="flat" cmpd="sng" algn="ctr">
-          <a:solidFill>
-            <a:schemeClr val="phClr"/>
-          </a:solidFill>
-          <a:prstDash val="solid"/>
-          <a:miter lim="800000"/>
-        </a:ln>
-        <a:ln w="12700" cap="flat" cmpd="sng" algn="ctr">
-          <a:solidFill>
-            <a:schemeClr val="phClr"/>
-          </a:solidFill>
-          <a:prstDash val="solid"/>
-          <a:miter lim="800000"/>
-        </a:ln>
-        <a:ln w="19050" cap="flat" cmpd="sng" algn="ctr">
-          <a:solidFill>
-            <a:schemeClr val="phClr"/>
-          </a:solidFill>
-          <a:prstDash val="solid"/>
-          <a:miter lim="800000"/>
-        </a:ln>
-      </a:lnStyleLst>
-      <a:effectStyleLst>
-        <a:effectStyle>
-          <a:effectLst/>
-        </a:effectStyle>
-        <a:effectStyle>
-          <a:effectLst/>
-        </a:effectStyle>
-        <a:effectStyle>
-          <a:effectLst>
-            <a:outerShdw blurRad="57150" dist="19050" dir="5400000" algn="ctr" rotWithShape="0">
-              <a:srgbClr val="000000">
-                <a:alpha val="63000"/>
-              </a:srgbClr>
-            </a:outerShdw>
-          </a:effectLst>
-        </a:effectStyle>
-      </a:effectStyleLst>
-      <a:bgFillStyleLst>
-        <a:solidFill>
-          <a:schemeClr val="phClr"/>
-        </a:solidFill>
-        <a:solidFill>
-          <a:schemeClr val="phClr">
-            <a:tint val="95000"/>
-            <a:satMod val="170000"/>
-          </a:schemeClr>
-        </a:solidFill>
-        <a:gradFill rotWithShape="1">
-          <a:gsLst>
-            <a:gs pos="0">
-              <a:schemeClr val="phClr">
-                <a:tint val="93000"/>
-                <a:satMod val="150000"/>
-                <a:shade val="98000"/>
-                <a:lumMod val="102000"/>
-              </a:schemeClr>
-            </a:gs>
-            <a:gs pos="50000">
-              <a:schemeClr val="phClr">
-                <a:tint val="98000"/>
-                <a:satMod val="130000"/>
-                <a:shade val="90000"/>
-                <a:lumMod val="103000"/>
-              </a:schemeClr>
-            </a:gs>
-            <a:gs pos="100000">
-              <a:schemeClr val="phClr">
-                <a:shade val="63000"/>
-                <a:satMod val="120000"/>
-              </a:schemeClr>
-            </a:gs>
-          </a:gsLst>
-          <a:lin ang="5400000" scaled="0"/>
-        </a:gradFill>
-      </a:bgFillStyleLst>
-    </a:fmtScheme>
-  </a:themeElements>
-  <a:objectDefaults/>
-  <a:extraClrSchemeLst/>
-  <a:extLst>
-    <a:ext uri="{05A4C25C-085E-4340-85A3-A5531E510DB2}">
-      <thm15:themeFamily xmlns:thm15="http://schemas.microsoft.com/office/thememl/2012/main" name="Office Theme" id="{62F939B6-93AF-4DB8-9C6B-D6C7DFDC589F}" vid="{4A3C46E8-61CC-4603-A589-7422A47A8E4A}"/>
-    </a:ext>
-  </a:extLst>
-</a:theme>
-</file>
-
-<file path=ppt/theme/theme2.xml><?xml version="1.0" encoding="utf-8"?>
-<a:theme xmlns:a="http://schemas.openxmlformats.org/drawingml/2006/main" name="Office-Design">
-  <a:themeElements>
-    <a:clrScheme name="Office">
-      <a:dk1>
-        <a:sysClr val="windowText" lastClr="000000"/>
-      </a:dk1>
-      <a:lt1>
-        <a:sysClr val="window" lastClr="FFFFFF"/>
-      </a:lt1>
-      <a:dk2>
-        <a:srgbClr val="44546A"/>
-      </a:dk2>
-      <a:lt2>
-        <a:srgbClr val="E7E6E6"/>
-      </a:lt2>
-      <a:accent1>
-        <a:srgbClr val="4472C4"/>
-      </a:accent1>
-      <a:accent2>
-        <a:srgbClr val="ED7D31"/>
-      </a:accent2>
-      <a:accent3>
-        <a:srgbClr val="A5A5A5"/>
-      </a:accent3>
-      <a:accent4>
-        <a:srgbClr val="FFC000"/>
-      </a:accent4>
-      <a:accent5>
-        <a:srgbClr val="5B9BD5"/>
-      </a:accent5>
-      <a:accent6>
-        <a:srgbClr val="70AD47"/>
-      </a:accent6>
-      <a:hlink>
-        <a:srgbClr val="0563C1"/>
-      </a:hlink>
-      <a:folHlink>
-        <a:srgbClr val="954F72"/>
-      </a:folHlink>
-    </a:clrScheme>
-    <a:fontScheme name="Office">
-      <a:majorFont>
-        <a:latin typeface="Calibri Light" panose="020F0302020204030204"/>
-        <a:ea typeface=""/>
-        <a:cs typeface=""/>
-        <a:font script="Jpan" typeface="Yu Gothic Light"/>
-        <a:font script="Hang" typeface="맑은 고딕"/>
-        <a:font script="Hans" typeface="DengXian Light"/>
-        <a:font script="Hant" typeface="新細明體"/>
-        <a:font script="Arab" typeface="Times New Roman"/>
-        <a:font script="Hebr" typeface="Times New Roman"/>
-        <a:font script="Thai" typeface="Angsana New"/>
-        <a:font script="Ethi" typeface="Nyala"/>
-        <a:font script="Beng" typeface="Vrinda"/>
-        <a:font script="Gujr" typeface="Shruti"/>
-        <a:font script="Khmr" typeface="MoolBoran"/>
-        <a:font script="Knda" typeface="Tunga"/>
-        <a:font script="Guru" typeface="Raavi"/>
-        <a:font script="Cans" typeface="Euphemia"/>
-        <a:font script="Cher" typeface="Plantagenet Cherokee"/>
-        <a:font script="Yiii" typeface="Microsoft Yi Baiti"/>
-        <a:font script="Tibt" typeface="Microsoft Himalaya"/>
-        <a:font script="Thaa" typeface="MV Boli"/>
-        <a:font script="Deva" typeface="Mangal"/>
-        <a:font script="Telu" typeface="Gautami"/>
-        <a:font script="Taml" typeface="Latha"/>
-        <a:font script="Syrc" typeface="Estrangelo Edessa"/>
-        <a:font script="Orya" typeface="Kalinga"/>
-        <a:font script="Mlym" typeface="Kartika"/>
-        <a:font script="Laoo" typeface="DokChampa"/>
-        <a:font script="Sinh" typeface="Iskoola Pota"/>
-        <a:font script="Mong" typeface="Mongolian Baiti"/>
-        <a:font script="Viet" typeface="Times New Roman"/>
-        <a:font script="Uigh" typeface="Microsoft Uighur"/>
-        <a:font script="Geor" typeface="Sylfaen"/>
-      </a:majorFont>
-      <a:minorFont>
-        <a:latin typeface="Calibri" panose="020F0502020204030204"/>
-        <a:ea typeface=""/>
-        <a:cs typeface=""/>
-        <a:font script="Jpan" typeface="Yu Gothic"/>
-        <a:font script="Hang" typeface="맑은 고딕"/>
-        <a:font script="Hans" typeface="DengXian"/>
-        <a:font script="Hant" typeface="新細明體"/>
-        <a:font script="Arab" typeface="Arial"/>
-        <a:font script="Hebr" typeface="Arial"/>
-        <a:font script="Thai" typeface="Cordia New"/>
-        <a:font script="Ethi" typeface="Nyala"/>
-        <a:font script="Beng" typeface="Vrinda"/>
-        <a:font script="Gujr" typeface="Shruti"/>
-        <a:font script="Khmr" typeface="DaunPenh"/>
-        <a:font script="Knda" typeface="Tunga"/>
-        <a:font script="Guru" typeface="Raavi"/>
-        <a:font script="Cans" typeface="Euphemia"/>
-        <a:font script="Cher" typeface="Plantagenet Cherokee"/>
-        <a:font script="Yiii" typeface="Microsoft Yi Baiti"/>
-        <a:font script="Tibt" typeface="Microsoft Himalaya"/>
-        <a:font script="Thaa" typeface="MV Boli"/>
-        <a:font script="Deva" typeface="Mangal"/>
-        <a:font script="Telu" typeface="Gautami"/>
-        <a:font script="Taml" typeface="Latha"/>
-        <a:font script="Syrc" typeface="Estrangelo Edessa"/>
-        <a:font script="Orya" typeface="Kalinga"/>
-        <a:font script="Mlym" typeface="Kartika"/>
-        <a:font script="Laoo" typeface="DokChampa"/>
-        <a:font script="Sinh" typeface="Iskoola Pota"/>
-        <a:font script="Mong" typeface="Mongolian Baiti"/>
-        <a:font script="Viet" typeface="Arial"/>
-        <a:font script="Uigh" typeface="Microsoft Uighur"/>
-        <a:font script="Geor" typeface="Sylfaen"/>
+        <a:font script="Armn" typeface="Arial"/>
+        <a:font script="Bugi" typeface="Leelawadee UI"/>
+        <a:font script="Bopo" typeface="Microsoft JhengHei"/>
+        <a:font script="Java" typeface="Javanese Text"/>
+        <a:font script="Lisu" typeface="Segoe UI"/>
+        <a:font script="Mymr" typeface="Myanmar Text"/>
+        <a:font script="Nkoo" typeface="Ebrima"/>
+        <a:font script="Olck" typeface="Nirmala UI"/>
+        <a:font script="Osma" typeface="Ebrima"/>
+        <a:font script="Phag" typeface="Phagspa"/>
+        <a:font script="Syrn" typeface="Estrangelo Edessa"/>
+        <a:font script="Syrj" typeface="Estrangelo Edessa"/>
+        <a:font script="Syre" typeface="Estrangelo Edessa"/>
+        <a:font script="Sora" typeface="Nirmala UI"/>
+        <a:font script="Tale" typeface="Microsoft Tai Le"/>
+        <a:font script="Talu" typeface="Microsoft New Tai Lue"/>
+        <a:font script="Tfng" typeface="Ebrima"/>
       </a:minorFont>
     </a:fontScheme>
     <a:fmtScheme name="Office">
